--- a/docs/diagrams/report-architecture.pptx
+++ b/docs/diagrams/report-architecture.pptx
@@ -1,20 +1,21 @@
 
 <file path=ppt/presentation.xml><?xml version="1.0" encoding="utf-8"?>
-<p:presentation xmlns:a="http://schemas.openxmlformats.org/drawingml/2006/main" xmlns:r="http://schemas.openxmlformats.org/officeDocument/2006/relationships" xmlns:mc="http://schemas.openxmlformats.org/markup-compatibility/2006" xmlns:mv="urn:schemas-microsoft-com:mac:vml" xmlns:p="http://schemas.openxmlformats.org/presentationml/2006/main" xmlns:c="http://schemas.openxmlformats.org/drawingml/2006/chart" xmlns:dgm="http://schemas.openxmlformats.org/drawingml/2006/diagram" xmlns:o="urn:schemas-microsoft-com:office:office" xmlns:v="urn:schemas-microsoft-com:vml" xmlns:pvml="urn:schemas-microsoft-com:office:powerpoint" xmlns:com="http://schemas.openxmlformats.org/drawingml/2006/compatibility" xmlns:p14="http://schemas.microsoft.com/office/powerpoint/2010/main" xmlns:p15="http://schemas.microsoft.com/office/powerpoint/2012/main" autoCompressPictures="0" strictFirstAndLastChars="0" saveSubsetFonts="1">
+<p:presentation xmlns:a="http://schemas.openxmlformats.org/drawingml/2006/main" xmlns:r="http://schemas.openxmlformats.org/officeDocument/2006/relationships" xmlns:p="http://schemas.openxmlformats.org/presentationml/2006/main" strictFirstAndLastChars="0" saveSubsetFonts="1" autoCompressPictures="0">
   <p:sldMasterIdLst>
-    <p:sldMasterId id="2147483659" r:id="rId4"/>
+    <p:sldMasterId id="2147483659" r:id="rId1"/>
   </p:sldMasterIdLst>
   <p:notesMasterIdLst>
     <p:notesMasterId r:id="rId5"/>
   </p:notesMasterIdLst>
   <p:sldIdLst>
-    <p:sldId id="256" r:id="rId6"/>
-    <p:sldId id="257" r:id="rId7"/>
+    <p:sldId id="256" r:id="rId2"/>
+    <p:sldId id="257" r:id="rId3"/>
+    <p:sldId id="258" r:id="rId4"/>
   </p:sldIdLst>
-  <p:sldSz cy="5143500" cx="9144000"/>
+  <p:sldSz cx="9144000" cy="5143500" type="screen16x9"/>
   <p:notesSz cx="6858000" cy="9144000"/>
   <p:defaultTextStyle>
-    <a:defPPr lvl="0" marR="0" rtl="0" algn="l">
+    <a:defPPr marR="0" lvl="0" algn="l" rtl="0">
       <a:lnSpc>
         <a:spcPct val="100000"/>
       </a:lnSpc>
@@ -25,7 +26,7 @@
         <a:spcPts val="0"/>
       </a:spcAft>
     </a:defPPr>
-    <a:lvl1pPr lvl="0" marR="0" rtl="0" algn="l">
+    <a:lvl1pPr marR="0" lvl="0" algn="l" rtl="0">
       <a:lnSpc>
         <a:spcPct val="100000"/>
       </a:lnSpc>
@@ -39,7 +40,7 @@
         <a:srgbClr val="000000"/>
       </a:buClr>
       <a:buFont typeface="Arial"/>
-      <a:defRPr b="0" i="0" sz="1400" u="none" cap="none" strike="noStrike">
+      <a:defRPr sz="1400" b="0" i="0" u="none" strike="noStrike" cap="none">
         <a:solidFill>
           <a:srgbClr val="000000"/>
         </a:solidFill>
@@ -49,7 +50,7 @@
         <a:sym typeface="Arial"/>
       </a:defRPr>
     </a:lvl1pPr>
-    <a:lvl2pPr lvl="1" marR="0" rtl="0" algn="l">
+    <a:lvl2pPr marR="0" lvl="1" algn="l" rtl="0">
       <a:lnSpc>
         <a:spcPct val="100000"/>
       </a:lnSpc>
@@ -63,7 +64,7 @@
         <a:srgbClr val="000000"/>
       </a:buClr>
       <a:buFont typeface="Arial"/>
-      <a:defRPr b="0" i="0" sz="1400" u="none" cap="none" strike="noStrike">
+      <a:defRPr sz="1400" b="0" i="0" u="none" strike="noStrike" cap="none">
         <a:solidFill>
           <a:srgbClr val="000000"/>
         </a:solidFill>
@@ -73,7 +74,7 @@
         <a:sym typeface="Arial"/>
       </a:defRPr>
     </a:lvl2pPr>
-    <a:lvl3pPr lvl="2" marR="0" rtl="0" algn="l">
+    <a:lvl3pPr marR="0" lvl="2" algn="l" rtl="0">
       <a:lnSpc>
         <a:spcPct val="100000"/>
       </a:lnSpc>
@@ -87,7 +88,7 @@
         <a:srgbClr val="000000"/>
       </a:buClr>
       <a:buFont typeface="Arial"/>
-      <a:defRPr b="0" i="0" sz="1400" u="none" cap="none" strike="noStrike">
+      <a:defRPr sz="1400" b="0" i="0" u="none" strike="noStrike" cap="none">
         <a:solidFill>
           <a:srgbClr val="000000"/>
         </a:solidFill>
@@ -97,7 +98,7 @@
         <a:sym typeface="Arial"/>
       </a:defRPr>
     </a:lvl3pPr>
-    <a:lvl4pPr lvl="3" marR="0" rtl="0" algn="l">
+    <a:lvl4pPr marR="0" lvl="3" algn="l" rtl="0">
       <a:lnSpc>
         <a:spcPct val="100000"/>
       </a:lnSpc>
@@ -111,7 +112,7 @@
         <a:srgbClr val="000000"/>
       </a:buClr>
       <a:buFont typeface="Arial"/>
-      <a:defRPr b="0" i="0" sz="1400" u="none" cap="none" strike="noStrike">
+      <a:defRPr sz="1400" b="0" i="0" u="none" strike="noStrike" cap="none">
         <a:solidFill>
           <a:srgbClr val="000000"/>
         </a:solidFill>
@@ -121,7 +122,7 @@
         <a:sym typeface="Arial"/>
       </a:defRPr>
     </a:lvl4pPr>
-    <a:lvl5pPr lvl="4" marR="0" rtl="0" algn="l">
+    <a:lvl5pPr marR="0" lvl="4" algn="l" rtl="0">
       <a:lnSpc>
         <a:spcPct val="100000"/>
       </a:lnSpc>
@@ -135,7 +136,7 @@
         <a:srgbClr val="000000"/>
       </a:buClr>
       <a:buFont typeface="Arial"/>
-      <a:defRPr b="0" i="0" sz="1400" u="none" cap="none" strike="noStrike">
+      <a:defRPr sz="1400" b="0" i="0" u="none" strike="noStrike" cap="none">
         <a:solidFill>
           <a:srgbClr val="000000"/>
         </a:solidFill>
@@ -145,7 +146,7 @@
         <a:sym typeface="Arial"/>
       </a:defRPr>
     </a:lvl5pPr>
-    <a:lvl6pPr lvl="5" marR="0" rtl="0" algn="l">
+    <a:lvl6pPr marR="0" lvl="5" algn="l" rtl="0">
       <a:lnSpc>
         <a:spcPct val="100000"/>
       </a:lnSpc>
@@ -159,7 +160,7 @@
         <a:srgbClr val="000000"/>
       </a:buClr>
       <a:buFont typeface="Arial"/>
-      <a:defRPr b="0" i="0" sz="1400" u="none" cap="none" strike="noStrike">
+      <a:defRPr sz="1400" b="0" i="0" u="none" strike="noStrike" cap="none">
         <a:solidFill>
           <a:srgbClr val="000000"/>
         </a:solidFill>
@@ -169,7 +170,7 @@
         <a:sym typeface="Arial"/>
       </a:defRPr>
     </a:lvl6pPr>
-    <a:lvl7pPr lvl="6" marR="0" rtl="0" algn="l">
+    <a:lvl7pPr marR="0" lvl="6" algn="l" rtl="0">
       <a:lnSpc>
         <a:spcPct val="100000"/>
       </a:lnSpc>
@@ -183,7 +184,7 @@
         <a:srgbClr val="000000"/>
       </a:buClr>
       <a:buFont typeface="Arial"/>
-      <a:defRPr b="0" i="0" sz="1400" u="none" cap="none" strike="noStrike">
+      <a:defRPr sz="1400" b="0" i="0" u="none" strike="noStrike" cap="none">
         <a:solidFill>
           <a:srgbClr val="000000"/>
         </a:solidFill>
@@ -193,7 +194,7 @@
         <a:sym typeface="Arial"/>
       </a:defRPr>
     </a:lvl7pPr>
-    <a:lvl8pPr lvl="7" marR="0" rtl="0" algn="l">
+    <a:lvl8pPr marR="0" lvl="7" algn="l" rtl="0">
       <a:lnSpc>
         <a:spcPct val="100000"/>
       </a:lnSpc>
@@ -207,7 +208,7 @@
         <a:srgbClr val="000000"/>
       </a:buClr>
       <a:buFont typeface="Arial"/>
-      <a:defRPr b="0" i="0" sz="1400" u="none" cap="none" strike="noStrike">
+      <a:defRPr sz="1400" b="0" i="0" u="none" strike="noStrike" cap="none">
         <a:solidFill>
           <a:srgbClr val="000000"/>
         </a:solidFill>
@@ -217,7 +218,7 @@
         <a:sym typeface="Arial"/>
       </a:defRPr>
     </a:lvl8pPr>
-    <a:lvl9pPr lvl="8" marR="0" rtl="0" algn="l">
+    <a:lvl9pPr marR="0" lvl="8" algn="l" rtl="0">
       <a:lnSpc>
         <a:spcPct val="100000"/>
       </a:lnSpc>
@@ -231,7 +232,7 @@
         <a:srgbClr val="000000"/>
       </a:buClr>
       <a:buFont typeface="Arial"/>
-      <a:defRPr b="0" i="0" sz="1400" u="none" cap="none" strike="noStrike">
+      <a:defRPr sz="1400" b="0" i="0" u="none" strike="noStrike" cap="none">
         <a:solidFill>
           <a:srgbClr val="000000"/>
         </a:solidFill>
@@ -244,7 +245,7 @@
   </p:defaultTextStyle>
   <p:extLst>
     <p:ext uri="{EFAFB233-063F-42B5-8137-9DF3F51BA10A}">
-      <p15:sldGuideLst>
+      <p15:sldGuideLst xmlns:p15="http://schemas.microsoft.com/office/powerpoint/2012/main">
         <p15:guide id="1" orient="horz" pos="1620">
           <p15:clr>
             <a:srgbClr val="A4A3A4"/>
@@ -262,11 +263,16 @@
 </file>
 
 <file path=ppt/notesMasters/notesMaster1.xml><?xml version="1.0" encoding="utf-8"?>
-<p:notesMaster xmlns:a="http://schemas.openxmlformats.org/drawingml/2006/main" xmlns:r="http://schemas.openxmlformats.org/officeDocument/2006/relationships" xmlns:mc="http://schemas.openxmlformats.org/markup-compatibility/2006" xmlns:mv="urn:schemas-microsoft-com:mac:vml" xmlns:p="http://schemas.openxmlformats.org/presentationml/2006/main" xmlns:c="http://schemas.openxmlformats.org/drawingml/2006/chart" xmlns:dgm="http://schemas.openxmlformats.org/drawingml/2006/diagram" xmlns:o="urn:schemas-microsoft-com:office:office" xmlns:v="urn:schemas-microsoft-com:vml" xmlns:pvml="urn:schemas-microsoft-com:office:powerpoint" xmlns:com="http://schemas.openxmlformats.org/drawingml/2006/compatibility" xmlns:p14="http://schemas.microsoft.com/office/powerpoint/2010/main" xmlns:p15="http://schemas.microsoft.com/office/powerpoint/2012/main">
+<p:notesMaster xmlns:a="http://schemas.openxmlformats.org/drawingml/2006/main" xmlns:r="http://schemas.openxmlformats.org/officeDocument/2006/relationships" xmlns:p="http://schemas.openxmlformats.org/presentationml/2006/main">
   <p:cSld>
+    <p:bg>
+      <p:bgRef idx="1001">
+        <a:schemeClr val="bg1"/>
+      </p:bgRef>
+    </p:bg>
     <p:spTree>
       <p:nvGrpSpPr>
-        <p:cNvPr id="2" name="Shape 2"/>
+        <p:cNvPr id="1" name="Shape 2"/>
         <p:cNvGrpSpPr/>
         <p:nvPr/>
       </p:nvGrpSpPr>
@@ -281,9 +287,11 @@
       <p:sp>
         <p:nvSpPr>
           <p:cNvPr id="3" name="Google Shape;3;n"/>
-          <p:cNvSpPr/>
+          <p:cNvSpPr>
+            <a:spLocks noGrp="1" noRot="1" noChangeAspect="1"/>
+          </p:cNvSpPr>
           <p:nvPr>
-            <p:ph idx="2" type="sldImg"/>
+            <p:ph type="sldImg" idx="2"/>
           </p:nvPr>
         </p:nvSpPr>
         <p:spPr>
@@ -292,9 +300,13 @@
             <a:ext cx="6096075" cy="3429000"/>
           </a:xfrm>
           <a:custGeom>
-            <a:rect b="b" l="l" r="r" t="t"/>
+            <a:avLst/>
+            <a:gdLst/>
+            <a:ahLst/>
+            <a:cxnLst/>
+            <a:rect l="l" t="t" r="r" b="b"/>
             <a:pathLst>
-              <a:path extrusionOk="0" h="120000" w="120000">
+              <a:path w="120000" h="120000" extrusionOk="0">
                 <a:moveTo>
                   <a:pt x="0" y="0"/>
                 </a:moveTo>
@@ -312,23 +324,25 @@
             </a:pathLst>
           </a:custGeom>
           <a:noFill/>
-          <a:ln cap="flat" cmpd="sng" w="9525">
+          <a:ln w="9525" cap="flat" cmpd="sng">
             <a:solidFill>
               <a:srgbClr val="000000"/>
             </a:solidFill>
             <a:prstDash val="solid"/>
             <a:round/>
-            <a:headEnd len="sm" w="sm" type="none"/>
-            <a:tailEnd len="sm" w="sm" type="none"/>
+            <a:headEnd type="none" w="sm" len="sm"/>
+            <a:tailEnd type="none" w="sm" len="sm"/>
           </a:ln>
         </p:spPr>
       </p:sp>
       <p:sp>
         <p:nvSpPr>
           <p:cNvPr id="4" name="Google Shape;4;n"/>
-          <p:cNvSpPr txBox="1"/>
+          <p:cNvSpPr txBox="1">
+            <a:spLocks noGrp="1"/>
+          </p:cNvSpPr>
           <p:nvPr>
-            <p:ph idx="1" type="body"/>
+            <p:ph type="body" idx="1"/>
           </p:nvPr>
         </p:nvSpPr>
         <p:spPr>
@@ -345,9 +359,9 @@
           </a:ln>
         </p:spPr>
         <p:txBody>
-          <a:bodyPr anchorCtr="0" anchor="t" bIns="91425" lIns="91425" spcFirstLastPara="1" rIns="91425" wrap="square" tIns="91425"/>
+          <a:bodyPr spcFirstLastPara="1" wrap="square" lIns="91425" tIns="91425" rIns="91425" bIns="91425" anchor="t" anchorCtr="0"/>
           <a:lstStyle>
-            <a:lvl1pPr indent="-298450" lvl="0" marL="457200">
+            <a:lvl1pPr marL="457200" lvl="0" indent="-298450">
               <a:spcBef>
                 <a:spcPts val="0"/>
               </a:spcBef>
@@ -358,7 +372,7 @@
               <a:buChar char="●"/>
               <a:defRPr sz="1100"/>
             </a:lvl1pPr>
-            <a:lvl2pPr indent="-298450" lvl="1" marL="914400">
+            <a:lvl2pPr marL="914400" lvl="1" indent="-298450">
               <a:spcBef>
                 <a:spcPts val="0"/>
               </a:spcBef>
@@ -369,7 +383,7 @@
               <a:buChar char="○"/>
               <a:defRPr sz="1100"/>
             </a:lvl2pPr>
-            <a:lvl3pPr indent="-298450" lvl="2" marL="1371600">
+            <a:lvl3pPr marL="1371600" lvl="2" indent="-298450">
               <a:spcBef>
                 <a:spcPts val="0"/>
               </a:spcBef>
@@ -380,7 +394,7 @@
               <a:buChar char="■"/>
               <a:defRPr sz="1100"/>
             </a:lvl3pPr>
-            <a:lvl4pPr indent="-298450" lvl="3" marL="1828800">
+            <a:lvl4pPr marL="1828800" lvl="3" indent="-298450">
               <a:spcBef>
                 <a:spcPts val="0"/>
               </a:spcBef>
@@ -391,7 +405,7 @@
               <a:buChar char="●"/>
               <a:defRPr sz="1100"/>
             </a:lvl4pPr>
-            <a:lvl5pPr indent="-298450" lvl="4" marL="2286000">
+            <a:lvl5pPr marL="2286000" lvl="4" indent="-298450">
               <a:spcBef>
                 <a:spcPts val="0"/>
               </a:spcBef>
@@ -402,7 +416,7 @@
               <a:buChar char="○"/>
               <a:defRPr sz="1100"/>
             </a:lvl5pPr>
-            <a:lvl6pPr indent="-298450" lvl="5" marL="2743200">
+            <a:lvl6pPr marL="2743200" lvl="5" indent="-298450">
               <a:spcBef>
                 <a:spcPts val="0"/>
               </a:spcBef>
@@ -413,7 +427,7 @@
               <a:buChar char="■"/>
               <a:defRPr sz="1100"/>
             </a:lvl6pPr>
-            <a:lvl7pPr indent="-298450" lvl="6" marL="3200400">
+            <a:lvl7pPr marL="3200400" lvl="6" indent="-298450">
               <a:spcBef>
                 <a:spcPts val="0"/>
               </a:spcBef>
@@ -424,7 +438,7 @@
               <a:buChar char="●"/>
               <a:defRPr sz="1100"/>
             </a:lvl7pPr>
-            <a:lvl8pPr indent="-298450" lvl="7" marL="3657600">
+            <a:lvl8pPr marL="3657600" lvl="7" indent="-298450">
               <a:spcBef>
                 <a:spcPts val="0"/>
               </a:spcBef>
@@ -435,7 +449,7 @@
               <a:buChar char="○"/>
               <a:defRPr sz="1100"/>
             </a:lvl8pPr>
-            <a:lvl9pPr indent="-298450" lvl="8" marL="4114800">
+            <a:lvl9pPr marL="4114800" lvl="8" indent="-298450">
               <a:spcBef>
                 <a:spcPts val="0"/>
               </a:spcBef>
@@ -447,14 +461,16 @@
               <a:defRPr sz="1100"/>
             </a:lvl9pPr>
           </a:lstStyle>
-          <a:p/>
+          <a:p>
+            <a:endParaRPr/>
+          </a:p>
         </p:txBody>
       </p:sp>
     </p:spTree>
   </p:cSld>
-  <p:clrMap accent1="accent1" accent2="accent2" accent3="accent3" accent4="accent4" accent5="accent5" accent6="accent6" bg1="lt1" bg2="dk2" tx1="dk1" tx2="lt2" folHlink="folHlink" hlink="hlink"/>
+  <p:clrMap bg1="lt1" tx1="dk1" bg2="dk2" tx2="lt2" accent1="accent1" accent2="accent2" accent3="accent3" accent4="accent4" accent5="accent5" accent6="accent6" hlink="hlink" folHlink="folHlink"/>
   <p:notesStyle>
-    <a:defPPr lvl="0" marR="0" rtl="0" algn="l">
+    <a:defPPr marR="0" lvl="0" algn="l" rtl="0">
       <a:lnSpc>
         <a:spcPct val="100000"/>
       </a:lnSpc>
@@ -465,7 +481,7 @@
         <a:spcPts val="0"/>
       </a:spcAft>
     </a:defPPr>
-    <a:lvl1pPr lvl="0" marR="0" rtl="0" algn="l">
+    <a:lvl1pPr marR="0" lvl="0" algn="l" rtl="0">
       <a:lnSpc>
         <a:spcPct val="100000"/>
       </a:lnSpc>
@@ -479,7 +495,7 @@
         <a:srgbClr val="000000"/>
       </a:buClr>
       <a:buFont typeface="Arial"/>
-      <a:defRPr b="0" i="0" sz="1400" u="none" cap="none" strike="noStrike">
+      <a:defRPr sz="1400" b="0" i="0" u="none" strike="noStrike" cap="none">
         <a:solidFill>
           <a:srgbClr val="000000"/>
         </a:solidFill>
@@ -489,7 +505,7 @@
         <a:sym typeface="Arial"/>
       </a:defRPr>
     </a:lvl1pPr>
-    <a:lvl2pPr lvl="1" marR="0" rtl="0" algn="l">
+    <a:lvl2pPr marR="0" lvl="1" algn="l" rtl="0">
       <a:lnSpc>
         <a:spcPct val="100000"/>
       </a:lnSpc>
@@ -503,7 +519,7 @@
         <a:srgbClr val="000000"/>
       </a:buClr>
       <a:buFont typeface="Arial"/>
-      <a:defRPr b="0" i="0" sz="1400" u="none" cap="none" strike="noStrike">
+      <a:defRPr sz="1400" b="0" i="0" u="none" strike="noStrike" cap="none">
         <a:solidFill>
           <a:srgbClr val="000000"/>
         </a:solidFill>
@@ -513,7 +529,7 @@
         <a:sym typeface="Arial"/>
       </a:defRPr>
     </a:lvl2pPr>
-    <a:lvl3pPr lvl="2" marR="0" rtl="0" algn="l">
+    <a:lvl3pPr marR="0" lvl="2" algn="l" rtl="0">
       <a:lnSpc>
         <a:spcPct val="100000"/>
       </a:lnSpc>
@@ -527,7 +543,7 @@
         <a:srgbClr val="000000"/>
       </a:buClr>
       <a:buFont typeface="Arial"/>
-      <a:defRPr b="0" i="0" sz="1400" u="none" cap="none" strike="noStrike">
+      <a:defRPr sz="1400" b="0" i="0" u="none" strike="noStrike" cap="none">
         <a:solidFill>
           <a:srgbClr val="000000"/>
         </a:solidFill>
@@ -537,7 +553,7 @@
         <a:sym typeface="Arial"/>
       </a:defRPr>
     </a:lvl3pPr>
-    <a:lvl4pPr lvl="3" marR="0" rtl="0" algn="l">
+    <a:lvl4pPr marR="0" lvl="3" algn="l" rtl="0">
       <a:lnSpc>
         <a:spcPct val="100000"/>
       </a:lnSpc>
@@ -551,7 +567,7 @@
         <a:srgbClr val="000000"/>
       </a:buClr>
       <a:buFont typeface="Arial"/>
-      <a:defRPr b="0" i="0" sz="1400" u="none" cap="none" strike="noStrike">
+      <a:defRPr sz="1400" b="0" i="0" u="none" strike="noStrike" cap="none">
         <a:solidFill>
           <a:srgbClr val="000000"/>
         </a:solidFill>
@@ -561,7 +577,7 @@
         <a:sym typeface="Arial"/>
       </a:defRPr>
     </a:lvl4pPr>
-    <a:lvl5pPr lvl="4" marR="0" rtl="0" algn="l">
+    <a:lvl5pPr marR="0" lvl="4" algn="l" rtl="0">
       <a:lnSpc>
         <a:spcPct val="100000"/>
       </a:lnSpc>
@@ -575,7 +591,7 @@
         <a:srgbClr val="000000"/>
       </a:buClr>
       <a:buFont typeface="Arial"/>
-      <a:defRPr b="0" i="0" sz="1400" u="none" cap="none" strike="noStrike">
+      <a:defRPr sz="1400" b="0" i="0" u="none" strike="noStrike" cap="none">
         <a:solidFill>
           <a:srgbClr val="000000"/>
         </a:solidFill>
@@ -585,7 +601,7 @@
         <a:sym typeface="Arial"/>
       </a:defRPr>
     </a:lvl5pPr>
-    <a:lvl6pPr lvl="5" marR="0" rtl="0" algn="l">
+    <a:lvl6pPr marR="0" lvl="5" algn="l" rtl="0">
       <a:lnSpc>
         <a:spcPct val="100000"/>
       </a:lnSpc>
@@ -599,7 +615,7 @@
         <a:srgbClr val="000000"/>
       </a:buClr>
       <a:buFont typeface="Arial"/>
-      <a:defRPr b="0" i="0" sz="1400" u="none" cap="none" strike="noStrike">
+      <a:defRPr sz="1400" b="0" i="0" u="none" strike="noStrike" cap="none">
         <a:solidFill>
           <a:srgbClr val="000000"/>
         </a:solidFill>
@@ -609,7 +625,7 @@
         <a:sym typeface="Arial"/>
       </a:defRPr>
     </a:lvl6pPr>
-    <a:lvl7pPr lvl="6" marR="0" rtl="0" algn="l">
+    <a:lvl7pPr marR="0" lvl="6" algn="l" rtl="0">
       <a:lnSpc>
         <a:spcPct val="100000"/>
       </a:lnSpc>
@@ -623,7 +639,7 @@
         <a:srgbClr val="000000"/>
       </a:buClr>
       <a:buFont typeface="Arial"/>
-      <a:defRPr b="0" i="0" sz="1400" u="none" cap="none" strike="noStrike">
+      <a:defRPr sz="1400" b="0" i="0" u="none" strike="noStrike" cap="none">
         <a:solidFill>
           <a:srgbClr val="000000"/>
         </a:solidFill>
@@ -633,7 +649,7 @@
         <a:sym typeface="Arial"/>
       </a:defRPr>
     </a:lvl7pPr>
-    <a:lvl8pPr lvl="7" marR="0" rtl="0" algn="l">
+    <a:lvl8pPr marR="0" lvl="7" algn="l" rtl="0">
       <a:lnSpc>
         <a:spcPct val="100000"/>
       </a:lnSpc>
@@ -647,7 +663,7 @@
         <a:srgbClr val="000000"/>
       </a:buClr>
       <a:buFont typeface="Arial"/>
-      <a:defRPr b="0" i="0" sz="1400" u="none" cap="none" strike="noStrike">
+      <a:defRPr sz="1400" b="0" i="0" u="none" strike="noStrike" cap="none">
         <a:solidFill>
           <a:srgbClr val="000000"/>
         </a:solidFill>
@@ -657,7 +673,7 @@
         <a:sym typeface="Arial"/>
       </a:defRPr>
     </a:lvl8pPr>
-    <a:lvl9pPr lvl="8" marR="0" rtl="0" algn="l">
+    <a:lvl9pPr marR="0" lvl="8" algn="l" rtl="0">
       <a:lnSpc>
         <a:spcPct val="100000"/>
       </a:lnSpc>
@@ -671,7 +687,7 @@
         <a:srgbClr val="000000"/>
       </a:buClr>
       <a:buFont typeface="Arial"/>
-      <a:defRPr b="0" i="0" sz="1400" u="none" cap="none" strike="noStrike">
+      <a:defRPr sz="1400" b="0" i="0" u="none" strike="noStrike" cap="none">
         <a:solidFill>
           <a:srgbClr val="000000"/>
         </a:solidFill>
@@ -686,11 +702,11 @@
 </file>
 
 <file path=ppt/notesSlides/notesSlide1.xml><?xml version="1.0" encoding="utf-8"?>
-<p:notes xmlns:a="http://schemas.openxmlformats.org/drawingml/2006/main" xmlns:r="http://schemas.openxmlformats.org/officeDocument/2006/relationships" xmlns:mc="http://schemas.openxmlformats.org/markup-compatibility/2006" xmlns:mv="urn:schemas-microsoft-com:mac:vml" xmlns:p="http://schemas.openxmlformats.org/presentationml/2006/main" xmlns:c="http://schemas.openxmlformats.org/drawingml/2006/chart" xmlns:dgm="http://schemas.openxmlformats.org/drawingml/2006/diagram" xmlns:o="urn:schemas-microsoft-com:office:office" xmlns:v="urn:schemas-microsoft-com:vml" xmlns:pvml="urn:schemas-microsoft-com:office:powerpoint" xmlns:com="http://schemas.openxmlformats.org/drawingml/2006/compatibility" xmlns:p14="http://schemas.microsoft.com/office/powerpoint/2010/main" xmlns:p15="http://schemas.microsoft.com/office/powerpoint/2012/main" showMasterPhAnim="0" showMasterSp="0">
+<p:notes xmlns:a="http://schemas.openxmlformats.org/drawingml/2006/main" xmlns:r="http://schemas.openxmlformats.org/officeDocument/2006/relationships" xmlns:p="http://schemas.openxmlformats.org/presentationml/2006/main" showMasterSp="0" showMasterPhAnim="0">
   <p:cSld>
     <p:spTree>
       <p:nvGrpSpPr>
-        <p:cNvPr id="50" name="Shape 50"/>
+        <p:cNvPr id="1" name="Shape 50"/>
         <p:cNvGrpSpPr/>
         <p:nvPr/>
       </p:nvGrpSpPr>
@@ -705,20 +721,26 @@
       <p:sp>
         <p:nvSpPr>
           <p:cNvPr id="51" name="Google Shape;51;p:notes"/>
-          <p:cNvSpPr/>
+          <p:cNvSpPr>
+            <a:spLocks noGrp="1" noRot="1" noChangeAspect="1"/>
+          </p:cNvSpPr>
           <p:nvPr>
-            <p:ph idx="2" type="sldImg"/>
+            <p:ph type="sldImg" idx="2"/>
           </p:nvPr>
         </p:nvSpPr>
         <p:spPr>
           <a:xfrm>
-            <a:off x="381300" y="685800"/>
-            <a:ext cx="6096075" cy="3429000"/>
+            <a:off x="381000" y="685800"/>
+            <a:ext cx="6096000" cy="3429000"/>
           </a:xfrm>
           <a:custGeom>
-            <a:rect b="b" l="l" r="r" t="t"/>
+            <a:avLst/>
+            <a:gdLst/>
+            <a:ahLst/>
+            <a:cxnLst/>
+            <a:rect l="l" t="t" r="r" b="b"/>
             <a:pathLst>
-              <a:path extrusionOk="0" h="120000" w="120000">
+              <a:path w="120000" h="120000" extrusionOk="0">
                 <a:moveTo>
                   <a:pt x="0" y="0"/>
                 </a:moveTo>
@@ -740,9 +762,11 @@
       <p:sp>
         <p:nvSpPr>
           <p:cNvPr id="52" name="Google Shape;52;p:notes"/>
-          <p:cNvSpPr txBox="1"/>
+          <p:cNvSpPr txBox="1">
+            <a:spLocks noGrp="1"/>
+          </p:cNvSpPr>
           <p:nvPr>
-            <p:ph idx="1" type="body"/>
+            <p:ph type="body" idx="1"/>
           </p:nvPr>
         </p:nvSpPr>
         <p:spPr>
@@ -755,12 +779,12 @@
           </a:prstGeom>
         </p:spPr>
         <p:txBody>
-          <a:bodyPr anchorCtr="0" anchor="t" bIns="91425" lIns="91425" spcFirstLastPara="1" rIns="91425" wrap="square" tIns="91425">
+          <a:bodyPr spcFirstLastPara="1" wrap="square" lIns="91425" tIns="91425" rIns="91425" bIns="91425" anchor="t" anchorCtr="0">
             <a:noAutofit/>
           </a:bodyPr>
           <a:lstStyle/>
           <a:p>
-            <a:pPr indent="0" lvl="0" marL="0" rtl="0" algn="l">
+            <a:pPr marL="0" lvl="0" indent="0" algn="l" rtl="0">
               <a:spcBef>
                 <a:spcPts val="0"/>
               </a:spcBef>
@@ -769,9 +793,6 @@
               </a:spcAft>
               <a:buNone/>
             </a:pPr>
-            <a:r>
-              <a:t/>
-            </a:r>
             <a:endParaRPr/>
           </a:p>
         </p:txBody>
@@ -785,11 +806,11 @@
 </file>
 
 <file path=ppt/notesSlides/notesSlide2.xml><?xml version="1.0" encoding="utf-8"?>
-<p:notes xmlns:a="http://schemas.openxmlformats.org/drawingml/2006/main" xmlns:r="http://schemas.openxmlformats.org/officeDocument/2006/relationships" xmlns:mc="http://schemas.openxmlformats.org/markup-compatibility/2006" xmlns:mv="urn:schemas-microsoft-com:mac:vml" xmlns:p="http://schemas.openxmlformats.org/presentationml/2006/main" xmlns:c="http://schemas.openxmlformats.org/drawingml/2006/chart" xmlns:dgm="http://schemas.openxmlformats.org/drawingml/2006/diagram" xmlns:o="urn:schemas-microsoft-com:office:office" xmlns:v="urn:schemas-microsoft-com:vml" xmlns:pvml="urn:schemas-microsoft-com:office:powerpoint" xmlns:com="http://schemas.openxmlformats.org/drawingml/2006/compatibility" xmlns:p14="http://schemas.microsoft.com/office/powerpoint/2010/main" xmlns:p15="http://schemas.microsoft.com/office/powerpoint/2012/main" showMasterPhAnim="0" showMasterSp="0">
+<p:notes xmlns:a="http://schemas.openxmlformats.org/drawingml/2006/main" xmlns:r="http://schemas.openxmlformats.org/officeDocument/2006/relationships" xmlns:p="http://schemas.openxmlformats.org/presentationml/2006/main" showMasterSp="0" showMasterPhAnim="0">
   <p:cSld>
     <p:spTree>
       <p:nvGrpSpPr>
-        <p:cNvPr id="97" name="Shape 97"/>
+        <p:cNvPr id="1" name="Shape 97"/>
         <p:cNvGrpSpPr/>
         <p:nvPr/>
       </p:nvGrpSpPr>
@@ -804,20 +825,26 @@
       <p:sp>
         <p:nvSpPr>
           <p:cNvPr id="98" name="Google Shape;98;g429f53d4ae_0_0:notes"/>
-          <p:cNvSpPr/>
+          <p:cNvSpPr>
+            <a:spLocks noGrp="1" noRot="1" noChangeAspect="1"/>
+          </p:cNvSpPr>
           <p:nvPr>
-            <p:ph idx="2" type="sldImg"/>
+            <p:ph type="sldImg" idx="2"/>
           </p:nvPr>
         </p:nvSpPr>
         <p:spPr>
           <a:xfrm>
-            <a:off x="381300" y="685800"/>
+            <a:off x="381000" y="685800"/>
             <a:ext cx="6096000" cy="3429000"/>
           </a:xfrm>
           <a:custGeom>
-            <a:rect b="b" l="l" r="r" t="t"/>
+            <a:avLst/>
+            <a:gdLst/>
+            <a:ahLst/>
+            <a:cxnLst/>
+            <a:rect l="l" t="t" r="r" b="b"/>
             <a:pathLst>
-              <a:path extrusionOk="0" h="120000" w="120000">
+              <a:path w="120000" h="120000" extrusionOk="0">
                 <a:moveTo>
                   <a:pt x="0" y="0"/>
                 </a:moveTo>
@@ -839,9 +866,11 @@
       <p:sp>
         <p:nvSpPr>
           <p:cNvPr id="99" name="Google Shape;99;g429f53d4ae_0_0:notes"/>
-          <p:cNvSpPr txBox="1"/>
+          <p:cNvSpPr txBox="1">
+            <a:spLocks noGrp="1"/>
+          </p:cNvSpPr>
           <p:nvPr>
-            <p:ph idx="1" type="body"/>
+            <p:ph type="body" idx="1"/>
           </p:nvPr>
         </p:nvSpPr>
         <p:spPr>
@@ -854,12 +883,12 @@
           </a:prstGeom>
         </p:spPr>
         <p:txBody>
-          <a:bodyPr anchorCtr="0" anchor="t" bIns="91425" lIns="91425" spcFirstLastPara="1" rIns="91425" wrap="square" tIns="91425">
+          <a:bodyPr spcFirstLastPara="1" wrap="square" lIns="91425" tIns="91425" rIns="91425" bIns="91425" anchor="t" anchorCtr="0">
             <a:noAutofit/>
           </a:bodyPr>
           <a:lstStyle/>
           <a:p>
-            <a:pPr indent="0" lvl="0" marL="0" rtl="0" algn="l">
+            <a:pPr marL="0" lvl="0" indent="0" algn="l" rtl="0">
               <a:spcBef>
                 <a:spcPts val="0"/>
               </a:spcBef>
@@ -868,9 +897,6 @@
               </a:spcAft>
               <a:buNone/>
             </a:pPr>
-            <a:r>
-              <a:t/>
-            </a:r>
             <a:endParaRPr/>
           </a:p>
         </p:txBody>
@@ -884,11 +910,11 @@
 </file>
 
 <file path=ppt/slideLayouts/slideLayout1.xml><?xml version="1.0" encoding="utf-8"?>
-<p:sldLayout xmlns:a="http://schemas.openxmlformats.org/drawingml/2006/main" xmlns:r="http://schemas.openxmlformats.org/officeDocument/2006/relationships" xmlns:mc="http://schemas.openxmlformats.org/markup-compatibility/2006" xmlns:mv="urn:schemas-microsoft-com:mac:vml" xmlns:p="http://schemas.openxmlformats.org/presentationml/2006/main" xmlns:c="http://schemas.openxmlformats.org/drawingml/2006/chart" xmlns:dgm="http://schemas.openxmlformats.org/drawingml/2006/diagram" xmlns:o="urn:schemas-microsoft-com:office:office" xmlns:v="urn:schemas-microsoft-com:vml" xmlns:pvml="urn:schemas-microsoft-com:office:powerpoint" xmlns:com="http://schemas.openxmlformats.org/drawingml/2006/compatibility" xmlns:p14="http://schemas.microsoft.com/office/powerpoint/2010/main" xmlns:p15="http://schemas.microsoft.com/office/powerpoint/2012/main" matchingName="Title slide" type="title">
+<p:sldLayout xmlns:a="http://schemas.openxmlformats.org/drawingml/2006/main" xmlns:r="http://schemas.openxmlformats.org/officeDocument/2006/relationships" xmlns:p="http://schemas.openxmlformats.org/presentationml/2006/main" matchingName="Title slide" type="title">
   <p:cSld name="TITLE">
     <p:spTree>
       <p:nvGrpSpPr>
-        <p:cNvPr id="9" name="Shape 9"/>
+        <p:cNvPr id="1" name="Shape 9"/>
         <p:cNvGrpSpPr/>
         <p:nvPr/>
       </p:nvGrpSpPr>
@@ -903,7 +929,9 @@
       <p:sp>
         <p:nvSpPr>
           <p:cNvPr id="10" name="Google Shape;10;p2"/>
-          <p:cNvSpPr txBox="1"/>
+          <p:cNvSpPr txBox="1">
+            <a:spLocks noGrp="1"/>
+          </p:cNvSpPr>
           <p:nvPr>
             <p:ph type="ctrTitle"/>
           </p:nvPr>
@@ -918,7 +946,7 @@
           </a:prstGeom>
         </p:spPr>
         <p:txBody>
-          <a:bodyPr anchorCtr="0" anchor="b" bIns="91425" lIns="91425" spcFirstLastPara="1" rIns="91425" wrap="square" tIns="91425"/>
+          <a:bodyPr spcFirstLastPara="1" wrap="square" lIns="91425" tIns="91425" rIns="91425" bIns="91425" anchor="b" anchorCtr="0"/>
           <a:lstStyle>
             <a:lvl1pPr lvl="0" algn="ctr">
               <a:spcBef>
@@ -1020,15 +1048,19 @@
               <a:defRPr sz="5200"/>
             </a:lvl9pPr>
           </a:lstStyle>
-          <a:p/>
+          <a:p>
+            <a:endParaRPr/>
+          </a:p>
         </p:txBody>
       </p:sp>
       <p:sp>
         <p:nvSpPr>
           <p:cNvPr id="11" name="Google Shape;11;p2"/>
-          <p:cNvSpPr txBox="1"/>
+          <p:cNvSpPr txBox="1">
+            <a:spLocks noGrp="1"/>
+          </p:cNvSpPr>
           <p:nvPr>
-            <p:ph idx="1" type="subTitle"/>
+            <p:ph type="subTitle" idx="1"/>
           </p:nvPr>
         </p:nvSpPr>
         <p:spPr>
@@ -1041,7 +1073,7 @@
           </a:prstGeom>
         </p:spPr>
         <p:txBody>
-          <a:bodyPr anchorCtr="0" anchor="t" bIns="91425" lIns="91425" spcFirstLastPara="1" rIns="91425" wrap="square" tIns="91425"/>
+          <a:bodyPr spcFirstLastPara="1" wrap="square" lIns="91425" tIns="91425" rIns="91425" bIns="91425" anchor="t" anchorCtr="0"/>
           <a:lstStyle>
             <a:lvl1pPr lvl="0" algn="ctr">
               <a:lnSpc>
@@ -1170,15 +1202,19 @@
               <a:defRPr sz="2800"/>
             </a:lvl9pPr>
           </a:lstStyle>
-          <a:p/>
+          <a:p>
+            <a:endParaRPr/>
+          </a:p>
         </p:txBody>
       </p:sp>
       <p:sp>
         <p:nvSpPr>
           <p:cNvPr id="12" name="Google Shape;12;p2"/>
-          <p:cNvSpPr txBox="1"/>
+          <p:cNvSpPr txBox="1">
+            <a:spLocks noGrp="1"/>
+          </p:cNvSpPr>
           <p:nvPr>
-            <p:ph idx="12" type="sldNum"/>
+            <p:ph type="sldNum" idx="12"/>
           </p:nvPr>
         </p:nvSpPr>
         <p:spPr>
@@ -1191,7 +1227,7 @@
           </a:prstGeom>
         </p:spPr>
         <p:txBody>
-          <a:bodyPr anchorCtr="0" anchor="ctr" bIns="91425" lIns="91425" spcFirstLastPara="1" rIns="91425" wrap="square" tIns="91425">
+          <a:bodyPr spcFirstLastPara="1" wrap="square" lIns="91425" tIns="91425" rIns="91425" bIns="91425" anchor="ctr" anchorCtr="0">
             <a:noAutofit/>
           </a:bodyPr>
           <a:lstStyle>
@@ -1233,7 +1269,7 @@
             </a:lvl9pPr>
           </a:lstStyle>
           <a:p>
-            <a:pPr indent="0" lvl="0" marL="0" rtl="0" algn="r">
+            <a:pPr marL="0" lvl="0" indent="0" algn="r" rtl="0">
               <a:spcBef>
                 <a:spcPts val="0"/>
               </a:spcBef>
@@ -1259,11 +1295,11 @@
 </file>
 
 <file path=ppt/slideLayouts/slideLayout10.xml><?xml version="1.0" encoding="utf-8"?>
-<p:sldLayout xmlns:a="http://schemas.openxmlformats.org/drawingml/2006/main" xmlns:r="http://schemas.openxmlformats.org/officeDocument/2006/relationships" xmlns:mc="http://schemas.openxmlformats.org/markup-compatibility/2006" xmlns:mv="urn:schemas-microsoft-com:mac:vml" xmlns:p="http://schemas.openxmlformats.org/presentationml/2006/main" xmlns:c="http://schemas.openxmlformats.org/drawingml/2006/chart" xmlns:dgm="http://schemas.openxmlformats.org/drawingml/2006/diagram" xmlns:o="urn:schemas-microsoft-com:office:office" xmlns:v="urn:schemas-microsoft-com:vml" xmlns:pvml="urn:schemas-microsoft-com:office:powerpoint" xmlns:com="http://schemas.openxmlformats.org/drawingml/2006/compatibility" xmlns:p14="http://schemas.microsoft.com/office/powerpoint/2010/main" xmlns:p15="http://schemas.microsoft.com/office/powerpoint/2012/main" matchingName="Big number">
+<p:sldLayout xmlns:a="http://schemas.openxmlformats.org/drawingml/2006/main" xmlns:r="http://schemas.openxmlformats.org/officeDocument/2006/relationships" xmlns:p="http://schemas.openxmlformats.org/presentationml/2006/main" matchingName="Big number">
   <p:cSld name="BIG_NUMBER">
     <p:spTree>
       <p:nvGrpSpPr>
-        <p:cNvPr id="44" name="Shape 44"/>
+        <p:cNvPr id="1" name="Shape 44"/>
         <p:cNvGrpSpPr/>
         <p:nvPr/>
       </p:nvGrpSpPr>
@@ -1278,9 +1314,11 @@
       <p:sp>
         <p:nvSpPr>
           <p:cNvPr id="45" name="Google Shape;45;p11"/>
-          <p:cNvSpPr txBox="1"/>
+          <p:cNvSpPr txBox="1">
+            <a:spLocks noGrp="1"/>
+          </p:cNvSpPr>
           <p:nvPr>
-            <p:ph hasCustomPrompt="1" type="title"/>
+            <p:ph type="title" hasCustomPrompt="1"/>
           </p:nvPr>
         </p:nvSpPr>
         <p:spPr>
@@ -1293,7 +1331,7 @@
           </a:prstGeom>
         </p:spPr>
         <p:txBody>
-          <a:bodyPr anchorCtr="0" anchor="b" bIns="91425" lIns="91425" spcFirstLastPara="1" rIns="91425" wrap="square" tIns="91425"/>
+          <a:bodyPr spcFirstLastPara="1" wrap="square" lIns="91425" tIns="91425" rIns="91425" bIns="91425" anchor="b" anchorCtr="0"/>
           <a:lstStyle>
             <a:lvl1pPr lvl="0" algn="ctr">
               <a:spcBef>
@@ -1405,9 +1443,11 @@
       <p:sp>
         <p:nvSpPr>
           <p:cNvPr id="46" name="Google Shape;46;p11"/>
-          <p:cNvSpPr txBox="1"/>
+          <p:cNvSpPr txBox="1">
+            <a:spLocks noGrp="1"/>
+          </p:cNvSpPr>
           <p:nvPr>
-            <p:ph idx="1" type="body"/>
+            <p:ph type="body" idx="1"/>
           </p:nvPr>
         </p:nvSpPr>
         <p:spPr>
@@ -1420,9 +1460,9 @@
           </a:prstGeom>
         </p:spPr>
         <p:txBody>
-          <a:bodyPr anchorCtr="0" anchor="t" bIns="91425" lIns="91425" spcFirstLastPara="1" rIns="91425" wrap="square" tIns="91425"/>
+          <a:bodyPr spcFirstLastPara="1" wrap="square" lIns="91425" tIns="91425" rIns="91425" bIns="91425" anchor="t" anchorCtr="0"/>
           <a:lstStyle>
-            <a:lvl1pPr indent="-342900" lvl="0" marL="457200" algn="ctr">
+            <a:lvl1pPr marL="457200" lvl="0" indent="-342900" algn="ctr">
               <a:spcBef>
                 <a:spcPts val="0"/>
               </a:spcBef>
@@ -1433,7 +1473,7 @@
               <a:buChar char="●"/>
               <a:defRPr/>
             </a:lvl1pPr>
-            <a:lvl2pPr indent="-317500" lvl="1" marL="914400" algn="ctr">
+            <a:lvl2pPr marL="914400" lvl="1" indent="-317500" algn="ctr">
               <a:spcBef>
                 <a:spcPts val="1600"/>
               </a:spcBef>
@@ -1444,7 +1484,7 @@
               <a:buChar char="○"/>
               <a:defRPr/>
             </a:lvl2pPr>
-            <a:lvl3pPr indent="-317500" lvl="2" marL="1371600" algn="ctr">
+            <a:lvl3pPr marL="1371600" lvl="2" indent="-317500" algn="ctr">
               <a:spcBef>
                 <a:spcPts val="1600"/>
               </a:spcBef>
@@ -1455,7 +1495,7 @@
               <a:buChar char="■"/>
               <a:defRPr/>
             </a:lvl3pPr>
-            <a:lvl4pPr indent="-317500" lvl="3" marL="1828800" algn="ctr">
+            <a:lvl4pPr marL="1828800" lvl="3" indent="-317500" algn="ctr">
               <a:spcBef>
                 <a:spcPts val="1600"/>
               </a:spcBef>
@@ -1466,7 +1506,7 @@
               <a:buChar char="●"/>
               <a:defRPr/>
             </a:lvl4pPr>
-            <a:lvl5pPr indent="-317500" lvl="4" marL="2286000" algn="ctr">
+            <a:lvl5pPr marL="2286000" lvl="4" indent="-317500" algn="ctr">
               <a:spcBef>
                 <a:spcPts val="1600"/>
               </a:spcBef>
@@ -1477,7 +1517,7 @@
               <a:buChar char="○"/>
               <a:defRPr/>
             </a:lvl5pPr>
-            <a:lvl6pPr indent="-317500" lvl="5" marL="2743200" algn="ctr">
+            <a:lvl6pPr marL="2743200" lvl="5" indent="-317500" algn="ctr">
               <a:spcBef>
                 <a:spcPts val="1600"/>
               </a:spcBef>
@@ -1488,7 +1528,7 @@
               <a:buChar char="■"/>
               <a:defRPr/>
             </a:lvl6pPr>
-            <a:lvl7pPr indent="-317500" lvl="6" marL="3200400" algn="ctr">
+            <a:lvl7pPr marL="3200400" lvl="6" indent="-317500" algn="ctr">
               <a:spcBef>
                 <a:spcPts val="1600"/>
               </a:spcBef>
@@ -1499,7 +1539,7 @@
               <a:buChar char="●"/>
               <a:defRPr/>
             </a:lvl7pPr>
-            <a:lvl8pPr indent="-317500" lvl="7" marL="3657600" algn="ctr">
+            <a:lvl8pPr marL="3657600" lvl="7" indent="-317500" algn="ctr">
               <a:spcBef>
                 <a:spcPts val="1600"/>
               </a:spcBef>
@@ -1510,7 +1550,7 @@
               <a:buChar char="○"/>
               <a:defRPr/>
             </a:lvl8pPr>
-            <a:lvl9pPr indent="-317500" lvl="8" marL="4114800" algn="ctr">
+            <a:lvl9pPr marL="4114800" lvl="8" indent="-317500" algn="ctr">
               <a:spcBef>
                 <a:spcPts val="1600"/>
               </a:spcBef>
@@ -1522,15 +1562,19 @@
               <a:defRPr/>
             </a:lvl9pPr>
           </a:lstStyle>
-          <a:p/>
+          <a:p>
+            <a:endParaRPr/>
+          </a:p>
         </p:txBody>
       </p:sp>
       <p:sp>
         <p:nvSpPr>
           <p:cNvPr id="47" name="Google Shape;47;p11"/>
-          <p:cNvSpPr txBox="1"/>
+          <p:cNvSpPr txBox="1">
+            <a:spLocks noGrp="1"/>
+          </p:cNvSpPr>
           <p:nvPr>
-            <p:ph idx="12" type="sldNum"/>
+            <p:ph type="sldNum" idx="12"/>
           </p:nvPr>
         </p:nvSpPr>
         <p:spPr>
@@ -1543,7 +1587,7 @@
           </a:prstGeom>
         </p:spPr>
         <p:txBody>
-          <a:bodyPr anchorCtr="0" anchor="ctr" bIns="91425" lIns="91425" spcFirstLastPara="1" rIns="91425" wrap="square" tIns="91425">
+          <a:bodyPr spcFirstLastPara="1" wrap="square" lIns="91425" tIns="91425" rIns="91425" bIns="91425" anchor="ctr" anchorCtr="0">
             <a:noAutofit/>
           </a:bodyPr>
           <a:lstStyle>
@@ -1585,7 +1629,7 @@
             </a:lvl9pPr>
           </a:lstStyle>
           <a:p>
-            <a:pPr indent="0" lvl="0" marL="0" rtl="0" algn="r">
+            <a:pPr marL="0" lvl="0" indent="0" algn="r" rtl="0">
               <a:spcBef>
                 <a:spcPts val="0"/>
               </a:spcBef>
@@ -1611,11 +1655,11 @@
 </file>
 
 <file path=ppt/slideLayouts/slideLayout11.xml><?xml version="1.0" encoding="utf-8"?>
-<p:sldLayout xmlns:a="http://schemas.openxmlformats.org/drawingml/2006/main" xmlns:r="http://schemas.openxmlformats.org/officeDocument/2006/relationships" xmlns:mc="http://schemas.openxmlformats.org/markup-compatibility/2006" xmlns:mv="urn:schemas-microsoft-com:mac:vml" xmlns:p="http://schemas.openxmlformats.org/presentationml/2006/main" xmlns:c="http://schemas.openxmlformats.org/drawingml/2006/chart" xmlns:dgm="http://schemas.openxmlformats.org/drawingml/2006/diagram" xmlns:o="urn:schemas-microsoft-com:office:office" xmlns:v="urn:schemas-microsoft-com:vml" xmlns:pvml="urn:schemas-microsoft-com:office:powerpoint" xmlns:com="http://schemas.openxmlformats.org/drawingml/2006/compatibility" xmlns:p14="http://schemas.microsoft.com/office/powerpoint/2010/main" xmlns:p15="http://schemas.microsoft.com/office/powerpoint/2012/main" matchingName="Blank" type="blank">
+<p:sldLayout xmlns:a="http://schemas.openxmlformats.org/drawingml/2006/main" xmlns:r="http://schemas.openxmlformats.org/officeDocument/2006/relationships" xmlns:p="http://schemas.openxmlformats.org/presentationml/2006/main" matchingName="Blank" type="blank">
   <p:cSld name="BLANK">
     <p:spTree>
       <p:nvGrpSpPr>
-        <p:cNvPr id="48" name="Shape 48"/>
+        <p:cNvPr id="1" name="Shape 48"/>
         <p:cNvGrpSpPr/>
         <p:nvPr/>
       </p:nvGrpSpPr>
@@ -1630,9 +1674,11 @@
       <p:sp>
         <p:nvSpPr>
           <p:cNvPr id="49" name="Google Shape;49;p12"/>
-          <p:cNvSpPr txBox="1"/>
+          <p:cNvSpPr txBox="1">
+            <a:spLocks noGrp="1"/>
+          </p:cNvSpPr>
           <p:nvPr>
-            <p:ph idx="12" type="sldNum"/>
+            <p:ph type="sldNum" idx="12"/>
           </p:nvPr>
         </p:nvSpPr>
         <p:spPr>
@@ -1645,7 +1691,7 @@
           </a:prstGeom>
         </p:spPr>
         <p:txBody>
-          <a:bodyPr anchorCtr="0" anchor="ctr" bIns="91425" lIns="91425" spcFirstLastPara="1" rIns="91425" wrap="square" tIns="91425">
+          <a:bodyPr spcFirstLastPara="1" wrap="square" lIns="91425" tIns="91425" rIns="91425" bIns="91425" anchor="ctr" anchorCtr="0">
             <a:noAutofit/>
           </a:bodyPr>
           <a:lstStyle>
@@ -1687,7 +1733,7 @@
             </a:lvl9pPr>
           </a:lstStyle>
           <a:p>
-            <a:pPr indent="0" lvl="0" marL="0" rtl="0" algn="r">
+            <a:pPr marL="0" lvl="0" indent="0" algn="r" rtl="0">
               <a:spcBef>
                 <a:spcPts val="0"/>
               </a:spcBef>
@@ -1713,11 +1759,11 @@
 </file>
 
 <file path=ppt/slideLayouts/slideLayout2.xml><?xml version="1.0" encoding="utf-8"?>
-<p:sldLayout xmlns:a="http://schemas.openxmlformats.org/drawingml/2006/main" xmlns:r="http://schemas.openxmlformats.org/officeDocument/2006/relationships" xmlns:mc="http://schemas.openxmlformats.org/markup-compatibility/2006" xmlns:mv="urn:schemas-microsoft-com:mac:vml" xmlns:p="http://schemas.openxmlformats.org/presentationml/2006/main" xmlns:c="http://schemas.openxmlformats.org/drawingml/2006/chart" xmlns:dgm="http://schemas.openxmlformats.org/drawingml/2006/diagram" xmlns:o="urn:schemas-microsoft-com:office:office" xmlns:v="urn:schemas-microsoft-com:vml" xmlns:pvml="urn:schemas-microsoft-com:office:powerpoint" xmlns:com="http://schemas.openxmlformats.org/drawingml/2006/compatibility" xmlns:p14="http://schemas.microsoft.com/office/powerpoint/2010/main" xmlns:p15="http://schemas.microsoft.com/office/powerpoint/2012/main" matchingName="Section header" type="secHead">
+<p:sldLayout xmlns:a="http://schemas.openxmlformats.org/drawingml/2006/main" xmlns:r="http://schemas.openxmlformats.org/officeDocument/2006/relationships" xmlns:p="http://schemas.openxmlformats.org/presentationml/2006/main" matchingName="Section header" type="secHead">
   <p:cSld name="SECTION_HEADER">
     <p:spTree>
       <p:nvGrpSpPr>
-        <p:cNvPr id="13" name="Shape 13"/>
+        <p:cNvPr id="1" name="Shape 13"/>
         <p:cNvGrpSpPr/>
         <p:nvPr/>
       </p:nvGrpSpPr>
@@ -1732,7 +1778,9 @@
       <p:sp>
         <p:nvSpPr>
           <p:cNvPr id="14" name="Google Shape;14;p3"/>
-          <p:cNvSpPr txBox="1"/>
+          <p:cNvSpPr txBox="1">
+            <a:spLocks noGrp="1"/>
+          </p:cNvSpPr>
           <p:nvPr>
             <p:ph type="title"/>
           </p:nvPr>
@@ -1747,7 +1795,7 @@
           </a:prstGeom>
         </p:spPr>
         <p:txBody>
-          <a:bodyPr anchorCtr="0" anchor="ctr" bIns="91425" lIns="91425" spcFirstLastPara="1" rIns="91425" wrap="square" tIns="91425"/>
+          <a:bodyPr spcFirstLastPara="1" wrap="square" lIns="91425" tIns="91425" rIns="91425" bIns="91425" anchor="ctr" anchorCtr="0"/>
           <a:lstStyle>
             <a:lvl1pPr lvl="0" algn="ctr">
               <a:spcBef>
@@ -1849,15 +1897,19 @@
               <a:defRPr sz="3600"/>
             </a:lvl9pPr>
           </a:lstStyle>
-          <a:p/>
+          <a:p>
+            <a:endParaRPr/>
+          </a:p>
         </p:txBody>
       </p:sp>
       <p:sp>
         <p:nvSpPr>
           <p:cNvPr id="15" name="Google Shape;15;p3"/>
-          <p:cNvSpPr txBox="1"/>
+          <p:cNvSpPr txBox="1">
+            <a:spLocks noGrp="1"/>
+          </p:cNvSpPr>
           <p:nvPr>
-            <p:ph idx="12" type="sldNum"/>
+            <p:ph type="sldNum" idx="12"/>
           </p:nvPr>
         </p:nvSpPr>
         <p:spPr>
@@ -1870,7 +1922,7 @@
           </a:prstGeom>
         </p:spPr>
         <p:txBody>
-          <a:bodyPr anchorCtr="0" anchor="ctr" bIns="91425" lIns="91425" spcFirstLastPara="1" rIns="91425" wrap="square" tIns="91425">
+          <a:bodyPr spcFirstLastPara="1" wrap="square" lIns="91425" tIns="91425" rIns="91425" bIns="91425" anchor="ctr" anchorCtr="0">
             <a:noAutofit/>
           </a:bodyPr>
           <a:lstStyle>
@@ -1912,7 +1964,7 @@
             </a:lvl9pPr>
           </a:lstStyle>
           <a:p>
-            <a:pPr indent="0" lvl="0" marL="0" rtl="0" algn="r">
+            <a:pPr marL="0" lvl="0" indent="0" algn="r" rtl="0">
               <a:spcBef>
                 <a:spcPts val="0"/>
               </a:spcBef>
@@ -1938,11 +1990,11 @@
 </file>
 
 <file path=ppt/slideLayouts/slideLayout3.xml><?xml version="1.0" encoding="utf-8"?>
-<p:sldLayout xmlns:a="http://schemas.openxmlformats.org/drawingml/2006/main" xmlns:r="http://schemas.openxmlformats.org/officeDocument/2006/relationships" xmlns:mc="http://schemas.openxmlformats.org/markup-compatibility/2006" xmlns:mv="urn:schemas-microsoft-com:mac:vml" xmlns:p="http://schemas.openxmlformats.org/presentationml/2006/main" xmlns:c="http://schemas.openxmlformats.org/drawingml/2006/chart" xmlns:dgm="http://schemas.openxmlformats.org/drawingml/2006/diagram" xmlns:o="urn:schemas-microsoft-com:office:office" xmlns:v="urn:schemas-microsoft-com:vml" xmlns:pvml="urn:schemas-microsoft-com:office:powerpoint" xmlns:com="http://schemas.openxmlformats.org/drawingml/2006/compatibility" xmlns:p14="http://schemas.microsoft.com/office/powerpoint/2010/main" xmlns:p15="http://schemas.microsoft.com/office/powerpoint/2012/main" matchingName="Title and body" type="tx">
+<p:sldLayout xmlns:a="http://schemas.openxmlformats.org/drawingml/2006/main" xmlns:r="http://schemas.openxmlformats.org/officeDocument/2006/relationships" xmlns:p="http://schemas.openxmlformats.org/presentationml/2006/main" matchingName="Title and body" type="tx">
   <p:cSld name="TITLE_AND_BODY">
     <p:spTree>
       <p:nvGrpSpPr>
-        <p:cNvPr id="16" name="Shape 16"/>
+        <p:cNvPr id="1" name="Shape 16"/>
         <p:cNvGrpSpPr/>
         <p:nvPr/>
       </p:nvGrpSpPr>
@@ -1957,7 +2009,9 @@
       <p:sp>
         <p:nvSpPr>
           <p:cNvPr id="17" name="Google Shape;17;p4"/>
-          <p:cNvSpPr txBox="1"/>
+          <p:cNvSpPr txBox="1">
+            <a:spLocks noGrp="1"/>
+          </p:cNvSpPr>
           <p:nvPr>
             <p:ph type="title"/>
           </p:nvPr>
@@ -1972,7 +2026,7 @@
           </a:prstGeom>
         </p:spPr>
         <p:txBody>
-          <a:bodyPr anchorCtr="0" anchor="t" bIns="91425" lIns="91425" spcFirstLastPara="1" rIns="91425" wrap="square" tIns="91425"/>
+          <a:bodyPr spcFirstLastPara="1" wrap="square" lIns="91425" tIns="91425" rIns="91425" bIns="91425" anchor="t" anchorCtr="0"/>
           <a:lstStyle>
             <a:lvl1pPr lvl="0">
               <a:spcBef>
@@ -2074,15 +2128,19 @@
               <a:defRPr/>
             </a:lvl9pPr>
           </a:lstStyle>
-          <a:p/>
+          <a:p>
+            <a:endParaRPr/>
+          </a:p>
         </p:txBody>
       </p:sp>
       <p:sp>
         <p:nvSpPr>
           <p:cNvPr id="18" name="Google Shape;18;p4"/>
-          <p:cNvSpPr txBox="1"/>
+          <p:cNvSpPr txBox="1">
+            <a:spLocks noGrp="1"/>
+          </p:cNvSpPr>
           <p:nvPr>
-            <p:ph idx="1" type="body"/>
+            <p:ph type="body" idx="1"/>
           </p:nvPr>
         </p:nvSpPr>
         <p:spPr>
@@ -2095,9 +2153,9 @@
           </a:prstGeom>
         </p:spPr>
         <p:txBody>
-          <a:bodyPr anchorCtr="0" anchor="t" bIns="91425" lIns="91425" spcFirstLastPara="1" rIns="91425" wrap="square" tIns="91425"/>
+          <a:bodyPr spcFirstLastPara="1" wrap="square" lIns="91425" tIns="91425" rIns="91425" bIns="91425" anchor="t" anchorCtr="0"/>
           <a:lstStyle>
-            <a:lvl1pPr indent="-342900" lvl="0" marL="457200">
+            <a:lvl1pPr marL="457200" lvl="0" indent="-342900">
               <a:spcBef>
                 <a:spcPts val="0"/>
               </a:spcBef>
@@ -2108,7 +2166,7 @@
               <a:buChar char="●"/>
               <a:defRPr/>
             </a:lvl1pPr>
-            <a:lvl2pPr indent="-317500" lvl="1" marL="914400">
+            <a:lvl2pPr marL="914400" lvl="1" indent="-317500">
               <a:spcBef>
                 <a:spcPts val="1600"/>
               </a:spcBef>
@@ -2119,7 +2177,7 @@
               <a:buChar char="○"/>
               <a:defRPr/>
             </a:lvl2pPr>
-            <a:lvl3pPr indent="-317500" lvl="2" marL="1371600">
+            <a:lvl3pPr marL="1371600" lvl="2" indent="-317500">
               <a:spcBef>
                 <a:spcPts val="1600"/>
               </a:spcBef>
@@ -2130,7 +2188,7 @@
               <a:buChar char="■"/>
               <a:defRPr/>
             </a:lvl3pPr>
-            <a:lvl4pPr indent="-317500" lvl="3" marL="1828800">
+            <a:lvl4pPr marL="1828800" lvl="3" indent="-317500">
               <a:spcBef>
                 <a:spcPts val="1600"/>
               </a:spcBef>
@@ -2141,7 +2199,7 @@
               <a:buChar char="●"/>
               <a:defRPr/>
             </a:lvl4pPr>
-            <a:lvl5pPr indent="-317500" lvl="4" marL="2286000">
+            <a:lvl5pPr marL="2286000" lvl="4" indent="-317500">
               <a:spcBef>
                 <a:spcPts val="1600"/>
               </a:spcBef>
@@ -2152,7 +2210,7 @@
               <a:buChar char="○"/>
               <a:defRPr/>
             </a:lvl5pPr>
-            <a:lvl6pPr indent="-317500" lvl="5" marL="2743200">
+            <a:lvl6pPr marL="2743200" lvl="5" indent="-317500">
               <a:spcBef>
                 <a:spcPts val="1600"/>
               </a:spcBef>
@@ -2163,7 +2221,7 @@
               <a:buChar char="■"/>
               <a:defRPr/>
             </a:lvl6pPr>
-            <a:lvl7pPr indent="-317500" lvl="6" marL="3200400">
+            <a:lvl7pPr marL="3200400" lvl="6" indent="-317500">
               <a:spcBef>
                 <a:spcPts val="1600"/>
               </a:spcBef>
@@ -2174,7 +2232,7 @@
               <a:buChar char="●"/>
               <a:defRPr/>
             </a:lvl7pPr>
-            <a:lvl8pPr indent="-317500" lvl="7" marL="3657600">
+            <a:lvl8pPr marL="3657600" lvl="7" indent="-317500">
               <a:spcBef>
                 <a:spcPts val="1600"/>
               </a:spcBef>
@@ -2185,7 +2243,7 @@
               <a:buChar char="○"/>
               <a:defRPr/>
             </a:lvl8pPr>
-            <a:lvl9pPr indent="-317500" lvl="8" marL="4114800">
+            <a:lvl9pPr marL="4114800" lvl="8" indent="-317500">
               <a:spcBef>
                 <a:spcPts val="1600"/>
               </a:spcBef>
@@ -2197,15 +2255,19 @@
               <a:defRPr/>
             </a:lvl9pPr>
           </a:lstStyle>
-          <a:p/>
+          <a:p>
+            <a:endParaRPr/>
+          </a:p>
         </p:txBody>
       </p:sp>
       <p:sp>
         <p:nvSpPr>
           <p:cNvPr id="19" name="Google Shape;19;p4"/>
-          <p:cNvSpPr txBox="1"/>
+          <p:cNvSpPr txBox="1">
+            <a:spLocks noGrp="1"/>
+          </p:cNvSpPr>
           <p:nvPr>
-            <p:ph idx="12" type="sldNum"/>
+            <p:ph type="sldNum" idx="12"/>
           </p:nvPr>
         </p:nvSpPr>
         <p:spPr>
@@ -2218,7 +2280,7 @@
           </a:prstGeom>
         </p:spPr>
         <p:txBody>
-          <a:bodyPr anchorCtr="0" anchor="ctr" bIns="91425" lIns="91425" spcFirstLastPara="1" rIns="91425" wrap="square" tIns="91425">
+          <a:bodyPr spcFirstLastPara="1" wrap="square" lIns="91425" tIns="91425" rIns="91425" bIns="91425" anchor="ctr" anchorCtr="0">
             <a:noAutofit/>
           </a:bodyPr>
           <a:lstStyle>
@@ -2260,7 +2322,7 @@
             </a:lvl9pPr>
           </a:lstStyle>
           <a:p>
-            <a:pPr indent="0" lvl="0" marL="0" rtl="0" algn="r">
+            <a:pPr marL="0" lvl="0" indent="0" algn="r" rtl="0">
               <a:spcBef>
                 <a:spcPts val="0"/>
               </a:spcBef>
@@ -2286,11 +2348,11 @@
 </file>
 
 <file path=ppt/slideLayouts/slideLayout4.xml><?xml version="1.0" encoding="utf-8"?>
-<p:sldLayout xmlns:a="http://schemas.openxmlformats.org/drawingml/2006/main" xmlns:r="http://schemas.openxmlformats.org/officeDocument/2006/relationships" xmlns:mc="http://schemas.openxmlformats.org/markup-compatibility/2006" xmlns:mv="urn:schemas-microsoft-com:mac:vml" xmlns:p="http://schemas.openxmlformats.org/presentationml/2006/main" xmlns:c="http://schemas.openxmlformats.org/drawingml/2006/chart" xmlns:dgm="http://schemas.openxmlformats.org/drawingml/2006/diagram" xmlns:o="urn:schemas-microsoft-com:office:office" xmlns:v="urn:schemas-microsoft-com:vml" xmlns:pvml="urn:schemas-microsoft-com:office:powerpoint" xmlns:com="http://schemas.openxmlformats.org/drawingml/2006/compatibility" xmlns:p14="http://schemas.microsoft.com/office/powerpoint/2010/main" xmlns:p15="http://schemas.microsoft.com/office/powerpoint/2012/main" matchingName="Title and two columns" type="twoColTx">
+<p:sldLayout xmlns:a="http://schemas.openxmlformats.org/drawingml/2006/main" xmlns:r="http://schemas.openxmlformats.org/officeDocument/2006/relationships" xmlns:p="http://schemas.openxmlformats.org/presentationml/2006/main" matchingName="Title and two columns" type="twoColTx">
   <p:cSld name="TITLE_AND_TWO_COLUMNS">
     <p:spTree>
       <p:nvGrpSpPr>
-        <p:cNvPr id="20" name="Shape 20"/>
+        <p:cNvPr id="1" name="Shape 20"/>
         <p:cNvGrpSpPr/>
         <p:nvPr/>
       </p:nvGrpSpPr>
@@ -2305,7 +2367,9 @@
       <p:sp>
         <p:nvSpPr>
           <p:cNvPr id="21" name="Google Shape;21;p5"/>
-          <p:cNvSpPr txBox="1"/>
+          <p:cNvSpPr txBox="1">
+            <a:spLocks noGrp="1"/>
+          </p:cNvSpPr>
           <p:nvPr>
             <p:ph type="title"/>
           </p:nvPr>
@@ -2320,7 +2384,7 @@
           </a:prstGeom>
         </p:spPr>
         <p:txBody>
-          <a:bodyPr anchorCtr="0" anchor="t" bIns="91425" lIns="91425" spcFirstLastPara="1" rIns="91425" wrap="square" tIns="91425"/>
+          <a:bodyPr spcFirstLastPara="1" wrap="square" lIns="91425" tIns="91425" rIns="91425" bIns="91425" anchor="t" anchorCtr="0"/>
           <a:lstStyle>
             <a:lvl1pPr lvl="0">
               <a:spcBef>
@@ -2422,15 +2486,19 @@
               <a:defRPr/>
             </a:lvl9pPr>
           </a:lstStyle>
-          <a:p/>
+          <a:p>
+            <a:endParaRPr/>
+          </a:p>
         </p:txBody>
       </p:sp>
       <p:sp>
         <p:nvSpPr>
           <p:cNvPr id="22" name="Google Shape;22;p5"/>
-          <p:cNvSpPr txBox="1"/>
+          <p:cNvSpPr txBox="1">
+            <a:spLocks noGrp="1"/>
+          </p:cNvSpPr>
           <p:nvPr>
-            <p:ph idx="1" type="body"/>
+            <p:ph type="body" idx="1"/>
           </p:nvPr>
         </p:nvSpPr>
         <p:spPr>
@@ -2443,9 +2511,9 @@
           </a:prstGeom>
         </p:spPr>
         <p:txBody>
-          <a:bodyPr anchorCtr="0" anchor="t" bIns="91425" lIns="91425" spcFirstLastPara="1" rIns="91425" wrap="square" tIns="91425"/>
+          <a:bodyPr spcFirstLastPara="1" wrap="square" lIns="91425" tIns="91425" rIns="91425" bIns="91425" anchor="t" anchorCtr="0"/>
           <a:lstStyle>
-            <a:lvl1pPr indent="-317500" lvl="0" marL="457200">
+            <a:lvl1pPr marL="457200" lvl="0" indent="-317500">
               <a:spcBef>
                 <a:spcPts val="0"/>
               </a:spcBef>
@@ -2456,7 +2524,7 @@
               <a:buChar char="●"/>
               <a:defRPr sz="1400"/>
             </a:lvl1pPr>
-            <a:lvl2pPr indent="-304800" lvl="1" marL="914400">
+            <a:lvl2pPr marL="914400" lvl="1" indent="-304800">
               <a:spcBef>
                 <a:spcPts val="1600"/>
               </a:spcBef>
@@ -2467,7 +2535,7 @@
               <a:buChar char="○"/>
               <a:defRPr sz="1200"/>
             </a:lvl2pPr>
-            <a:lvl3pPr indent="-304800" lvl="2" marL="1371600">
+            <a:lvl3pPr marL="1371600" lvl="2" indent="-304800">
               <a:spcBef>
                 <a:spcPts val="1600"/>
               </a:spcBef>
@@ -2478,7 +2546,7 @@
               <a:buChar char="■"/>
               <a:defRPr sz="1200"/>
             </a:lvl3pPr>
-            <a:lvl4pPr indent="-304800" lvl="3" marL="1828800">
+            <a:lvl4pPr marL="1828800" lvl="3" indent="-304800">
               <a:spcBef>
                 <a:spcPts val="1600"/>
               </a:spcBef>
@@ -2489,7 +2557,7 @@
               <a:buChar char="●"/>
               <a:defRPr sz="1200"/>
             </a:lvl4pPr>
-            <a:lvl5pPr indent="-304800" lvl="4" marL="2286000">
+            <a:lvl5pPr marL="2286000" lvl="4" indent="-304800">
               <a:spcBef>
                 <a:spcPts val="1600"/>
               </a:spcBef>
@@ -2500,7 +2568,7 @@
               <a:buChar char="○"/>
               <a:defRPr sz="1200"/>
             </a:lvl5pPr>
-            <a:lvl6pPr indent="-304800" lvl="5" marL="2743200">
+            <a:lvl6pPr marL="2743200" lvl="5" indent="-304800">
               <a:spcBef>
                 <a:spcPts val="1600"/>
               </a:spcBef>
@@ -2511,7 +2579,7 @@
               <a:buChar char="■"/>
               <a:defRPr sz="1200"/>
             </a:lvl6pPr>
-            <a:lvl7pPr indent="-304800" lvl="6" marL="3200400">
+            <a:lvl7pPr marL="3200400" lvl="6" indent="-304800">
               <a:spcBef>
                 <a:spcPts val="1600"/>
               </a:spcBef>
@@ -2522,7 +2590,7 @@
               <a:buChar char="●"/>
               <a:defRPr sz="1200"/>
             </a:lvl7pPr>
-            <a:lvl8pPr indent="-304800" lvl="7" marL="3657600">
+            <a:lvl8pPr marL="3657600" lvl="7" indent="-304800">
               <a:spcBef>
                 <a:spcPts val="1600"/>
               </a:spcBef>
@@ -2533,7 +2601,7 @@
               <a:buChar char="○"/>
               <a:defRPr sz="1200"/>
             </a:lvl8pPr>
-            <a:lvl9pPr indent="-304800" lvl="8" marL="4114800">
+            <a:lvl9pPr marL="4114800" lvl="8" indent="-304800">
               <a:spcBef>
                 <a:spcPts val="1600"/>
               </a:spcBef>
@@ -2545,15 +2613,19 @@
               <a:defRPr sz="1200"/>
             </a:lvl9pPr>
           </a:lstStyle>
-          <a:p/>
+          <a:p>
+            <a:endParaRPr/>
+          </a:p>
         </p:txBody>
       </p:sp>
       <p:sp>
         <p:nvSpPr>
           <p:cNvPr id="23" name="Google Shape;23;p5"/>
-          <p:cNvSpPr txBox="1"/>
+          <p:cNvSpPr txBox="1">
+            <a:spLocks noGrp="1"/>
+          </p:cNvSpPr>
           <p:nvPr>
-            <p:ph idx="2" type="body"/>
+            <p:ph type="body" idx="2"/>
           </p:nvPr>
         </p:nvSpPr>
         <p:spPr>
@@ -2566,9 +2638,9 @@
           </a:prstGeom>
         </p:spPr>
         <p:txBody>
-          <a:bodyPr anchorCtr="0" anchor="t" bIns="91425" lIns="91425" spcFirstLastPara="1" rIns="91425" wrap="square" tIns="91425"/>
+          <a:bodyPr spcFirstLastPara="1" wrap="square" lIns="91425" tIns="91425" rIns="91425" bIns="91425" anchor="t" anchorCtr="0"/>
           <a:lstStyle>
-            <a:lvl1pPr indent="-317500" lvl="0" marL="457200">
+            <a:lvl1pPr marL="457200" lvl="0" indent="-317500">
               <a:spcBef>
                 <a:spcPts val="0"/>
               </a:spcBef>
@@ -2579,7 +2651,7 @@
               <a:buChar char="●"/>
               <a:defRPr sz="1400"/>
             </a:lvl1pPr>
-            <a:lvl2pPr indent="-304800" lvl="1" marL="914400">
+            <a:lvl2pPr marL="914400" lvl="1" indent="-304800">
               <a:spcBef>
                 <a:spcPts val="1600"/>
               </a:spcBef>
@@ -2590,7 +2662,7 @@
               <a:buChar char="○"/>
               <a:defRPr sz="1200"/>
             </a:lvl2pPr>
-            <a:lvl3pPr indent="-304800" lvl="2" marL="1371600">
+            <a:lvl3pPr marL="1371600" lvl="2" indent="-304800">
               <a:spcBef>
                 <a:spcPts val="1600"/>
               </a:spcBef>
@@ -2601,7 +2673,7 @@
               <a:buChar char="■"/>
               <a:defRPr sz="1200"/>
             </a:lvl3pPr>
-            <a:lvl4pPr indent="-304800" lvl="3" marL="1828800">
+            <a:lvl4pPr marL="1828800" lvl="3" indent="-304800">
               <a:spcBef>
                 <a:spcPts val="1600"/>
               </a:spcBef>
@@ -2612,7 +2684,7 @@
               <a:buChar char="●"/>
               <a:defRPr sz="1200"/>
             </a:lvl4pPr>
-            <a:lvl5pPr indent="-304800" lvl="4" marL="2286000">
+            <a:lvl5pPr marL="2286000" lvl="4" indent="-304800">
               <a:spcBef>
                 <a:spcPts val="1600"/>
               </a:spcBef>
@@ -2623,7 +2695,7 @@
               <a:buChar char="○"/>
               <a:defRPr sz="1200"/>
             </a:lvl5pPr>
-            <a:lvl6pPr indent="-304800" lvl="5" marL="2743200">
+            <a:lvl6pPr marL="2743200" lvl="5" indent="-304800">
               <a:spcBef>
                 <a:spcPts val="1600"/>
               </a:spcBef>
@@ -2634,7 +2706,7 @@
               <a:buChar char="■"/>
               <a:defRPr sz="1200"/>
             </a:lvl6pPr>
-            <a:lvl7pPr indent="-304800" lvl="6" marL="3200400">
+            <a:lvl7pPr marL="3200400" lvl="6" indent="-304800">
               <a:spcBef>
                 <a:spcPts val="1600"/>
               </a:spcBef>
@@ -2645,7 +2717,7 @@
               <a:buChar char="●"/>
               <a:defRPr sz="1200"/>
             </a:lvl7pPr>
-            <a:lvl8pPr indent="-304800" lvl="7" marL="3657600">
+            <a:lvl8pPr marL="3657600" lvl="7" indent="-304800">
               <a:spcBef>
                 <a:spcPts val="1600"/>
               </a:spcBef>
@@ -2656,7 +2728,7 @@
               <a:buChar char="○"/>
               <a:defRPr sz="1200"/>
             </a:lvl8pPr>
-            <a:lvl9pPr indent="-304800" lvl="8" marL="4114800">
+            <a:lvl9pPr marL="4114800" lvl="8" indent="-304800">
               <a:spcBef>
                 <a:spcPts val="1600"/>
               </a:spcBef>
@@ -2668,15 +2740,19 @@
               <a:defRPr sz="1200"/>
             </a:lvl9pPr>
           </a:lstStyle>
-          <a:p/>
+          <a:p>
+            <a:endParaRPr/>
+          </a:p>
         </p:txBody>
       </p:sp>
       <p:sp>
         <p:nvSpPr>
           <p:cNvPr id="24" name="Google Shape;24;p5"/>
-          <p:cNvSpPr txBox="1"/>
+          <p:cNvSpPr txBox="1">
+            <a:spLocks noGrp="1"/>
+          </p:cNvSpPr>
           <p:nvPr>
-            <p:ph idx="12" type="sldNum"/>
+            <p:ph type="sldNum" idx="12"/>
           </p:nvPr>
         </p:nvSpPr>
         <p:spPr>
@@ -2689,7 +2765,7 @@
           </a:prstGeom>
         </p:spPr>
         <p:txBody>
-          <a:bodyPr anchorCtr="0" anchor="ctr" bIns="91425" lIns="91425" spcFirstLastPara="1" rIns="91425" wrap="square" tIns="91425">
+          <a:bodyPr spcFirstLastPara="1" wrap="square" lIns="91425" tIns="91425" rIns="91425" bIns="91425" anchor="ctr" anchorCtr="0">
             <a:noAutofit/>
           </a:bodyPr>
           <a:lstStyle>
@@ -2731,7 +2807,7 @@
             </a:lvl9pPr>
           </a:lstStyle>
           <a:p>
-            <a:pPr indent="0" lvl="0" marL="0" rtl="0" algn="r">
+            <a:pPr marL="0" lvl="0" indent="0" algn="r" rtl="0">
               <a:spcBef>
                 <a:spcPts val="0"/>
               </a:spcBef>
@@ -2757,11 +2833,11 @@
 </file>
 
 <file path=ppt/slideLayouts/slideLayout5.xml><?xml version="1.0" encoding="utf-8"?>
-<p:sldLayout xmlns:a="http://schemas.openxmlformats.org/drawingml/2006/main" xmlns:r="http://schemas.openxmlformats.org/officeDocument/2006/relationships" xmlns:mc="http://schemas.openxmlformats.org/markup-compatibility/2006" xmlns:mv="urn:schemas-microsoft-com:mac:vml" xmlns:p="http://schemas.openxmlformats.org/presentationml/2006/main" xmlns:c="http://schemas.openxmlformats.org/drawingml/2006/chart" xmlns:dgm="http://schemas.openxmlformats.org/drawingml/2006/diagram" xmlns:o="urn:schemas-microsoft-com:office:office" xmlns:v="urn:schemas-microsoft-com:vml" xmlns:pvml="urn:schemas-microsoft-com:office:powerpoint" xmlns:com="http://schemas.openxmlformats.org/drawingml/2006/compatibility" xmlns:p14="http://schemas.microsoft.com/office/powerpoint/2010/main" xmlns:p15="http://schemas.microsoft.com/office/powerpoint/2012/main" matchingName="Title only" type="titleOnly">
+<p:sldLayout xmlns:a="http://schemas.openxmlformats.org/drawingml/2006/main" xmlns:r="http://schemas.openxmlformats.org/officeDocument/2006/relationships" xmlns:p="http://schemas.openxmlformats.org/presentationml/2006/main" matchingName="Title only" type="titleOnly">
   <p:cSld name="TITLE_ONLY">
     <p:spTree>
       <p:nvGrpSpPr>
-        <p:cNvPr id="25" name="Shape 25"/>
+        <p:cNvPr id="1" name="Shape 25"/>
         <p:cNvGrpSpPr/>
         <p:nvPr/>
       </p:nvGrpSpPr>
@@ -2776,7 +2852,9 @@
       <p:sp>
         <p:nvSpPr>
           <p:cNvPr id="26" name="Google Shape;26;p6"/>
-          <p:cNvSpPr txBox="1"/>
+          <p:cNvSpPr txBox="1">
+            <a:spLocks noGrp="1"/>
+          </p:cNvSpPr>
           <p:nvPr>
             <p:ph type="title"/>
           </p:nvPr>
@@ -2791,7 +2869,7 @@
           </a:prstGeom>
         </p:spPr>
         <p:txBody>
-          <a:bodyPr anchorCtr="0" anchor="t" bIns="91425" lIns="91425" spcFirstLastPara="1" rIns="91425" wrap="square" tIns="91425"/>
+          <a:bodyPr spcFirstLastPara="1" wrap="square" lIns="91425" tIns="91425" rIns="91425" bIns="91425" anchor="t" anchorCtr="0"/>
           <a:lstStyle>
             <a:lvl1pPr lvl="0">
               <a:spcBef>
@@ -2893,15 +2971,19 @@
               <a:defRPr/>
             </a:lvl9pPr>
           </a:lstStyle>
-          <a:p/>
+          <a:p>
+            <a:endParaRPr/>
+          </a:p>
         </p:txBody>
       </p:sp>
       <p:sp>
         <p:nvSpPr>
           <p:cNvPr id="27" name="Google Shape;27;p6"/>
-          <p:cNvSpPr txBox="1"/>
+          <p:cNvSpPr txBox="1">
+            <a:spLocks noGrp="1"/>
+          </p:cNvSpPr>
           <p:nvPr>
-            <p:ph idx="12" type="sldNum"/>
+            <p:ph type="sldNum" idx="12"/>
           </p:nvPr>
         </p:nvSpPr>
         <p:spPr>
@@ -2914,7 +2996,7 @@
           </a:prstGeom>
         </p:spPr>
         <p:txBody>
-          <a:bodyPr anchorCtr="0" anchor="ctr" bIns="91425" lIns="91425" spcFirstLastPara="1" rIns="91425" wrap="square" tIns="91425">
+          <a:bodyPr spcFirstLastPara="1" wrap="square" lIns="91425" tIns="91425" rIns="91425" bIns="91425" anchor="ctr" anchorCtr="0">
             <a:noAutofit/>
           </a:bodyPr>
           <a:lstStyle>
@@ -2956,7 +3038,7 @@
             </a:lvl9pPr>
           </a:lstStyle>
           <a:p>
-            <a:pPr indent="0" lvl="0" marL="0" rtl="0" algn="r">
+            <a:pPr marL="0" lvl="0" indent="0" algn="r" rtl="0">
               <a:spcBef>
                 <a:spcPts val="0"/>
               </a:spcBef>
@@ -2982,11 +3064,11 @@
 </file>
 
 <file path=ppt/slideLayouts/slideLayout6.xml><?xml version="1.0" encoding="utf-8"?>
-<p:sldLayout xmlns:a="http://schemas.openxmlformats.org/drawingml/2006/main" xmlns:r="http://schemas.openxmlformats.org/officeDocument/2006/relationships" xmlns:mc="http://schemas.openxmlformats.org/markup-compatibility/2006" xmlns:mv="urn:schemas-microsoft-com:mac:vml" xmlns:p="http://schemas.openxmlformats.org/presentationml/2006/main" xmlns:c="http://schemas.openxmlformats.org/drawingml/2006/chart" xmlns:dgm="http://schemas.openxmlformats.org/drawingml/2006/diagram" xmlns:o="urn:schemas-microsoft-com:office:office" xmlns:v="urn:schemas-microsoft-com:vml" xmlns:pvml="urn:schemas-microsoft-com:office:powerpoint" xmlns:com="http://schemas.openxmlformats.org/drawingml/2006/compatibility" xmlns:p14="http://schemas.microsoft.com/office/powerpoint/2010/main" xmlns:p15="http://schemas.microsoft.com/office/powerpoint/2012/main" matchingName="One column text">
+<p:sldLayout xmlns:a="http://schemas.openxmlformats.org/drawingml/2006/main" xmlns:r="http://schemas.openxmlformats.org/officeDocument/2006/relationships" xmlns:p="http://schemas.openxmlformats.org/presentationml/2006/main" matchingName="One column text">
   <p:cSld name="ONE_COLUMN_TEXT">
     <p:spTree>
       <p:nvGrpSpPr>
-        <p:cNvPr id="28" name="Shape 28"/>
+        <p:cNvPr id="1" name="Shape 28"/>
         <p:cNvGrpSpPr/>
         <p:nvPr/>
       </p:nvGrpSpPr>
@@ -3001,7 +3083,9 @@
       <p:sp>
         <p:nvSpPr>
           <p:cNvPr id="29" name="Google Shape;29;p7"/>
-          <p:cNvSpPr txBox="1"/>
+          <p:cNvSpPr txBox="1">
+            <a:spLocks noGrp="1"/>
+          </p:cNvSpPr>
           <p:nvPr>
             <p:ph type="title"/>
           </p:nvPr>
@@ -3016,7 +3100,7 @@
           </a:prstGeom>
         </p:spPr>
         <p:txBody>
-          <a:bodyPr anchorCtr="0" anchor="b" bIns="91425" lIns="91425" spcFirstLastPara="1" rIns="91425" wrap="square" tIns="91425"/>
+          <a:bodyPr spcFirstLastPara="1" wrap="square" lIns="91425" tIns="91425" rIns="91425" bIns="91425" anchor="b" anchorCtr="0"/>
           <a:lstStyle>
             <a:lvl1pPr lvl="0">
               <a:spcBef>
@@ -3118,15 +3202,19 @@
               <a:defRPr sz="2400"/>
             </a:lvl9pPr>
           </a:lstStyle>
-          <a:p/>
+          <a:p>
+            <a:endParaRPr/>
+          </a:p>
         </p:txBody>
       </p:sp>
       <p:sp>
         <p:nvSpPr>
           <p:cNvPr id="30" name="Google Shape;30;p7"/>
-          <p:cNvSpPr txBox="1"/>
+          <p:cNvSpPr txBox="1">
+            <a:spLocks noGrp="1"/>
+          </p:cNvSpPr>
           <p:nvPr>
-            <p:ph idx="1" type="body"/>
+            <p:ph type="body" idx="1"/>
           </p:nvPr>
         </p:nvSpPr>
         <p:spPr>
@@ -3139,9 +3227,9 @@
           </a:prstGeom>
         </p:spPr>
         <p:txBody>
-          <a:bodyPr anchorCtr="0" anchor="t" bIns="91425" lIns="91425" spcFirstLastPara="1" rIns="91425" wrap="square" tIns="91425"/>
+          <a:bodyPr spcFirstLastPara="1" wrap="square" lIns="91425" tIns="91425" rIns="91425" bIns="91425" anchor="t" anchorCtr="0"/>
           <a:lstStyle>
-            <a:lvl1pPr indent="-304800" lvl="0" marL="457200">
+            <a:lvl1pPr marL="457200" lvl="0" indent="-304800">
               <a:spcBef>
                 <a:spcPts val="0"/>
               </a:spcBef>
@@ -3152,7 +3240,7 @@
               <a:buChar char="●"/>
               <a:defRPr sz="1200"/>
             </a:lvl1pPr>
-            <a:lvl2pPr indent="-304800" lvl="1" marL="914400">
+            <a:lvl2pPr marL="914400" lvl="1" indent="-304800">
               <a:spcBef>
                 <a:spcPts val="1600"/>
               </a:spcBef>
@@ -3163,7 +3251,7 @@
               <a:buChar char="○"/>
               <a:defRPr sz="1200"/>
             </a:lvl2pPr>
-            <a:lvl3pPr indent="-304800" lvl="2" marL="1371600">
+            <a:lvl3pPr marL="1371600" lvl="2" indent="-304800">
               <a:spcBef>
                 <a:spcPts val="1600"/>
               </a:spcBef>
@@ -3174,7 +3262,7 @@
               <a:buChar char="■"/>
               <a:defRPr sz="1200"/>
             </a:lvl3pPr>
-            <a:lvl4pPr indent="-304800" lvl="3" marL="1828800">
+            <a:lvl4pPr marL="1828800" lvl="3" indent="-304800">
               <a:spcBef>
                 <a:spcPts val="1600"/>
               </a:spcBef>
@@ -3185,7 +3273,7 @@
               <a:buChar char="●"/>
               <a:defRPr sz="1200"/>
             </a:lvl4pPr>
-            <a:lvl5pPr indent="-304800" lvl="4" marL="2286000">
+            <a:lvl5pPr marL="2286000" lvl="4" indent="-304800">
               <a:spcBef>
                 <a:spcPts val="1600"/>
               </a:spcBef>
@@ -3196,7 +3284,7 @@
               <a:buChar char="○"/>
               <a:defRPr sz="1200"/>
             </a:lvl5pPr>
-            <a:lvl6pPr indent="-304800" lvl="5" marL="2743200">
+            <a:lvl6pPr marL="2743200" lvl="5" indent="-304800">
               <a:spcBef>
                 <a:spcPts val="1600"/>
               </a:spcBef>
@@ -3207,7 +3295,7 @@
               <a:buChar char="■"/>
               <a:defRPr sz="1200"/>
             </a:lvl6pPr>
-            <a:lvl7pPr indent="-304800" lvl="6" marL="3200400">
+            <a:lvl7pPr marL="3200400" lvl="6" indent="-304800">
               <a:spcBef>
                 <a:spcPts val="1600"/>
               </a:spcBef>
@@ -3218,7 +3306,7 @@
               <a:buChar char="●"/>
               <a:defRPr sz="1200"/>
             </a:lvl7pPr>
-            <a:lvl8pPr indent="-304800" lvl="7" marL="3657600">
+            <a:lvl8pPr marL="3657600" lvl="7" indent="-304800">
               <a:spcBef>
                 <a:spcPts val="1600"/>
               </a:spcBef>
@@ -3229,7 +3317,7 @@
               <a:buChar char="○"/>
               <a:defRPr sz="1200"/>
             </a:lvl8pPr>
-            <a:lvl9pPr indent="-304800" lvl="8" marL="4114800">
+            <a:lvl9pPr marL="4114800" lvl="8" indent="-304800">
               <a:spcBef>
                 <a:spcPts val="1600"/>
               </a:spcBef>
@@ -3241,15 +3329,19 @@
               <a:defRPr sz="1200"/>
             </a:lvl9pPr>
           </a:lstStyle>
-          <a:p/>
+          <a:p>
+            <a:endParaRPr/>
+          </a:p>
         </p:txBody>
       </p:sp>
       <p:sp>
         <p:nvSpPr>
           <p:cNvPr id="31" name="Google Shape;31;p7"/>
-          <p:cNvSpPr txBox="1"/>
+          <p:cNvSpPr txBox="1">
+            <a:spLocks noGrp="1"/>
+          </p:cNvSpPr>
           <p:nvPr>
-            <p:ph idx="12" type="sldNum"/>
+            <p:ph type="sldNum" idx="12"/>
           </p:nvPr>
         </p:nvSpPr>
         <p:spPr>
@@ -3262,7 +3354,7 @@
           </a:prstGeom>
         </p:spPr>
         <p:txBody>
-          <a:bodyPr anchorCtr="0" anchor="ctr" bIns="91425" lIns="91425" spcFirstLastPara="1" rIns="91425" wrap="square" tIns="91425">
+          <a:bodyPr spcFirstLastPara="1" wrap="square" lIns="91425" tIns="91425" rIns="91425" bIns="91425" anchor="ctr" anchorCtr="0">
             <a:noAutofit/>
           </a:bodyPr>
           <a:lstStyle>
@@ -3304,7 +3396,7 @@
             </a:lvl9pPr>
           </a:lstStyle>
           <a:p>
-            <a:pPr indent="0" lvl="0" marL="0" rtl="0" algn="r">
+            <a:pPr marL="0" lvl="0" indent="0" algn="r" rtl="0">
               <a:spcBef>
                 <a:spcPts val="0"/>
               </a:spcBef>
@@ -3330,11 +3422,11 @@
 </file>
 
 <file path=ppt/slideLayouts/slideLayout7.xml><?xml version="1.0" encoding="utf-8"?>
-<p:sldLayout xmlns:a="http://schemas.openxmlformats.org/drawingml/2006/main" xmlns:r="http://schemas.openxmlformats.org/officeDocument/2006/relationships" xmlns:mc="http://schemas.openxmlformats.org/markup-compatibility/2006" xmlns:mv="urn:schemas-microsoft-com:mac:vml" xmlns:p="http://schemas.openxmlformats.org/presentationml/2006/main" xmlns:c="http://schemas.openxmlformats.org/drawingml/2006/chart" xmlns:dgm="http://schemas.openxmlformats.org/drawingml/2006/diagram" xmlns:o="urn:schemas-microsoft-com:office:office" xmlns:v="urn:schemas-microsoft-com:vml" xmlns:pvml="urn:schemas-microsoft-com:office:powerpoint" xmlns:com="http://schemas.openxmlformats.org/drawingml/2006/compatibility" xmlns:p14="http://schemas.microsoft.com/office/powerpoint/2010/main" xmlns:p15="http://schemas.microsoft.com/office/powerpoint/2012/main" matchingName="Main point">
+<p:sldLayout xmlns:a="http://schemas.openxmlformats.org/drawingml/2006/main" xmlns:r="http://schemas.openxmlformats.org/officeDocument/2006/relationships" xmlns:p="http://schemas.openxmlformats.org/presentationml/2006/main" matchingName="Main point">
   <p:cSld name="MAIN_POINT">
     <p:spTree>
       <p:nvGrpSpPr>
-        <p:cNvPr id="32" name="Shape 32"/>
+        <p:cNvPr id="1" name="Shape 32"/>
         <p:cNvGrpSpPr/>
         <p:nvPr/>
       </p:nvGrpSpPr>
@@ -3349,7 +3441,9 @@
       <p:sp>
         <p:nvSpPr>
           <p:cNvPr id="33" name="Google Shape;33;p8"/>
-          <p:cNvSpPr txBox="1"/>
+          <p:cNvSpPr txBox="1">
+            <a:spLocks noGrp="1"/>
+          </p:cNvSpPr>
           <p:nvPr>
             <p:ph type="title"/>
           </p:nvPr>
@@ -3364,7 +3458,7 @@
           </a:prstGeom>
         </p:spPr>
         <p:txBody>
-          <a:bodyPr anchorCtr="0" anchor="ctr" bIns="91425" lIns="91425" spcFirstLastPara="1" rIns="91425" wrap="square" tIns="91425"/>
+          <a:bodyPr spcFirstLastPara="1" wrap="square" lIns="91425" tIns="91425" rIns="91425" bIns="91425" anchor="ctr" anchorCtr="0"/>
           <a:lstStyle>
             <a:lvl1pPr lvl="0">
               <a:spcBef>
@@ -3466,15 +3560,19 @@
               <a:defRPr sz="4800"/>
             </a:lvl9pPr>
           </a:lstStyle>
-          <a:p/>
+          <a:p>
+            <a:endParaRPr/>
+          </a:p>
         </p:txBody>
       </p:sp>
       <p:sp>
         <p:nvSpPr>
           <p:cNvPr id="34" name="Google Shape;34;p8"/>
-          <p:cNvSpPr txBox="1"/>
+          <p:cNvSpPr txBox="1">
+            <a:spLocks noGrp="1"/>
+          </p:cNvSpPr>
           <p:nvPr>
-            <p:ph idx="12" type="sldNum"/>
+            <p:ph type="sldNum" idx="12"/>
           </p:nvPr>
         </p:nvSpPr>
         <p:spPr>
@@ -3487,7 +3585,7 @@
           </a:prstGeom>
         </p:spPr>
         <p:txBody>
-          <a:bodyPr anchorCtr="0" anchor="ctr" bIns="91425" lIns="91425" spcFirstLastPara="1" rIns="91425" wrap="square" tIns="91425">
+          <a:bodyPr spcFirstLastPara="1" wrap="square" lIns="91425" tIns="91425" rIns="91425" bIns="91425" anchor="ctr" anchorCtr="0">
             <a:noAutofit/>
           </a:bodyPr>
           <a:lstStyle>
@@ -3529,7 +3627,7 @@
             </a:lvl9pPr>
           </a:lstStyle>
           <a:p>
-            <a:pPr indent="0" lvl="0" marL="0" rtl="0" algn="r">
+            <a:pPr marL="0" lvl="0" indent="0" algn="r" rtl="0">
               <a:spcBef>
                 <a:spcPts val="0"/>
               </a:spcBef>
@@ -3555,11 +3653,11 @@
 </file>
 
 <file path=ppt/slideLayouts/slideLayout8.xml><?xml version="1.0" encoding="utf-8"?>
-<p:sldLayout xmlns:a="http://schemas.openxmlformats.org/drawingml/2006/main" xmlns:r="http://schemas.openxmlformats.org/officeDocument/2006/relationships" xmlns:mc="http://schemas.openxmlformats.org/markup-compatibility/2006" xmlns:mv="urn:schemas-microsoft-com:mac:vml" xmlns:p="http://schemas.openxmlformats.org/presentationml/2006/main" xmlns:c="http://schemas.openxmlformats.org/drawingml/2006/chart" xmlns:dgm="http://schemas.openxmlformats.org/drawingml/2006/diagram" xmlns:o="urn:schemas-microsoft-com:office:office" xmlns:v="urn:schemas-microsoft-com:vml" xmlns:pvml="urn:schemas-microsoft-com:office:powerpoint" xmlns:com="http://schemas.openxmlformats.org/drawingml/2006/compatibility" xmlns:p14="http://schemas.microsoft.com/office/powerpoint/2010/main" xmlns:p15="http://schemas.microsoft.com/office/powerpoint/2012/main" matchingName="Section title and description">
+<p:sldLayout xmlns:a="http://schemas.openxmlformats.org/drawingml/2006/main" xmlns:r="http://schemas.openxmlformats.org/officeDocument/2006/relationships" xmlns:p="http://schemas.openxmlformats.org/presentationml/2006/main" matchingName="Section title and description">
   <p:cSld name="SECTION_TITLE_AND_DESCRIPTION">
     <p:spTree>
       <p:nvGrpSpPr>
-        <p:cNvPr id="35" name="Shape 35"/>
+        <p:cNvPr id="1" name="Shape 35"/>
         <p:cNvGrpSpPr/>
         <p:nvPr/>
       </p:nvGrpSpPr>
@@ -3593,12 +3691,12 @@
           </a:ln>
         </p:spPr>
         <p:txBody>
-          <a:bodyPr anchorCtr="0" anchor="ctr" bIns="91425" lIns="91425" spcFirstLastPara="1" rIns="91425" wrap="square" tIns="91425">
+          <a:bodyPr spcFirstLastPara="1" wrap="square" lIns="91425" tIns="91425" rIns="91425" bIns="91425" anchor="ctr" anchorCtr="0">
             <a:noAutofit/>
           </a:bodyPr>
           <a:lstStyle/>
           <a:p>
-            <a:pPr indent="0" lvl="0" marL="0" rtl="0" algn="l">
+            <a:pPr marL="0" lvl="0" indent="0" algn="l" rtl="0">
               <a:spcBef>
                 <a:spcPts val="0"/>
               </a:spcBef>
@@ -3607,9 +3705,6 @@
               </a:spcAft>
               <a:buNone/>
             </a:pPr>
-            <a:r>
-              <a:t/>
-            </a:r>
             <a:endParaRPr/>
           </a:p>
         </p:txBody>
@@ -3617,7 +3712,9 @@
       <p:sp>
         <p:nvSpPr>
           <p:cNvPr id="37" name="Google Shape;37;p9"/>
-          <p:cNvSpPr txBox="1"/>
+          <p:cNvSpPr txBox="1">
+            <a:spLocks noGrp="1"/>
+          </p:cNvSpPr>
           <p:nvPr>
             <p:ph type="title"/>
           </p:nvPr>
@@ -3632,7 +3729,7 @@
           </a:prstGeom>
         </p:spPr>
         <p:txBody>
-          <a:bodyPr anchorCtr="0" anchor="b" bIns="91425" lIns="91425" spcFirstLastPara="1" rIns="91425" wrap="square" tIns="91425"/>
+          <a:bodyPr spcFirstLastPara="1" wrap="square" lIns="91425" tIns="91425" rIns="91425" bIns="91425" anchor="b" anchorCtr="0"/>
           <a:lstStyle>
             <a:lvl1pPr lvl="0" algn="ctr">
               <a:spcBef>
@@ -3734,15 +3831,19 @@
               <a:defRPr sz="4200"/>
             </a:lvl9pPr>
           </a:lstStyle>
-          <a:p/>
+          <a:p>
+            <a:endParaRPr/>
+          </a:p>
         </p:txBody>
       </p:sp>
       <p:sp>
         <p:nvSpPr>
           <p:cNvPr id="38" name="Google Shape;38;p9"/>
-          <p:cNvSpPr txBox="1"/>
+          <p:cNvSpPr txBox="1">
+            <a:spLocks noGrp="1"/>
+          </p:cNvSpPr>
           <p:nvPr>
-            <p:ph idx="1" type="subTitle"/>
+            <p:ph type="subTitle" idx="1"/>
           </p:nvPr>
         </p:nvSpPr>
         <p:spPr>
@@ -3755,7 +3856,7 @@
           </a:prstGeom>
         </p:spPr>
         <p:txBody>
-          <a:bodyPr anchorCtr="0" anchor="t" bIns="91425" lIns="91425" spcFirstLastPara="1" rIns="91425" wrap="square" tIns="91425"/>
+          <a:bodyPr spcFirstLastPara="1" wrap="square" lIns="91425" tIns="91425" rIns="91425" bIns="91425" anchor="t" anchorCtr="0"/>
           <a:lstStyle>
             <a:lvl1pPr lvl="0" algn="ctr">
               <a:lnSpc>
@@ -3884,15 +3985,19 @@
               <a:defRPr sz="2100"/>
             </a:lvl9pPr>
           </a:lstStyle>
-          <a:p/>
+          <a:p>
+            <a:endParaRPr/>
+          </a:p>
         </p:txBody>
       </p:sp>
       <p:sp>
         <p:nvSpPr>
           <p:cNvPr id="39" name="Google Shape;39;p9"/>
-          <p:cNvSpPr txBox="1"/>
+          <p:cNvSpPr txBox="1">
+            <a:spLocks noGrp="1"/>
+          </p:cNvSpPr>
           <p:nvPr>
-            <p:ph idx="2" type="body"/>
+            <p:ph type="body" idx="2"/>
           </p:nvPr>
         </p:nvSpPr>
         <p:spPr>
@@ -3905,9 +4010,9 @@
           </a:prstGeom>
         </p:spPr>
         <p:txBody>
-          <a:bodyPr anchorCtr="0" anchor="ctr" bIns="91425" lIns="91425" spcFirstLastPara="1" rIns="91425" wrap="square" tIns="91425"/>
+          <a:bodyPr spcFirstLastPara="1" wrap="square" lIns="91425" tIns="91425" rIns="91425" bIns="91425" anchor="ctr" anchorCtr="0"/>
           <a:lstStyle>
-            <a:lvl1pPr indent="-342900" lvl="0" marL="457200">
+            <a:lvl1pPr marL="457200" lvl="0" indent="-342900">
               <a:spcBef>
                 <a:spcPts val="0"/>
               </a:spcBef>
@@ -3918,7 +4023,7 @@
               <a:buChar char="●"/>
               <a:defRPr/>
             </a:lvl1pPr>
-            <a:lvl2pPr indent="-317500" lvl="1" marL="914400">
+            <a:lvl2pPr marL="914400" lvl="1" indent="-317500">
               <a:spcBef>
                 <a:spcPts val="1600"/>
               </a:spcBef>
@@ -3929,7 +4034,7 @@
               <a:buChar char="○"/>
               <a:defRPr/>
             </a:lvl2pPr>
-            <a:lvl3pPr indent="-317500" lvl="2" marL="1371600">
+            <a:lvl3pPr marL="1371600" lvl="2" indent="-317500">
               <a:spcBef>
                 <a:spcPts val="1600"/>
               </a:spcBef>
@@ -3940,7 +4045,7 @@
               <a:buChar char="■"/>
               <a:defRPr/>
             </a:lvl3pPr>
-            <a:lvl4pPr indent="-317500" lvl="3" marL="1828800">
+            <a:lvl4pPr marL="1828800" lvl="3" indent="-317500">
               <a:spcBef>
                 <a:spcPts val="1600"/>
               </a:spcBef>
@@ -3951,7 +4056,7 @@
               <a:buChar char="●"/>
               <a:defRPr/>
             </a:lvl4pPr>
-            <a:lvl5pPr indent="-317500" lvl="4" marL="2286000">
+            <a:lvl5pPr marL="2286000" lvl="4" indent="-317500">
               <a:spcBef>
                 <a:spcPts val="1600"/>
               </a:spcBef>
@@ -3962,7 +4067,7 @@
               <a:buChar char="○"/>
               <a:defRPr/>
             </a:lvl5pPr>
-            <a:lvl6pPr indent="-317500" lvl="5" marL="2743200">
+            <a:lvl6pPr marL="2743200" lvl="5" indent="-317500">
               <a:spcBef>
                 <a:spcPts val="1600"/>
               </a:spcBef>
@@ -3973,7 +4078,7 @@
               <a:buChar char="■"/>
               <a:defRPr/>
             </a:lvl6pPr>
-            <a:lvl7pPr indent="-317500" lvl="6" marL="3200400">
+            <a:lvl7pPr marL="3200400" lvl="6" indent="-317500">
               <a:spcBef>
                 <a:spcPts val="1600"/>
               </a:spcBef>
@@ -3984,7 +4089,7 @@
               <a:buChar char="●"/>
               <a:defRPr/>
             </a:lvl7pPr>
-            <a:lvl8pPr indent="-317500" lvl="7" marL="3657600">
+            <a:lvl8pPr marL="3657600" lvl="7" indent="-317500">
               <a:spcBef>
                 <a:spcPts val="1600"/>
               </a:spcBef>
@@ -3995,7 +4100,7 @@
               <a:buChar char="○"/>
               <a:defRPr/>
             </a:lvl8pPr>
-            <a:lvl9pPr indent="-317500" lvl="8" marL="4114800">
+            <a:lvl9pPr marL="4114800" lvl="8" indent="-317500">
               <a:spcBef>
                 <a:spcPts val="1600"/>
               </a:spcBef>
@@ -4007,15 +4112,19 @@
               <a:defRPr/>
             </a:lvl9pPr>
           </a:lstStyle>
-          <a:p/>
+          <a:p>
+            <a:endParaRPr/>
+          </a:p>
         </p:txBody>
       </p:sp>
       <p:sp>
         <p:nvSpPr>
           <p:cNvPr id="40" name="Google Shape;40;p9"/>
-          <p:cNvSpPr txBox="1"/>
+          <p:cNvSpPr txBox="1">
+            <a:spLocks noGrp="1"/>
+          </p:cNvSpPr>
           <p:nvPr>
-            <p:ph idx="12" type="sldNum"/>
+            <p:ph type="sldNum" idx="12"/>
           </p:nvPr>
         </p:nvSpPr>
         <p:spPr>
@@ -4028,7 +4137,7 @@
           </a:prstGeom>
         </p:spPr>
         <p:txBody>
-          <a:bodyPr anchorCtr="0" anchor="ctr" bIns="91425" lIns="91425" spcFirstLastPara="1" rIns="91425" wrap="square" tIns="91425">
+          <a:bodyPr spcFirstLastPara="1" wrap="square" lIns="91425" tIns="91425" rIns="91425" bIns="91425" anchor="ctr" anchorCtr="0">
             <a:noAutofit/>
           </a:bodyPr>
           <a:lstStyle>
@@ -4070,7 +4179,7 @@
             </a:lvl9pPr>
           </a:lstStyle>
           <a:p>
-            <a:pPr indent="0" lvl="0" marL="0" rtl="0" algn="r">
+            <a:pPr marL="0" lvl="0" indent="0" algn="r" rtl="0">
               <a:spcBef>
                 <a:spcPts val="0"/>
               </a:spcBef>
@@ -4096,11 +4205,11 @@
 </file>
 
 <file path=ppt/slideLayouts/slideLayout9.xml><?xml version="1.0" encoding="utf-8"?>
-<p:sldLayout xmlns:a="http://schemas.openxmlformats.org/drawingml/2006/main" xmlns:r="http://schemas.openxmlformats.org/officeDocument/2006/relationships" xmlns:mc="http://schemas.openxmlformats.org/markup-compatibility/2006" xmlns:mv="urn:schemas-microsoft-com:mac:vml" xmlns:p="http://schemas.openxmlformats.org/presentationml/2006/main" xmlns:c="http://schemas.openxmlformats.org/drawingml/2006/chart" xmlns:dgm="http://schemas.openxmlformats.org/drawingml/2006/diagram" xmlns:o="urn:schemas-microsoft-com:office:office" xmlns:v="urn:schemas-microsoft-com:vml" xmlns:pvml="urn:schemas-microsoft-com:office:powerpoint" xmlns:com="http://schemas.openxmlformats.org/drawingml/2006/compatibility" xmlns:p14="http://schemas.microsoft.com/office/powerpoint/2010/main" xmlns:p15="http://schemas.microsoft.com/office/powerpoint/2012/main" matchingName="Caption">
+<p:sldLayout xmlns:a="http://schemas.openxmlformats.org/drawingml/2006/main" xmlns:r="http://schemas.openxmlformats.org/officeDocument/2006/relationships" xmlns:p="http://schemas.openxmlformats.org/presentationml/2006/main" matchingName="Caption">
   <p:cSld name="CAPTION_ONLY">
     <p:spTree>
       <p:nvGrpSpPr>
-        <p:cNvPr id="41" name="Shape 41"/>
+        <p:cNvPr id="1" name="Shape 41"/>
         <p:cNvGrpSpPr/>
         <p:nvPr/>
       </p:nvGrpSpPr>
@@ -4115,9 +4224,11 @@
       <p:sp>
         <p:nvSpPr>
           <p:cNvPr id="42" name="Google Shape;42;p10"/>
-          <p:cNvSpPr txBox="1"/>
+          <p:cNvSpPr txBox="1">
+            <a:spLocks noGrp="1"/>
+          </p:cNvSpPr>
           <p:nvPr>
-            <p:ph idx="1" type="body"/>
+            <p:ph type="body" idx="1"/>
           </p:nvPr>
         </p:nvSpPr>
         <p:spPr>
@@ -4130,9 +4241,9 @@
           </a:prstGeom>
         </p:spPr>
         <p:txBody>
-          <a:bodyPr anchorCtr="0" anchor="ctr" bIns="91425" lIns="91425" spcFirstLastPara="1" rIns="91425" wrap="square" tIns="91425"/>
+          <a:bodyPr spcFirstLastPara="1" wrap="square" lIns="91425" tIns="91425" rIns="91425" bIns="91425" anchor="ctr" anchorCtr="0"/>
           <a:lstStyle>
-            <a:lvl1pPr indent="-228600" lvl="0" marL="457200">
+            <a:lvl1pPr marL="457200" lvl="0" indent="-228600">
               <a:lnSpc>
                 <a:spcPct val="100000"/>
               </a:lnSpc>
@@ -4147,15 +4258,19 @@
               <a:defRPr/>
             </a:lvl1pPr>
           </a:lstStyle>
-          <a:p/>
+          <a:p>
+            <a:endParaRPr/>
+          </a:p>
         </p:txBody>
       </p:sp>
       <p:sp>
         <p:nvSpPr>
           <p:cNvPr id="43" name="Google Shape;43;p10"/>
-          <p:cNvSpPr txBox="1"/>
+          <p:cNvSpPr txBox="1">
+            <a:spLocks noGrp="1"/>
+          </p:cNvSpPr>
           <p:nvPr>
-            <p:ph idx="12" type="sldNum"/>
+            <p:ph type="sldNum" idx="12"/>
           </p:nvPr>
         </p:nvSpPr>
         <p:spPr>
@@ -4168,7 +4283,7 @@
           </a:prstGeom>
         </p:spPr>
         <p:txBody>
-          <a:bodyPr anchorCtr="0" anchor="ctr" bIns="91425" lIns="91425" spcFirstLastPara="1" rIns="91425" wrap="square" tIns="91425">
+          <a:bodyPr spcFirstLastPara="1" wrap="square" lIns="91425" tIns="91425" rIns="91425" bIns="91425" anchor="ctr" anchorCtr="0">
             <a:noAutofit/>
           </a:bodyPr>
           <a:lstStyle>
@@ -4210,7 +4325,7 @@
             </a:lvl9pPr>
           </a:lstStyle>
           <a:p>
-            <a:pPr indent="0" lvl="0" marL="0" rtl="0" algn="r">
+            <a:pPr marL="0" lvl="0" indent="0" algn="r" rtl="0">
               <a:spcBef>
                 <a:spcPts val="0"/>
               </a:spcBef>
@@ -4236,18 +4351,19 @@
 </file>
 
 <file path=ppt/slideMasters/slideMaster1.xml><?xml version="1.0" encoding="utf-8"?>
-<p:sldMaster xmlns:a="http://schemas.openxmlformats.org/drawingml/2006/main" xmlns:r="http://schemas.openxmlformats.org/officeDocument/2006/relationships" xmlns:mc="http://schemas.openxmlformats.org/markup-compatibility/2006" xmlns:mv="urn:schemas-microsoft-com:mac:vml" xmlns:p="http://schemas.openxmlformats.org/presentationml/2006/main" xmlns:c="http://schemas.openxmlformats.org/drawingml/2006/chart" xmlns:dgm="http://schemas.openxmlformats.org/drawingml/2006/diagram" xmlns:o="urn:schemas-microsoft-com:office:office" xmlns:v="urn:schemas-microsoft-com:vml" xmlns:pvml="urn:schemas-microsoft-com:office:powerpoint" xmlns:com="http://schemas.openxmlformats.org/drawingml/2006/compatibility" xmlns:p14="http://schemas.microsoft.com/office/powerpoint/2010/main" xmlns:p15="http://schemas.microsoft.com/office/powerpoint/2012/main">
+<p:sldMaster xmlns:a="http://schemas.openxmlformats.org/drawingml/2006/main" xmlns:r="http://schemas.openxmlformats.org/officeDocument/2006/relationships" xmlns:p="http://schemas.openxmlformats.org/presentationml/2006/main">
   <p:cSld name="simple-light-2">
     <p:bg>
       <p:bgPr>
         <a:solidFill>
           <a:schemeClr val="lt1"/>
         </a:solidFill>
+        <a:effectLst/>
       </p:bgPr>
     </p:bg>
     <p:spTree>
       <p:nvGrpSpPr>
-        <p:cNvPr id="5" name="Shape 5"/>
+        <p:cNvPr id="1" name="Shape 5"/>
         <p:cNvGrpSpPr/>
         <p:nvPr/>
       </p:nvGrpSpPr>
@@ -4262,7 +4378,9 @@
       <p:sp>
         <p:nvSpPr>
           <p:cNvPr id="6" name="Google Shape;6;p1"/>
-          <p:cNvSpPr txBox="1"/>
+          <p:cNvSpPr txBox="1">
+            <a:spLocks noGrp="1"/>
+          </p:cNvSpPr>
           <p:nvPr>
             <p:ph type="title"/>
           </p:nvPr>
@@ -4281,7 +4399,7 @@
           </a:ln>
         </p:spPr>
         <p:txBody>
-          <a:bodyPr anchorCtr="0" anchor="t" bIns="91425" lIns="91425" spcFirstLastPara="1" rIns="91425" wrap="square" tIns="91425"/>
+          <a:bodyPr spcFirstLastPara="1" wrap="square" lIns="91425" tIns="91425" rIns="91425" bIns="91425" anchor="t" anchorCtr="0"/>
           <a:lstStyle>
             <a:lvl1pPr lvl="0">
               <a:spcBef>
@@ -4446,15 +4564,19 @@
               </a:defRPr>
             </a:lvl9pPr>
           </a:lstStyle>
-          <a:p/>
+          <a:p>
+            <a:endParaRPr/>
+          </a:p>
         </p:txBody>
       </p:sp>
       <p:sp>
         <p:nvSpPr>
           <p:cNvPr id="7" name="Google Shape;7;p1"/>
-          <p:cNvSpPr txBox="1"/>
+          <p:cNvSpPr txBox="1">
+            <a:spLocks noGrp="1"/>
+          </p:cNvSpPr>
           <p:nvPr>
-            <p:ph idx="1" type="body"/>
+            <p:ph type="body" idx="1"/>
           </p:nvPr>
         </p:nvSpPr>
         <p:spPr>
@@ -4471,9 +4593,9 @@
           </a:ln>
         </p:spPr>
         <p:txBody>
-          <a:bodyPr anchorCtr="0" anchor="t" bIns="91425" lIns="91425" spcFirstLastPara="1" rIns="91425" wrap="square" tIns="91425"/>
+          <a:bodyPr spcFirstLastPara="1" wrap="square" lIns="91425" tIns="91425" rIns="91425" bIns="91425" anchor="t" anchorCtr="0"/>
           <a:lstStyle>
-            <a:lvl1pPr indent="-342900" lvl="0" marL="457200">
+            <a:lvl1pPr marL="457200" lvl="0" indent="-342900">
               <a:lnSpc>
                 <a:spcPct val="115000"/>
               </a:lnSpc>
@@ -4494,7 +4616,7 @@
                 </a:solidFill>
               </a:defRPr>
             </a:lvl1pPr>
-            <a:lvl2pPr indent="-317500" lvl="1" marL="914400">
+            <a:lvl2pPr marL="914400" lvl="1" indent="-317500">
               <a:lnSpc>
                 <a:spcPct val="115000"/>
               </a:lnSpc>
@@ -4515,7 +4637,7 @@
                 </a:solidFill>
               </a:defRPr>
             </a:lvl2pPr>
-            <a:lvl3pPr indent="-317500" lvl="2" marL="1371600">
+            <a:lvl3pPr marL="1371600" lvl="2" indent="-317500">
               <a:lnSpc>
                 <a:spcPct val="115000"/>
               </a:lnSpc>
@@ -4536,7 +4658,7 @@
                 </a:solidFill>
               </a:defRPr>
             </a:lvl3pPr>
-            <a:lvl4pPr indent="-317500" lvl="3" marL="1828800">
+            <a:lvl4pPr marL="1828800" lvl="3" indent="-317500">
               <a:lnSpc>
                 <a:spcPct val="115000"/>
               </a:lnSpc>
@@ -4557,7 +4679,7 @@
                 </a:solidFill>
               </a:defRPr>
             </a:lvl4pPr>
-            <a:lvl5pPr indent="-317500" lvl="4" marL="2286000">
+            <a:lvl5pPr marL="2286000" lvl="4" indent="-317500">
               <a:lnSpc>
                 <a:spcPct val="115000"/>
               </a:lnSpc>
@@ -4578,7 +4700,7 @@
                 </a:solidFill>
               </a:defRPr>
             </a:lvl5pPr>
-            <a:lvl6pPr indent="-317500" lvl="5" marL="2743200">
+            <a:lvl6pPr marL="2743200" lvl="5" indent="-317500">
               <a:lnSpc>
                 <a:spcPct val="115000"/>
               </a:lnSpc>
@@ -4599,7 +4721,7 @@
                 </a:solidFill>
               </a:defRPr>
             </a:lvl6pPr>
-            <a:lvl7pPr indent="-317500" lvl="6" marL="3200400">
+            <a:lvl7pPr marL="3200400" lvl="6" indent="-317500">
               <a:lnSpc>
                 <a:spcPct val="115000"/>
               </a:lnSpc>
@@ -4620,7 +4742,7 @@
                 </a:solidFill>
               </a:defRPr>
             </a:lvl7pPr>
-            <a:lvl8pPr indent="-317500" lvl="7" marL="3657600">
+            <a:lvl8pPr marL="3657600" lvl="7" indent="-317500">
               <a:lnSpc>
                 <a:spcPct val="115000"/>
               </a:lnSpc>
@@ -4641,7 +4763,7 @@
                 </a:solidFill>
               </a:defRPr>
             </a:lvl8pPr>
-            <a:lvl9pPr indent="-317500" lvl="8" marL="4114800">
+            <a:lvl9pPr marL="4114800" lvl="8" indent="-317500">
               <a:lnSpc>
                 <a:spcPct val="115000"/>
               </a:lnSpc>
@@ -4663,15 +4785,19 @@
               </a:defRPr>
             </a:lvl9pPr>
           </a:lstStyle>
-          <a:p/>
+          <a:p>
+            <a:endParaRPr/>
+          </a:p>
         </p:txBody>
       </p:sp>
       <p:sp>
         <p:nvSpPr>
           <p:cNvPr id="8" name="Google Shape;8;p1"/>
-          <p:cNvSpPr txBox="1"/>
+          <p:cNvSpPr txBox="1">
+            <a:spLocks noGrp="1"/>
+          </p:cNvSpPr>
           <p:nvPr>
-            <p:ph idx="12" type="sldNum"/>
+            <p:ph type="sldNum" idx="12"/>
           </p:nvPr>
         </p:nvSpPr>
         <p:spPr>
@@ -4688,7 +4814,7 @@
           </a:ln>
         </p:spPr>
         <p:txBody>
-          <a:bodyPr anchorCtr="0" anchor="ctr" bIns="91425" lIns="91425" spcFirstLastPara="1" rIns="91425" wrap="square" tIns="91425">
+          <a:bodyPr spcFirstLastPara="1" wrap="square" lIns="91425" tIns="91425" rIns="91425" bIns="91425" anchor="ctr" anchorCtr="0">
             <a:noAutofit/>
           </a:bodyPr>
           <a:lstStyle>
@@ -4766,7 +4892,7 @@
             </a:lvl9pPr>
           </a:lstStyle>
           <a:p>
-            <a:pPr indent="0" lvl="0" marL="0" rtl="0" algn="r">
+            <a:pPr marL="0" lvl="0" indent="0" algn="r" rtl="0">
               <a:spcBef>
                 <a:spcPts val="0"/>
               </a:spcBef>
@@ -4785,7 +4911,7 @@
       </p:sp>
     </p:spTree>
   </p:cSld>
-  <p:clrMap accent1="accent1" accent2="accent2" accent3="accent3" accent4="accent4" accent5="accent5" accent6="accent6" bg1="lt1" bg2="dk2" tx1="dk1" tx2="lt2" folHlink="folHlink" hlink="hlink"/>
+  <p:clrMap bg1="lt1" tx1="dk1" bg2="dk2" tx2="lt2" accent1="accent1" accent2="accent2" accent3="accent3" accent4="accent4" accent5="accent5" accent6="accent6" hlink="hlink" folHlink="folHlink"/>
   <p:sldLayoutIdLst>
     <p:sldLayoutId id="2147483648" r:id="rId1"/>
     <p:sldLayoutId id="2147483649" r:id="rId2"/>
@@ -4799,10 +4925,10 @@
     <p:sldLayoutId id="2147483657" r:id="rId10"/>
     <p:sldLayoutId id="2147483658" r:id="rId11"/>
   </p:sldLayoutIdLst>
-  <p:hf dt="0" ftr="0" hdr="0" sldNum="0"/>
+  <p:hf sldNum="0" hdr="0" ftr="0" dt="0"/>
   <p:txStyles>
     <p:titleStyle>
-      <a:defPPr lvl="0" marR="0" rtl="0" algn="l">
+      <a:defPPr marR="0" lvl="0" algn="l" rtl="0">
         <a:lnSpc>
           <a:spcPct val="100000"/>
         </a:lnSpc>
@@ -4813,7 +4939,7 @@
           <a:spcPts val="0"/>
         </a:spcAft>
       </a:defPPr>
-      <a:lvl1pPr lvl="0" marR="0" rtl="0" algn="l">
+      <a:lvl1pPr marR="0" lvl="0" algn="l" rtl="0">
         <a:lnSpc>
           <a:spcPct val="100000"/>
         </a:lnSpc>
@@ -4827,7 +4953,7 @@
           <a:srgbClr val="000000"/>
         </a:buClr>
         <a:buFont typeface="Arial"/>
-        <a:defRPr b="0" i="0" sz="1400" u="none" cap="none" strike="noStrike">
+        <a:defRPr sz="1400" b="0" i="0" u="none" strike="noStrike" cap="none">
           <a:solidFill>
             <a:srgbClr val="000000"/>
           </a:solidFill>
@@ -4837,7 +4963,7 @@
           <a:sym typeface="Arial"/>
         </a:defRPr>
       </a:lvl1pPr>
-      <a:lvl2pPr lvl="1" marR="0" rtl="0" algn="l">
+      <a:lvl2pPr marR="0" lvl="1" algn="l" rtl="0">
         <a:lnSpc>
           <a:spcPct val="100000"/>
         </a:lnSpc>
@@ -4851,7 +4977,7 @@
           <a:srgbClr val="000000"/>
         </a:buClr>
         <a:buFont typeface="Arial"/>
-        <a:defRPr b="0" i="0" sz="1400" u="none" cap="none" strike="noStrike">
+        <a:defRPr sz="1400" b="0" i="0" u="none" strike="noStrike" cap="none">
           <a:solidFill>
             <a:srgbClr val="000000"/>
           </a:solidFill>
@@ -4861,7 +4987,7 @@
           <a:sym typeface="Arial"/>
         </a:defRPr>
       </a:lvl2pPr>
-      <a:lvl3pPr lvl="2" marR="0" rtl="0" algn="l">
+      <a:lvl3pPr marR="0" lvl="2" algn="l" rtl="0">
         <a:lnSpc>
           <a:spcPct val="100000"/>
         </a:lnSpc>
@@ -4875,7 +5001,7 @@
           <a:srgbClr val="000000"/>
         </a:buClr>
         <a:buFont typeface="Arial"/>
-        <a:defRPr b="0" i="0" sz="1400" u="none" cap="none" strike="noStrike">
+        <a:defRPr sz="1400" b="0" i="0" u="none" strike="noStrike" cap="none">
           <a:solidFill>
             <a:srgbClr val="000000"/>
           </a:solidFill>
@@ -4885,7 +5011,7 @@
           <a:sym typeface="Arial"/>
         </a:defRPr>
       </a:lvl3pPr>
-      <a:lvl4pPr lvl="3" marR="0" rtl="0" algn="l">
+      <a:lvl4pPr marR="0" lvl="3" algn="l" rtl="0">
         <a:lnSpc>
           <a:spcPct val="100000"/>
         </a:lnSpc>
@@ -4899,7 +5025,7 @@
           <a:srgbClr val="000000"/>
         </a:buClr>
         <a:buFont typeface="Arial"/>
-        <a:defRPr b="0" i="0" sz="1400" u="none" cap="none" strike="noStrike">
+        <a:defRPr sz="1400" b="0" i="0" u="none" strike="noStrike" cap="none">
           <a:solidFill>
             <a:srgbClr val="000000"/>
           </a:solidFill>
@@ -4909,7 +5035,7 @@
           <a:sym typeface="Arial"/>
         </a:defRPr>
       </a:lvl4pPr>
-      <a:lvl5pPr lvl="4" marR="0" rtl="0" algn="l">
+      <a:lvl5pPr marR="0" lvl="4" algn="l" rtl="0">
         <a:lnSpc>
           <a:spcPct val="100000"/>
         </a:lnSpc>
@@ -4923,7 +5049,7 @@
           <a:srgbClr val="000000"/>
         </a:buClr>
         <a:buFont typeface="Arial"/>
-        <a:defRPr b="0" i="0" sz="1400" u="none" cap="none" strike="noStrike">
+        <a:defRPr sz="1400" b="0" i="0" u="none" strike="noStrike" cap="none">
           <a:solidFill>
             <a:srgbClr val="000000"/>
           </a:solidFill>
@@ -4933,7 +5059,7 @@
           <a:sym typeface="Arial"/>
         </a:defRPr>
       </a:lvl5pPr>
-      <a:lvl6pPr lvl="5" marR="0" rtl="0" algn="l">
+      <a:lvl6pPr marR="0" lvl="5" algn="l" rtl="0">
         <a:lnSpc>
           <a:spcPct val="100000"/>
         </a:lnSpc>
@@ -4947,7 +5073,7 @@
           <a:srgbClr val="000000"/>
         </a:buClr>
         <a:buFont typeface="Arial"/>
-        <a:defRPr b="0" i="0" sz="1400" u="none" cap="none" strike="noStrike">
+        <a:defRPr sz="1400" b="0" i="0" u="none" strike="noStrike" cap="none">
           <a:solidFill>
             <a:srgbClr val="000000"/>
           </a:solidFill>
@@ -4957,7 +5083,7 @@
           <a:sym typeface="Arial"/>
         </a:defRPr>
       </a:lvl6pPr>
-      <a:lvl7pPr lvl="6" marR="0" rtl="0" algn="l">
+      <a:lvl7pPr marR="0" lvl="6" algn="l" rtl="0">
         <a:lnSpc>
           <a:spcPct val="100000"/>
         </a:lnSpc>
@@ -4971,7 +5097,7 @@
           <a:srgbClr val="000000"/>
         </a:buClr>
         <a:buFont typeface="Arial"/>
-        <a:defRPr b="0" i="0" sz="1400" u="none" cap="none" strike="noStrike">
+        <a:defRPr sz="1400" b="0" i="0" u="none" strike="noStrike" cap="none">
           <a:solidFill>
             <a:srgbClr val="000000"/>
           </a:solidFill>
@@ -4981,7 +5107,7 @@
           <a:sym typeface="Arial"/>
         </a:defRPr>
       </a:lvl7pPr>
-      <a:lvl8pPr lvl="7" marR="0" rtl="0" algn="l">
+      <a:lvl8pPr marR="0" lvl="7" algn="l" rtl="0">
         <a:lnSpc>
           <a:spcPct val="100000"/>
         </a:lnSpc>
@@ -4995,7 +5121,7 @@
           <a:srgbClr val="000000"/>
         </a:buClr>
         <a:buFont typeface="Arial"/>
-        <a:defRPr b="0" i="0" sz="1400" u="none" cap="none" strike="noStrike">
+        <a:defRPr sz="1400" b="0" i="0" u="none" strike="noStrike" cap="none">
           <a:solidFill>
             <a:srgbClr val="000000"/>
           </a:solidFill>
@@ -5005,7 +5131,7 @@
           <a:sym typeface="Arial"/>
         </a:defRPr>
       </a:lvl8pPr>
-      <a:lvl9pPr lvl="8" marR="0" rtl="0" algn="l">
+      <a:lvl9pPr marR="0" lvl="8" algn="l" rtl="0">
         <a:lnSpc>
           <a:spcPct val="100000"/>
         </a:lnSpc>
@@ -5019,7 +5145,7 @@
           <a:srgbClr val="000000"/>
         </a:buClr>
         <a:buFont typeface="Arial"/>
-        <a:defRPr b="0" i="0" sz="1400" u="none" cap="none" strike="noStrike">
+        <a:defRPr sz="1400" b="0" i="0" u="none" strike="noStrike" cap="none">
           <a:solidFill>
             <a:srgbClr val="000000"/>
           </a:solidFill>
@@ -5031,7 +5157,7 @@
       </a:lvl9pPr>
     </p:titleStyle>
     <p:bodyStyle>
-      <a:defPPr lvl="0" marR="0" rtl="0" algn="l">
+      <a:defPPr marR="0" lvl="0" algn="l" rtl="0">
         <a:lnSpc>
           <a:spcPct val="100000"/>
         </a:lnSpc>
@@ -5042,7 +5168,7 @@
           <a:spcPts val="0"/>
         </a:spcAft>
       </a:defPPr>
-      <a:lvl1pPr lvl="0" marR="0" rtl="0" algn="l">
+      <a:lvl1pPr marR="0" lvl="0" algn="l" rtl="0">
         <a:lnSpc>
           <a:spcPct val="100000"/>
         </a:lnSpc>
@@ -5056,7 +5182,7 @@
           <a:srgbClr val="000000"/>
         </a:buClr>
         <a:buFont typeface="Arial"/>
-        <a:defRPr b="0" i="0" sz="1400" u="none" cap="none" strike="noStrike">
+        <a:defRPr sz="1400" b="0" i="0" u="none" strike="noStrike" cap="none">
           <a:solidFill>
             <a:srgbClr val="000000"/>
           </a:solidFill>
@@ -5066,7 +5192,7 @@
           <a:sym typeface="Arial"/>
         </a:defRPr>
       </a:lvl1pPr>
-      <a:lvl2pPr lvl="1" marR="0" rtl="0" algn="l">
+      <a:lvl2pPr marR="0" lvl="1" algn="l" rtl="0">
         <a:lnSpc>
           <a:spcPct val="100000"/>
         </a:lnSpc>
@@ -5080,7 +5206,7 @@
           <a:srgbClr val="000000"/>
         </a:buClr>
         <a:buFont typeface="Arial"/>
-        <a:defRPr b="0" i="0" sz="1400" u="none" cap="none" strike="noStrike">
+        <a:defRPr sz="1400" b="0" i="0" u="none" strike="noStrike" cap="none">
           <a:solidFill>
             <a:srgbClr val="000000"/>
           </a:solidFill>
@@ -5090,7 +5216,7 @@
           <a:sym typeface="Arial"/>
         </a:defRPr>
       </a:lvl2pPr>
-      <a:lvl3pPr lvl="2" marR="0" rtl="0" algn="l">
+      <a:lvl3pPr marR="0" lvl="2" algn="l" rtl="0">
         <a:lnSpc>
           <a:spcPct val="100000"/>
         </a:lnSpc>
@@ -5104,7 +5230,7 @@
           <a:srgbClr val="000000"/>
         </a:buClr>
         <a:buFont typeface="Arial"/>
-        <a:defRPr b="0" i="0" sz="1400" u="none" cap="none" strike="noStrike">
+        <a:defRPr sz="1400" b="0" i="0" u="none" strike="noStrike" cap="none">
           <a:solidFill>
             <a:srgbClr val="000000"/>
           </a:solidFill>
@@ -5114,7 +5240,7 @@
           <a:sym typeface="Arial"/>
         </a:defRPr>
       </a:lvl3pPr>
-      <a:lvl4pPr lvl="3" marR="0" rtl="0" algn="l">
+      <a:lvl4pPr marR="0" lvl="3" algn="l" rtl="0">
         <a:lnSpc>
           <a:spcPct val="100000"/>
         </a:lnSpc>
@@ -5128,7 +5254,7 @@
           <a:srgbClr val="000000"/>
         </a:buClr>
         <a:buFont typeface="Arial"/>
-        <a:defRPr b="0" i="0" sz="1400" u="none" cap="none" strike="noStrike">
+        <a:defRPr sz="1400" b="0" i="0" u="none" strike="noStrike" cap="none">
           <a:solidFill>
             <a:srgbClr val="000000"/>
           </a:solidFill>
@@ -5138,7 +5264,7 @@
           <a:sym typeface="Arial"/>
         </a:defRPr>
       </a:lvl4pPr>
-      <a:lvl5pPr lvl="4" marR="0" rtl="0" algn="l">
+      <a:lvl5pPr marR="0" lvl="4" algn="l" rtl="0">
         <a:lnSpc>
           <a:spcPct val="100000"/>
         </a:lnSpc>
@@ -5152,7 +5278,7 @@
           <a:srgbClr val="000000"/>
         </a:buClr>
         <a:buFont typeface="Arial"/>
-        <a:defRPr b="0" i="0" sz="1400" u="none" cap="none" strike="noStrike">
+        <a:defRPr sz="1400" b="0" i="0" u="none" strike="noStrike" cap="none">
           <a:solidFill>
             <a:srgbClr val="000000"/>
           </a:solidFill>
@@ -5162,7 +5288,7 @@
           <a:sym typeface="Arial"/>
         </a:defRPr>
       </a:lvl5pPr>
-      <a:lvl6pPr lvl="5" marR="0" rtl="0" algn="l">
+      <a:lvl6pPr marR="0" lvl="5" algn="l" rtl="0">
         <a:lnSpc>
           <a:spcPct val="100000"/>
         </a:lnSpc>
@@ -5176,7 +5302,7 @@
           <a:srgbClr val="000000"/>
         </a:buClr>
         <a:buFont typeface="Arial"/>
-        <a:defRPr b="0" i="0" sz="1400" u="none" cap="none" strike="noStrike">
+        <a:defRPr sz="1400" b="0" i="0" u="none" strike="noStrike" cap="none">
           <a:solidFill>
             <a:srgbClr val="000000"/>
           </a:solidFill>
@@ -5186,7 +5312,7 @@
           <a:sym typeface="Arial"/>
         </a:defRPr>
       </a:lvl6pPr>
-      <a:lvl7pPr lvl="6" marR="0" rtl="0" algn="l">
+      <a:lvl7pPr marR="0" lvl="6" algn="l" rtl="0">
         <a:lnSpc>
           <a:spcPct val="100000"/>
         </a:lnSpc>
@@ -5200,7 +5326,7 @@
           <a:srgbClr val="000000"/>
         </a:buClr>
         <a:buFont typeface="Arial"/>
-        <a:defRPr b="0" i="0" sz="1400" u="none" cap="none" strike="noStrike">
+        <a:defRPr sz="1400" b="0" i="0" u="none" strike="noStrike" cap="none">
           <a:solidFill>
             <a:srgbClr val="000000"/>
           </a:solidFill>
@@ -5210,7 +5336,7 @@
           <a:sym typeface="Arial"/>
         </a:defRPr>
       </a:lvl7pPr>
-      <a:lvl8pPr lvl="7" marR="0" rtl="0" algn="l">
+      <a:lvl8pPr marR="0" lvl="7" algn="l" rtl="0">
         <a:lnSpc>
           <a:spcPct val="100000"/>
         </a:lnSpc>
@@ -5224,7 +5350,7 @@
           <a:srgbClr val="000000"/>
         </a:buClr>
         <a:buFont typeface="Arial"/>
-        <a:defRPr b="0" i="0" sz="1400" u="none" cap="none" strike="noStrike">
+        <a:defRPr sz="1400" b="0" i="0" u="none" strike="noStrike" cap="none">
           <a:solidFill>
             <a:srgbClr val="000000"/>
           </a:solidFill>
@@ -5234,7 +5360,7 @@
           <a:sym typeface="Arial"/>
         </a:defRPr>
       </a:lvl8pPr>
-      <a:lvl9pPr lvl="8" marR="0" rtl="0" algn="l">
+      <a:lvl9pPr marR="0" lvl="8" algn="l" rtl="0">
         <a:lnSpc>
           <a:spcPct val="100000"/>
         </a:lnSpc>
@@ -5248,7 +5374,7 @@
           <a:srgbClr val="000000"/>
         </a:buClr>
         <a:buFont typeface="Arial"/>
-        <a:defRPr b="0" i="0" sz="1400" u="none" cap="none" strike="noStrike">
+        <a:defRPr sz="1400" b="0" i="0" u="none" strike="noStrike" cap="none">
           <a:solidFill>
             <a:srgbClr val="000000"/>
           </a:solidFill>
@@ -5260,7 +5386,7 @@
       </a:lvl9pPr>
     </p:bodyStyle>
     <p:otherStyle>
-      <a:defPPr lvl="0" marR="0" rtl="0" algn="l">
+      <a:defPPr marR="0" lvl="0" algn="l" rtl="0">
         <a:lnSpc>
           <a:spcPct val="100000"/>
         </a:lnSpc>
@@ -5271,7 +5397,7 @@
           <a:spcPts val="0"/>
         </a:spcAft>
       </a:defPPr>
-      <a:lvl1pPr lvl="0" marR="0" rtl="0" algn="l">
+      <a:lvl1pPr marR="0" lvl="0" algn="l" rtl="0">
         <a:lnSpc>
           <a:spcPct val="100000"/>
         </a:lnSpc>
@@ -5285,7 +5411,7 @@
           <a:srgbClr val="000000"/>
         </a:buClr>
         <a:buFont typeface="Arial"/>
-        <a:defRPr b="0" i="0" sz="1400" u="none" cap="none" strike="noStrike">
+        <a:defRPr sz="1400" b="0" i="0" u="none" strike="noStrike" cap="none">
           <a:solidFill>
             <a:srgbClr val="000000"/>
           </a:solidFill>
@@ -5295,7 +5421,7 @@
           <a:sym typeface="Arial"/>
         </a:defRPr>
       </a:lvl1pPr>
-      <a:lvl2pPr lvl="1" marR="0" rtl="0" algn="l">
+      <a:lvl2pPr marR="0" lvl="1" algn="l" rtl="0">
         <a:lnSpc>
           <a:spcPct val="100000"/>
         </a:lnSpc>
@@ -5309,7 +5435,7 @@
           <a:srgbClr val="000000"/>
         </a:buClr>
         <a:buFont typeface="Arial"/>
-        <a:defRPr b="0" i="0" sz="1400" u="none" cap="none" strike="noStrike">
+        <a:defRPr sz="1400" b="0" i="0" u="none" strike="noStrike" cap="none">
           <a:solidFill>
             <a:srgbClr val="000000"/>
           </a:solidFill>
@@ -5319,7 +5445,7 @@
           <a:sym typeface="Arial"/>
         </a:defRPr>
       </a:lvl2pPr>
-      <a:lvl3pPr lvl="2" marR="0" rtl="0" algn="l">
+      <a:lvl3pPr marR="0" lvl="2" algn="l" rtl="0">
         <a:lnSpc>
           <a:spcPct val="100000"/>
         </a:lnSpc>
@@ -5333,7 +5459,7 @@
           <a:srgbClr val="000000"/>
         </a:buClr>
         <a:buFont typeface="Arial"/>
-        <a:defRPr b="0" i="0" sz="1400" u="none" cap="none" strike="noStrike">
+        <a:defRPr sz="1400" b="0" i="0" u="none" strike="noStrike" cap="none">
           <a:solidFill>
             <a:srgbClr val="000000"/>
           </a:solidFill>
@@ -5343,7 +5469,7 @@
           <a:sym typeface="Arial"/>
         </a:defRPr>
       </a:lvl3pPr>
-      <a:lvl4pPr lvl="3" marR="0" rtl="0" algn="l">
+      <a:lvl4pPr marR="0" lvl="3" algn="l" rtl="0">
         <a:lnSpc>
           <a:spcPct val="100000"/>
         </a:lnSpc>
@@ -5357,7 +5483,7 @@
           <a:srgbClr val="000000"/>
         </a:buClr>
         <a:buFont typeface="Arial"/>
-        <a:defRPr b="0" i="0" sz="1400" u="none" cap="none" strike="noStrike">
+        <a:defRPr sz="1400" b="0" i="0" u="none" strike="noStrike" cap="none">
           <a:solidFill>
             <a:srgbClr val="000000"/>
           </a:solidFill>
@@ -5367,7 +5493,7 @@
           <a:sym typeface="Arial"/>
         </a:defRPr>
       </a:lvl4pPr>
-      <a:lvl5pPr lvl="4" marR="0" rtl="0" algn="l">
+      <a:lvl5pPr marR="0" lvl="4" algn="l" rtl="0">
         <a:lnSpc>
           <a:spcPct val="100000"/>
         </a:lnSpc>
@@ -5381,7 +5507,7 @@
           <a:srgbClr val="000000"/>
         </a:buClr>
         <a:buFont typeface="Arial"/>
-        <a:defRPr b="0" i="0" sz="1400" u="none" cap="none" strike="noStrike">
+        <a:defRPr sz="1400" b="0" i="0" u="none" strike="noStrike" cap="none">
           <a:solidFill>
             <a:srgbClr val="000000"/>
           </a:solidFill>
@@ -5391,7 +5517,7 @@
           <a:sym typeface="Arial"/>
         </a:defRPr>
       </a:lvl5pPr>
-      <a:lvl6pPr lvl="5" marR="0" rtl="0" algn="l">
+      <a:lvl6pPr marR="0" lvl="5" algn="l" rtl="0">
         <a:lnSpc>
           <a:spcPct val="100000"/>
         </a:lnSpc>
@@ -5405,7 +5531,7 @@
           <a:srgbClr val="000000"/>
         </a:buClr>
         <a:buFont typeface="Arial"/>
-        <a:defRPr b="0" i="0" sz="1400" u="none" cap="none" strike="noStrike">
+        <a:defRPr sz="1400" b="0" i="0" u="none" strike="noStrike" cap="none">
           <a:solidFill>
             <a:srgbClr val="000000"/>
           </a:solidFill>
@@ -5415,7 +5541,7 @@
           <a:sym typeface="Arial"/>
         </a:defRPr>
       </a:lvl6pPr>
-      <a:lvl7pPr lvl="6" marR="0" rtl="0" algn="l">
+      <a:lvl7pPr marR="0" lvl="6" algn="l" rtl="0">
         <a:lnSpc>
           <a:spcPct val="100000"/>
         </a:lnSpc>
@@ -5429,7 +5555,7 @@
           <a:srgbClr val="000000"/>
         </a:buClr>
         <a:buFont typeface="Arial"/>
-        <a:defRPr b="0" i="0" sz="1400" u="none" cap="none" strike="noStrike">
+        <a:defRPr sz="1400" b="0" i="0" u="none" strike="noStrike" cap="none">
           <a:solidFill>
             <a:srgbClr val="000000"/>
           </a:solidFill>
@@ -5439,7 +5565,7 @@
           <a:sym typeface="Arial"/>
         </a:defRPr>
       </a:lvl7pPr>
-      <a:lvl8pPr lvl="7" marR="0" rtl="0" algn="l">
+      <a:lvl8pPr marR="0" lvl="7" algn="l" rtl="0">
         <a:lnSpc>
           <a:spcPct val="100000"/>
         </a:lnSpc>
@@ -5453,7 +5579,7 @@
           <a:srgbClr val="000000"/>
         </a:buClr>
         <a:buFont typeface="Arial"/>
-        <a:defRPr b="0" i="0" sz="1400" u="none" cap="none" strike="noStrike">
+        <a:defRPr sz="1400" b="0" i="0" u="none" strike="noStrike" cap="none">
           <a:solidFill>
             <a:srgbClr val="000000"/>
           </a:solidFill>
@@ -5463,7 +5589,7 @@
           <a:sym typeface="Arial"/>
         </a:defRPr>
       </a:lvl8pPr>
-      <a:lvl9pPr lvl="8" marR="0" rtl="0" algn="l">
+      <a:lvl9pPr marR="0" lvl="8" algn="l" rtl="0">
         <a:lnSpc>
           <a:spcPct val="100000"/>
         </a:lnSpc>
@@ -5477,7 +5603,7 @@
           <a:srgbClr val="000000"/>
         </a:buClr>
         <a:buFont typeface="Arial"/>
-        <a:defRPr b="0" i="0" sz="1400" u="none" cap="none" strike="noStrike">
+        <a:defRPr sz="1400" b="0" i="0" u="none" strike="noStrike" cap="none">
           <a:solidFill>
             <a:srgbClr val="000000"/>
           </a:solidFill>
@@ -5493,11 +5619,11 @@
 </file>
 
 <file path=ppt/slides/slide1.xml><?xml version="1.0" encoding="utf-8"?>
-<p:sld xmlns:a="http://schemas.openxmlformats.org/drawingml/2006/main" xmlns:r="http://schemas.openxmlformats.org/officeDocument/2006/relationships" xmlns:mc="http://schemas.openxmlformats.org/markup-compatibility/2006" xmlns:mv="urn:schemas-microsoft-com:mac:vml" xmlns:p="http://schemas.openxmlformats.org/presentationml/2006/main" xmlns:c="http://schemas.openxmlformats.org/drawingml/2006/chart" xmlns:dgm="http://schemas.openxmlformats.org/drawingml/2006/diagram" xmlns:o="urn:schemas-microsoft-com:office:office" xmlns:v="urn:schemas-microsoft-com:vml" xmlns:pvml="urn:schemas-microsoft-com:office:powerpoint" xmlns:com="http://schemas.openxmlformats.org/drawingml/2006/compatibility" xmlns:p14="http://schemas.microsoft.com/office/powerpoint/2010/main" xmlns:p15="http://schemas.microsoft.com/office/powerpoint/2012/main">
+<p:sld xmlns:a="http://schemas.openxmlformats.org/drawingml/2006/main" xmlns:r="http://schemas.openxmlformats.org/officeDocument/2006/relationships" xmlns:p="http://schemas.openxmlformats.org/presentationml/2006/main">
   <p:cSld>
     <p:spTree>
       <p:nvGrpSpPr>
-        <p:cNvPr id="53" name="Shape 53"/>
+        <p:cNvPr id="1" name="Shape 53"/>
         <p:cNvGrpSpPr/>
         <p:nvPr/>
       </p:nvGrpSpPr>
@@ -5517,30 +5643,30 @@
         </p:nvSpPr>
         <p:spPr>
           <a:xfrm>
-            <a:off x="3307975" y="451800"/>
+            <a:off x="2922322" y="451800"/>
             <a:ext cx="1560000" cy="472800"/>
           </a:xfrm>
           <a:prstGeom prst="rect">
             <a:avLst/>
           </a:prstGeom>
           <a:noFill/>
-          <a:ln cap="flat" cmpd="sng" w="9525">
+          <a:ln w="9525" cap="flat" cmpd="sng">
             <a:solidFill>
               <a:schemeClr val="dk2"/>
             </a:solidFill>
             <a:prstDash val="solid"/>
             <a:round/>
-            <a:headEnd len="sm" w="sm" type="none"/>
-            <a:tailEnd len="sm" w="sm" type="none"/>
+            <a:headEnd type="none" w="sm" len="sm"/>
+            <a:tailEnd type="none" w="sm" len="sm"/>
           </a:ln>
         </p:spPr>
         <p:txBody>
-          <a:bodyPr anchorCtr="0" anchor="ctr" bIns="91425" lIns="91425" spcFirstLastPara="1" rIns="91425" wrap="square" tIns="91425">
+          <a:bodyPr spcFirstLastPara="1" wrap="square" lIns="91425" tIns="91425" rIns="91425" bIns="91425" anchor="ctr" anchorCtr="0">
             <a:noAutofit/>
           </a:bodyPr>
           <a:lstStyle/>
           <a:p>
-            <a:pPr indent="0" lvl="0" marL="0" rtl="0" algn="ctr">
+            <a:pPr marL="0" lvl="0" indent="0" algn="ctr" rtl="0">
               <a:spcBef>
                 <a:spcPts val="0"/>
               </a:spcBef>
@@ -5556,7 +5682,7 @@
             <a:endParaRPr sz="1000"/>
           </a:p>
           <a:p>
-            <a:pPr indent="0" lvl="0" marL="0" rtl="0" algn="ctr">
+            <a:pPr marL="0" lvl="0" indent="0" algn="ctr" rtl="0">
               <a:spcBef>
                 <a:spcPts val="0"/>
               </a:spcBef>
@@ -5581,30 +5707,30 @@
         </p:nvSpPr>
         <p:spPr>
           <a:xfrm>
-            <a:off x="1398350" y="451700"/>
+            <a:off x="1012697" y="451700"/>
             <a:ext cx="1560000" cy="472800"/>
           </a:xfrm>
           <a:prstGeom prst="rect">
             <a:avLst/>
           </a:prstGeom>
           <a:noFill/>
-          <a:ln cap="flat" cmpd="sng" w="9525">
+          <a:ln w="9525" cap="flat" cmpd="sng">
             <a:solidFill>
               <a:schemeClr val="dk2"/>
             </a:solidFill>
             <a:prstDash val="solid"/>
             <a:round/>
-            <a:headEnd len="sm" w="sm" type="none"/>
-            <a:tailEnd len="sm" w="sm" type="none"/>
+            <a:headEnd type="none" w="sm" len="sm"/>
+            <a:tailEnd type="none" w="sm" len="sm"/>
           </a:ln>
         </p:spPr>
         <p:txBody>
-          <a:bodyPr anchorCtr="0" anchor="ctr" bIns="91425" lIns="91425" spcFirstLastPara="1" rIns="91425" wrap="square" tIns="91425">
+          <a:bodyPr spcFirstLastPara="1" wrap="square" lIns="91425" tIns="91425" rIns="91425" bIns="91425" anchor="ctr" anchorCtr="0">
             <a:noAutofit/>
           </a:bodyPr>
           <a:lstStyle/>
           <a:p>
-            <a:pPr indent="0" lvl="0" marL="0" rtl="0" algn="ctr">
+            <a:pPr marL="0" lvl="0" indent="0" algn="ctr" rtl="0">
               <a:spcBef>
                 <a:spcPts val="0"/>
               </a:spcBef>
@@ -5620,7 +5746,7 @@
             <a:endParaRPr sz="1000"/>
           </a:p>
           <a:p>
-            <a:pPr indent="0" lvl="0" marL="0" rtl="0" algn="ctr">
+            <a:pPr marL="0" lvl="0" indent="0" algn="ctr" rtl="0">
               <a:spcBef>
                 <a:spcPts val="0"/>
               </a:spcBef>
@@ -5645,30 +5771,30 @@
         </p:nvSpPr>
         <p:spPr>
           <a:xfrm>
-            <a:off x="5248975" y="451802"/>
+            <a:off x="4863322" y="451802"/>
             <a:ext cx="1560000" cy="472800"/>
           </a:xfrm>
           <a:prstGeom prst="rect">
             <a:avLst/>
           </a:prstGeom>
           <a:noFill/>
-          <a:ln cap="flat" cmpd="sng" w="9525">
+          <a:ln w="9525" cap="flat" cmpd="sng">
             <a:solidFill>
               <a:schemeClr val="dk2"/>
             </a:solidFill>
             <a:prstDash val="solid"/>
             <a:round/>
-            <a:headEnd len="sm" w="sm" type="none"/>
-            <a:tailEnd len="sm" w="sm" type="none"/>
+            <a:headEnd type="none" w="sm" len="sm"/>
+            <a:tailEnd type="none" w="sm" len="sm"/>
           </a:ln>
         </p:spPr>
         <p:txBody>
-          <a:bodyPr anchorCtr="0" anchor="ctr" bIns="91425" lIns="91425" spcFirstLastPara="1" rIns="91425" wrap="square" tIns="91425">
+          <a:bodyPr spcFirstLastPara="1" wrap="square" lIns="91425" tIns="91425" rIns="91425" bIns="91425" anchor="ctr" anchorCtr="0">
             <a:noAutofit/>
           </a:bodyPr>
           <a:lstStyle/>
           <a:p>
-            <a:pPr indent="0" lvl="0" marL="0" rtl="0" algn="ctr">
+            <a:pPr marL="0" lvl="0" indent="0" algn="ctr" rtl="0">
               <a:spcBef>
                 <a:spcPts val="0"/>
               </a:spcBef>
@@ -5684,7 +5810,7 @@
             <a:endParaRPr sz="1000"/>
           </a:p>
           <a:p>
-            <a:pPr indent="0" lvl="0" marL="0" rtl="0" algn="ctr">
+            <a:pPr marL="0" lvl="0" indent="0" algn="ctr" rtl="0">
               <a:spcBef>
                 <a:spcPts val="0"/>
               </a:spcBef>
@@ -5709,30 +5835,30 @@
         </p:nvSpPr>
         <p:spPr>
           <a:xfrm>
-            <a:off x="7113774" y="451804"/>
+            <a:off x="7529136" y="403171"/>
             <a:ext cx="1560000" cy="472800"/>
           </a:xfrm>
           <a:prstGeom prst="rect">
             <a:avLst/>
           </a:prstGeom>
           <a:noFill/>
-          <a:ln cap="flat" cmpd="sng" w="9525">
+          <a:ln w="9525" cap="flat" cmpd="sng">
             <a:solidFill>
               <a:schemeClr val="dk2"/>
             </a:solidFill>
             <a:prstDash val="solid"/>
             <a:round/>
-            <a:headEnd len="sm" w="sm" type="none"/>
-            <a:tailEnd len="sm" w="sm" type="none"/>
+            <a:headEnd type="none" w="sm" len="sm"/>
+            <a:tailEnd type="none" w="sm" len="sm"/>
           </a:ln>
         </p:spPr>
         <p:txBody>
-          <a:bodyPr anchorCtr="0" anchor="ctr" bIns="91425" lIns="91425" spcFirstLastPara="1" rIns="91425" wrap="square" tIns="91425">
+          <a:bodyPr spcFirstLastPara="1" wrap="square" lIns="91425" tIns="91425" rIns="91425" bIns="91425" anchor="ctr" anchorCtr="0">
             <a:noAutofit/>
           </a:bodyPr>
           <a:lstStyle/>
           <a:p>
-            <a:pPr indent="0" lvl="0" marL="0" rtl="0" algn="ctr">
+            <a:pPr marL="0" lvl="0" indent="0" algn="ctr" rtl="0">
               <a:spcBef>
                 <a:spcPts val="0"/>
               </a:spcBef>
@@ -5748,7 +5874,7 @@
             <a:endParaRPr sz="1000"/>
           </a:p>
           <a:p>
-            <a:pPr indent="0" lvl="0" marL="0" rtl="0" algn="ctr">
+            <a:pPr marL="0" lvl="0" indent="0" algn="ctr" rtl="0">
               <a:spcBef>
                 <a:spcPts val="0"/>
               </a:spcBef>
@@ -5775,99 +5901,105 @@
         </p:nvCxnSpPr>
         <p:spPr>
           <a:xfrm>
-            <a:off x="2178350" y="924500"/>
+            <a:off x="1792697" y="924500"/>
             <a:ext cx="0" cy="3429000"/>
           </a:xfrm>
           <a:prstGeom prst="straightConnector1">
             <a:avLst/>
           </a:prstGeom>
           <a:noFill/>
-          <a:ln cap="flat" cmpd="sng" w="9525">
+          <a:ln w="9525" cap="flat" cmpd="sng">
             <a:solidFill>
               <a:schemeClr val="dk2"/>
             </a:solidFill>
             <a:prstDash val="dash"/>
             <a:round/>
-            <a:headEnd len="med" w="med" type="none"/>
-            <a:tailEnd len="med" w="med" type="none"/>
+            <a:headEnd type="none" w="med" len="med"/>
+            <a:tailEnd type="none" w="med" len="med"/>
           </a:ln>
         </p:spPr>
       </p:cxnSp>
       <p:cxnSp>
         <p:nvCxnSpPr>
           <p:cNvPr id="59" name="Google Shape;59;p13"/>
-          <p:cNvCxnSpPr/>
+          <p:cNvCxnSpPr>
+            <a:cxnSpLocks/>
+          </p:cNvCxnSpPr>
           <p:nvPr/>
         </p:nvCxnSpPr>
         <p:spPr>
           <a:xfrm>
-            <a:off x="4087976" y="924600"/>
+            <a:off x="3702323" y="924600"/>
             <a:ext cx="0" cy="3429000"/>
           </a:xfrm>
           <a:prstGeom prst="straightConnector1">
             <a:avLst/>
           </a:prstGeom>
           <a:noFill/>
-          <a:ln cap="flat" cmpd="sng" w="9525">
+          <a:ln w="9525" cap="flat" cmpd="sng">
             <a:solidFill>
               <a:schemeClr val="dk2"/>
             </a:solidFill>
             <a:prstDash val="dash"/>
             <a:round/>
-            <a:headEnd len="med" w="med" type="none"/>
-            <a:tailEnd len="med" w="med" type="none"/>
+            <a:headEnd type="none" w="med" len="med"/>
+            <a:tailEnd type="none" w="med" len="med"/>
           </a:ln>
         </p:spPr>
       </p:cxnSp>
       <p:cxnSp>
         <p:nvCxnSpPr>
           <p:cNvPr id="60" name="Google Shape;60;p13"/>
-          <p:cNvCxnSpPr/>
+          <p:cNvCxnSpPr>
+            <a:cxnSpLocks/>
+          </p:cNvCxnSpPr>
           <p:nvPr/>
         </p:nvCxnSpPr>
         <p:spPr>
           <a:xfrm>
-            <a:off x="6028976" y="924600"/>
+            <a:off x="5643323" y="924600"/>
             <a:ext cx="0" cy="3429000"/>
           </a:xfrm>
           <a:prstGeom prst="straightConnector1">
             <a:avLst/>
           </a:prstGeom>
           <a:noFill/>
-          <a:ln cap="flat" cmpd="sng" w="9525">
+          <a:ln w="9525" cap="flat" cmpd="sng">
             <a:solidFill>
               <a:schemeClr val="dk2"/>
             </a:solidFill>
             <a:prstDash val="dash"/>
             <a:round/>
-            <a:headEnd len="med" w="med" type="none"/>
-            <a:tailEnd len="med" w="med" type="none"/>
+            <a:headEnd type="none" w="med" len="med"/>
+            <a:tailEnd type="none" w="med" len="med"/>
           </a:ln>
         </p:spPr>
       </p:cxnSp>
       <p:cxnSp>
         <p:nvCxnSpPr>
           <p:cNvPr id="61" name="Google Shape;61;p13"/>
-          <p:cNvCxnSpPr/>
+          <p:cNvCxnSpPr>
+            <a:cxnSpLocks/>
+          </p:cNvCxnSpPr>
           <p:nvPr/>
         </p:nvCxnSpPr>
         <p:spPr>
           <a:xfrm>
-            <a:off x="7893776" y="924600"/>
+            <a:off x="8309138" y="875967"/>
             <a:ext cx="0" cy="3429000"/>
           </a:xfrm>
           <a:prstGeom prst="straightConnector1">
             <a:avLst/>
           </a:prstGeom>
           <a:noFill/>
-          <a:ln cap="flat" cmpd="sng" w="9525">
+          <a:ln w="9525" cap="flat" cmpd="sng">
             <a:solidFill>
               <a:schemeClr val="dk2"/>
             </a:solidFill>
             <a:prstDash val="dash"/>
             <a:round/>
-            <a:headEnd len="med" w="med" type="none"/>
-            <a:tailEnd len="med" w="med" type="none"/>
+            <a:headEnd type="none" w="med" len="med"/>
+            <a:tailEnd type="none" w="med" len="med"/>
           </a:ln>
         </p:spPr>
       </p:cxnSp>
@@ -5879,8 +6011,8 @@
         </p:nvGrpSpPr>
         <p:grpSpPr>
           <a:xfrm>
-            <a:off x="20123" y="1016975"/>
-            <a:ext cx="2080143" cy="248400"/>
+            <a:off x="18103" y="1016975"/>
+            <a:ext cx="1696509" cy="248400"/>
             <a:chOff x="20127" y="1016975"/>
             <a:chExt cx="2144698" cy="248400"/>
           </a:xfrm>
@@ -5900,14 +6032,14 @@
               <a:avLst/>
             </a:prstGeom>
             <a:noFill/>
-            <a:ln cap="flat" cmpd="sng" w="9525">
+            <a:ln w="9525" cap="flat" cmpd="sng">
               <a:solidFill>
                 <a:schemeClr val="dk2"/>
               </a:solidFill>
               <a:prstDash val="solid"/>
               <a:round/>
-              <a:headEnd len="med" w="med" type="none"/>
-              <a:tailEnd len="med" w="med" type="triangle"/>
+              <a:headEnd type="none" w="med" len="med"/>
+              <a:tailEnd type="triangle" w="med" len="med"/>
             </a:ln>
           </p:spPr>
         </p:cxnSp>
@@ -5931,12 +6063,12 @@
             </a:ln>
           </p:spPr>
           <p:txBody>
-            <a:bodyPr anchorCtr="0" anchor="ctr" bIns="91425" lIns="91425" spcFirstLastPara="1" rIns="91425" wrap="square" tIns="91425">
+            <a:bodyPr spcFirstLastPara="1" wrap="square" lIns="91425" tIns="91425" rIns="91425" bIns="91425" anchor="ctr" anchorCtr="0">
               <a:noAutofit/>
             </a:bodyPr>
             <a:lstStyle/>
             <a:p>
-              <a:pPr indent="0" lvl="0" marL="0" rtl="0" algn="ctr">
+              <a:pPr marL="0" lvl="0" indent="0" algn="ctr" rtl="0">
                 <a:spcBef>
                   <a:spcPts val="0"/>
                 </a:spcBef>
@@ -5946,10 +6078,10 @@
                 <a:buNone/>
               </a:pPr>
               <a:r>
-                <a:rPr lang="en-GB" sz="1000"/>
-                <a:t>Author name clicked</a:t>
+                <a:rPr lang="en-GB" sz="1000" dirty="0"/>
+                <a:t>View code icon clicked</a:t>
               </a:r>
-              <a:endParaRPr sz="1000"/>
+              <a:endParaRPr sz="1000" dirty="0"/>
             </a:p>
           </p:txBody>
         </p:sp>
@@ -5962,8 +6094,8 @@
         </p:nvSpPr>
         <p:spPr>
           <a:xfrm>
-            <a:off x="2105600" y="1265375"/>
-            <a:ext cx="145500" cy="1819200"/>
+            <a:off x="1719946" y="1265374"/>
+            <a:ext cx="148453" cy="2325727"/>
           </a:xfrm>
           <a:prstGeom prst="rect">
             <a:avLst/>
@@ -5971,23 +6103,23 @@
           <a:solidFill>
             <a:schemeClr val="lt1"/>
           </a:solidFill>
-          <a:ln cap="flat" cmpd="sng" w="9525">
+          <a:ln w="9525" cap="flat" cmpd="sng">
             <a:solidFill>
               <a:schemeClr val="dk2"/>
             </a:solidFill>
             <a:prstDash val="solid"/>
             <a:round/>
-            <a:headEnd len="sm" w="sm" type="none"/>
-            <a:tailEnd len="sm" w="sm" type="none"/>
+            <a:headEnd type="none" w="sm" len="sm"/>
+            <a:tailEnd type="none" w="sm" len="sm"/>
           </a:ln>
         </p:spPr>
         <p:txBody>
-          <a:bodyPr anchorCtr="0" anchor="ctr" bIns="91425" lIns="91425" spcFirstLastPara="1" rIns="91425" wrap="square" tIns="91425">
+          <a:bodyPr spcFirstLastPara="1" wrap="square" lIns="91425" tIns="91425" rIns="91425" bIns="91425" anchor="ctr" anchorCtr="0">
             <a:noAutofit/>
           </a:bodyPr>
           <a:lstStyle/>
           <a:p>
-            <a:pPr indent="0" lvl="0" marL="0" rtl="0" algn="l">
+            <a:pPr marL="0" lvl="0" indent="0" algn="l" rtl="0">
               <a:spcBef>
                 <a:spcPts val="0"/>
               </a:spcBef>
@@ -5996,9 +6128,6 @@
               </a:spcAft>
               <a:buNone/>
             </a:pPr>
-            <a:r>
-              <a:t/>
-            </a:r>
             <a:endParaRPr/>
           </a:p>
         </p:txBody>
@@ -6011,7 +6140,7 @@
         </p:nvGrpSpPr>
         <p:grpSpPr>
           <a:xfrm>
-            <a:off x="2260082" y="1112975"/>
+            <a:off x="1874429" y="1112975"/>
             <a:ext cx="1759480" cy="248400"/>
             <a:chOff x="67210" y="1016975"/>
             <a:chExt cx="2097615" cy="248400"/>
@@ -6032,14 +6161,14 @@
               <a:avLst/>
             </a:prstGeom>
             <a:noFill/>
-            <a:ln cap="flat" cmpd="sng" w="9525">
+            <a:ln w="9525" cap="flat" cmpd="sng">
               <a:solidFill>
                 <a:schemeClr val="dk2"/>
               </a:solidFill>
               <a:prstDash val="solid"/>
               <a:round/>
-              <a:headEnd len="med" w="med" type="none"/>
-              <a:tailEnd len="med" w="med" type="triangle"/>
+              <a:headEnd type="none" w="med" len="med"/>
+              <a:tailEnd type="triangle" w="med" len="med"/>
             </a:ln>
           </p:spPr>
         </p:cxnSp>
@@ -6063,12 +6192,12 @@
             </a:ln>
           </p:spPr>
           <p:txBody>
-            <a:bodyPr anchorCtr="0" anchor="ctr" bIns="91425" lIns="91425" spcFirstLastPara="1" rIns="91425" wrap="square" tIns="91425">
+            <a:bodyPr spcFirstLastPara="1" wrap="square" lIns="91425" tIns="91425" rIns="91425" bIns="91425" anchor="ctr" anchorCtr="0">
               <a:noAutofit/>
             </a:bodyPr>
             <a:lstStyle/>
             <a:p>
-              <a:pPr indent="0" lvl="0" marL="0" rtl="0" algn="ctr">
+              <a:pPr marL="0" lvl="0" indent="0" algn="ctr" rtl="0">
                 <a:spcBef>
                   <a:spcPts val="0"/>
                 </a:spcBef>
@@ -6094,8 +6223,8 @@
         </p:nvSpPr>
         <p:spPr>
           <a:xfrm>
-            <a:off x="4015225" y="1356525"/>
-            <a:ext cx="145500" cy="1587300"/>
+            <a:off x="3629572" y="1356524"/>
+            <a:ext cx="132206" cy="2108507"/>
           </a:xfrm>
           <a:prstGeom prst="rect">
             <a:avLst/>
@@ -6103,23 +6232,23 @@
           <a:solidFill>
             <a:schemeClr val="lt1"/>
           </a:solidFill>
-          <a:ln cap="flat" cmpd="sng" w="9525">
+          <a:ln w="9525" cap="flat" cmpd="sng">
             <a:solidFill>
               <a:schemeClr val="dk2"/>
             </a:solidFill>
             <a:prstDash val="solid"/>
             <a:round/>
-            <a:headEnd len="sm" w="sm" type="none"/>
-            <a:tailEnd len="sm" w="sm" type="none"/>
+            <a:headEnd type="none" w="sm" len="sm"/>
+            <a:tailEnd type="none" w="sm" len="sm"/>
           </a:ln>
         </p:spPr>
         <p:txBody>
-          <a:bodyPr anchorCtr="0" anchor="ctr" bIns="91425" lIns="91425" spcFirstLastPara="1" rIns="91425" wrap="square" tIns="91425">
+          <a:bodyPr spcFirstLastPara="1" wrap="square" lIns="91425" tIns="91425" rIns="91425" bIns="91425" anchor="ctr" anchorCtr="0">
             <a:noAutofit/>
           </a:bodyPr>
           <a:lstStyle/>
           <a:p>
-            <a:pPr indent="0" lvl="0" marL="0" rtl="0" algn="l">
+            <a:pPr marL="0" lvl="0" indent="0" algn="l" rtl="0">
               <a:spcBef>
                 <a:spcPts val="0"/>
               </a:spcBef>
@@ -6128,9 +6257,6 @@
               </a:spcAft>
               <a:buNone/>
             </a:pPr>
-            <a:r>
-              <a:t/>
-            </a:r>
             <a:endParaRPr/>
           </a:p>
         </p:txBody>
@@ -6143,8 +6269,8 @@
         </p:nvSpPr>
         <p:spPr>
           <a:xfrm>
-            <a:off x="5954500" y="1519900"/>
-            <a:ext cx="145500" cy="1240200"/>
+            <a:off x="5568847" y="1519899"/>
+            <a:ext cx="129852" cy="1847865"/>
           </a:xfrm>
           <a:prstGeom prst="rect">
             <a:avLst/>
@@ -6152,23 +6278,23 @@
           <a:solidFill>
             <a:schemeClr val="lt1"/>
           </a:solidFill>
-          <a:ln cap="flat" cmpd="sng" w="9525">
+          <a:ln w="9525" cap="flat" cmpd="sng">
             <a:solidFill>
               <a:schemeClr val="dk2"/>
             </a:solidFill>
             <a:prstDash val="solid"/>
             <a:round/>
-            <a:headEnd len="sm" w="sm" type="none"/>
-            <a:tailEnd len="sm" w="sm" type="none"/>
+            <a:headEnd type="none" w="sm" len="sm"/>
+            <a:tailEnd type="none" w="sm" len="sm"/>
           </a:ln>
         </p:spPr>
         <p:txBody>
-          <a:bodyPr anchorCtr="0" anchor="ctr" bIns="91425" lIns="91425" spcFirstLastPara="1" rIns="91425" wrap="square" tIns="91425">
+          <a:bodyPr spcFirstLastPara="1" wrap="square" lIns="91425" tIns="91425" rIns="91425" bIns="91425" anchor="ctr" anchorCtr="0">
             <a:noAutofit/>
           </a:bodyPr>
           <a:lstStyle/>
           <a:p>
-            <a:pPr indent="0" lvl="0" marL="0" rtl="0" algn="l">
+            <a:pPr marL="0" lvl="0" indent="0" algn="l" rtl="0">
               <a:spcBef>
                 <a:spcPts val="0"/>
               </a:spcBef>
@@ -6177,9 +6303,6 @@
               </a:spcAft>
               <a:buNone/>
             </a:pPr>
-            <a:r>
-              <a:t/>
-            </a:r>
             <a:endParaRPr/>
           </a:p>
         </p:txBody>
@@ -6192,7 +6315,7 @@
         </p:nvGrpSpPr>
         <p:grpSpPr>
           <a:xfrm>
-            <a:off x="4178750" y="1271499"/>
+            <a:off x="3793097" y="1271499"/>
             <a:ext cx="1759474" cy="248400"/>
             <a:chOff x="67216" y="1016976"/>
             <a:chExt cx="2097609" cy="248400"/>
@@ -6213,14 +6336,14 @@
               <a:avLst/>
             </a:prstGeom>
             <a:noFill/>
-            <a:ln cap="flat" cmpd="sng" w="9525">
+            <a:ln w="9525" cap="flat" cmpd="sng">
               <a:solidFill>
                 <a:schemeClr val="dk2"/>
               </a:solidFill>
               <a:prstDash val="solid"/>
               <a:round/>
-              <a:headEnd len="med" w="med" type="none"/>
-              <a:tailEnd len="med" w="med" type="triangle"/>
+              <a:headEnd type="none" w="med" len="med"/>
+              <a:tailEnd type="triangle" w="med" len="med"/>
             </a:ln>
           </p:spPr>
         </p:cxnSp>
@@ -6244,12 +6367,12 @@
             </a:ln>
           </p:spPr>
           <p:txBody>
-            <a:bodyPr anchorCtr="0" anchor="ctr" bIns="91425" lIns="91425" spcFirstLastPara="1" rIns="91425" wrap="square" tIns="91425">
+            <a:bodyPr spcFirstLastPara="1" wrap="square" lIns="91425" tIns="91425" rIns="91425" bIns="91425" anchor="ctr" anchorCtr="0">
               <a:noAutofit/>
             </a:bodyPr>
             <a:lstStyle/>
             <a:p>
-              <a:pPr indent="0" lvl="0" marL="0" rtl="0" algn="ctr">
+              <a:pPr marL="0" lvl="0" indent="0" algn="ctr" rtl="0">
                 <a:spcBef>
                   <a:spcPts val="0"/>
                 </a:spcBef>
@@ -6260,11 +6383,7 @@
               </a:pPr>
               <a:r>
                 <a:rPr lang="en-GB" sz="1000"/>
-                <a:t>u</a:t>
-              </a:r>
-              <a:r>
-                <a:rPr lang="en-GB" sz="1000"/>
-                <a:t>pdate code view</a:t>
+                <a:t>update code view</a:t>
               </a:r>
               <a:endParaRPr sz="1000"/>
             </a:p>
@@ -6279,8 +6398,8 @@
         </p:nvGrpSpPr>
         <p:grpSpPr>
           <a:xfrm>
-            <a:off x="6144669" y="1743696"/>
-            <a:ext cx="1821856" cy="583925"/>
+            <a:off x="5759015" y="1743696"/>
+            <a:ext cx="2653643" cy="583925"/>
             <a:chOff x="6144669" y="1432773"/>
             <a:chExt cx="1821856" cy="583925"/>
           </a:xfrm>
@@ -6314,14 +6433,14 @@
                 <a:avLst/>
               </a:prstGeom>
               <a:noFill/>
-              <a:ln cap="flat" cmpd="sng" w="9525">
+              <a:ln w="9525" cap="flat" cmpd="sng">
                 <a:solidFill>
                   <a:schemeClr val="dk2"/>
                 </a:solidFill>
                 <a:prstDash val="solid"/>
                 <a:round/>
-                <a:headEnd len="med" w="med" type="none"/>
-                <a:tailEnd len="med" w="med" type="triangle"/>
+                <a:headEnd type="none" w="med" len="med"/>
+                <a:tailEnd type="triangle" w="med" len="med"/>
               </a:ln>
             </p:spPr>
           </p:cxnSp>
@@ -6345,12 +6464,12 @@
               </a:ln>
             </p:spPr>
             <p:txBody>
-              <a:bodyPr anchorCtr="0" anchor="ctr" bIns="91425" lIns="91425" spcFirstLastPara="1" rIns="91425" wrap="square" tIns="91425">
+              <a:bodyPr spcFirstLastPara="1" wrap="square" lIns="91425" tIns="91425" rIns="91425" bIns="91425" anchor="ctr" anchorCtr="0">
                 <a:noAutofit/>
               </a:bodyPr>
               <a:lstStyle/>
               <a:p>
-                <a:pPr indent="0" lvl="0" marL="0" rtl="0" algn="ctr">
+                <a:pPr marL="0" lvl="0" indent="0" algn="ctr" rtl="0">
                   <a:spcBef>
                     <a:spcPts val="0"/>
                   </a:spcBef>
@@ -6361,11 +6480,7 @@
                 </a:pPr>
                 <a:r>
                   <a:rPr lang="en-GB" sz="1000"/>
-                  <a:t>l</a:t>
-                </a:r>
-                <a:r>
-                  <a:rPr lang="en-GB" sz="1000"/>
-                  <a:t>oadAuthorship()</a:t>
+                  <a:t>loadAuthorship()</a:t>
                 </a:r>
                 <a:endParaRPr sz="1000"/>
               </a:p>
@@ -6389,23 +6504,23 @@
             <a:solidFill>
               <a:schemeClr val="lt1"/>
             </a:solidFill>
-            <a:ln cap="flat" cmpd="sng" w="9525">
+            <a:ln w="9525" cap="flat" cmpd="sng">
               <a:solidFill>
                 <a:schemeClr val="dk2"/>
               </a:solidFill>
               <a:prstDash val="solid"/>
               <a:round/>
-              <a:headEnd len="sm" w="sm" type="none"/>
-              <a:tailEnd len="sm" w="sm" type="none"/>
+              <a:headEnd type="none" w="sm" len="sm"/>
+              <a:tailEnd type="none" w="sm" len="sm"/>
             </a:ln>
           </p:spPr>
           <p:txBody>
-            <a:bodyPr anchorCtr="0" anchor="ctr" bIns="91425" lIns="91425" spcFirstLastPara="1" rIns="91425" wrap="square" tIns="91425">
+            <a:bodyPr spcFirstLastPara="1" wrap="square" lIns="91425" tIns="91425" rIns="91425" bIns="91425" anchor="ctr" anchorCtr="0">
               <a:noAutofit/>
             </a:bodyPr>
             <a:lstStyle/>
             <a:p>
-              <a:pPr indent="0" lvl="0" marL="0" rtl="0" algn="l">
+              <a:pPr marL="0" lvl="0" indent="0" algn="l" rtl="0">
                 <a:spcBef>
                   <a:spcPts val="0"/>
                 </a:spcBef>
@@ -6414,10 +6529,7 @@
                 </a:spcAft>
                 <a:buNone/>
               </a:pPr>
-              <a:r>
-                <a:t/>
-              </a:r>
-              <a:endParaRPr/>
+              <a:endParaRPr dirty="0"/>
             </a:p>
           </p:txBody>
         </p:sp>
@@ -6450,14 +6562,14 @@
                 <a:avLst/>
               </a:prstGeom>
               <a:noFill/>
-              <a:ln cap="flat" cmpd="sng" w="9525">
+              <a:ln w="9525" cap="flat" cmpd="sng">
                 <a:solidFill>
                   <a:schemeClr val="dk2"/>
                 </a:solidFill>
                 <a:prstDash val="dash"/>
                 <a:round/>
-                <a:headEnd len="med" w="med" type="stealth"/>
-                <a:tailEnd len="med" w="med" type="none"/>
+                <a:headEnd type="stealth" w="med" len="med"/>
+                <a:tailEnd type="none" w="med" len="med"/>
               </a:ln>
             </p:spPr>
           </p:cxnSp>
@@ -6481,12 +6593,12 @@
               </a:ln>
             </p:spPr>
             <p:txBody>
-              <a:bodyPr anchorCtr="0" anchor="ctr" bIns="91425" lIns="91425" spcFirstLastPara="1" rIns="91425" wrap="square" tIns="91425">
+              <a:bodyPr spcFirstLastPara="1" wrap="square" lIns="91425" tIns="91425" rIns="91425" bIns="91425" anchor="ctr" anchorCtr="0">
                 <a:noAutofit/>
               </a:bodyPr>
               <a:lstStyle/>
               <a:p>
-                <a:pPr indent="0" lvl="0" marL="0" rtl="0" algn="ctr">
+                <a:pPr marL="0" lvl="0" indent="0" algn="ctr" rtl="0">
                   <a:spcBef>
                     <a:spcPts val="0"/>
                   </a:spcBef>
@@ -6513,8 +6625,8 @@
         </p:nvGrpSpPr>
         <p:grpSpPr>
           <a:xfrm>
-            <a:off x="4444338" y="1630800"/>
-            <a:ext cx="3840089" cy="829800"/>
+            <a:off x="4058685" y="1630800"/>
+            <a:ext cx="4554143" cy="829800"/>
             <a:chOff x="4317138" y="1661025"/>
             <a:chExt cx="3840089" cy="829800"/>
           </a:xfrm>
@@ -6548,23 +6660,23 @@
                 <a:avLst/>
               </a:prstGeom>
               <a:noFill/>
-              <a:ln cap="flat" cmpd="sng" w="9525">
+              <a:ln w="9525" cap="flat" cmpd="sng">
                 <a:solidFill>
                   <a:schemeClr val="dk2"/>
                 </a:solidFill>
                 <a:prstDash val="solid"/>
                 <a:round/>
-                <a:headEnd len="sm" w="sm" type="none"/>
-                <a:tailEnd len="sm" w="sm" type="none"/>
+                <a:headEnd type="none" w="sm" len="sm"/>
+                <a:tailEnd type="none" w="sm" len="sm"/>
               </a:ln>
             </p:spPr>
             <p:txBody>
-              <a:bodyPr anchorCtr="0" anchor="ctr" bIns="91425" lIns="91425" spcFirstLastPara="1" rIns="91425" wrap="square" tIns="91425">
+              <a:bodyPr spcFirstLastPara="1" wrap="square" lIns="91425" tIns="91425" rIns="91425" bIns="91425" anchor="ctr" anchorCtr="0">
                 <a:noAutofit/>
               </a:bodyPr>
               <a:lstStyle/>
               <a:p>
-                <a:pPr indent="0" lvl="0" marL="0" rtl="0" algn="l">
+                <a:pPr marL="0" lvl="0" indent="0" algn="l" rtl="0">
                   <a:spcBef>
                     <a:spcPts val="0"/>
                   </a:spcBef>
@@ -6573,9 +6685,6 @@
                   </a:spcAft>
                   <a:buNone/>
                 </a:pPr>
-                <a:r>
-                  <a:t/>
-                </a:r>
                 <a:endParaRPr/>
               </a:p>
             </p:txBody>
@@ -6587,33 +6696,33 @@
               <p:nvPr/>
             </p:nvSpPr>
             <p:spPr>
-              <a:xfrm flipH="1" rot="10800000">
+              <a:xfrm rot="10800000" flipH="1">
                 <a:off x="4214300" y="1676175"/>
                 <a:ext cx="500700" cy="275700"/>
               </a:xfrm>
               <a:prstGeom prst="snip1Rect">
                 <a:avLst>
-                  <a:gd fmla="val 16005" name="adj"/>
+                  <a:gd name="adj" fmla="val 16005"/>
                 </a:avLst>
               </a:prstGeom>
               <a:noFill/>
-              <a:ln cap="flat" cmpd="sng" w="9525">
+              <a:ln w="9525" cap="flat" cmpd="sng">
                 <a:solidFill>
                   <a:schemeClr val="dk2"/>
                 </a:solidFill>
                 <a:prstDash val="solid"/>
                 <a:round/>
-                <a:headEnd len="sm" w="sm" type="none"/>
-                <a:tailEnd len="sm" w="sm" type="none"/>
+                <a:headEnd type="none" w="sm" len="sm"/>
+                <a:tailEnd type="none" w="sm" len="sm"/>
               </a:ln>
             </p:spPr>
             <p:txBody>
-              <a:bodyPr anchorCtr="0" anchor="ctr" bIns="91425" lIns="91425" spcFirstLastPara="1" rIns="91425" wrap="square" tIns="91425">
+              <a:bodyPr spcFirstLastPara="1" wrap="square" lIns="91425" tIns="91425" rIns="91425" bIns="91425" anchor="ctr" anchorCtr="0">
                 <a:noAutofit/>
               </a:bodyPr>
               <a:lstStyle/>
               <a:p>
-                <a:pPr indent="0" lvl="0" marL="0" rtl="0" algn="l">
+                <a:pPr marL="0" lvl="0" indent="0" algn="l" rtl="0">
                   <a:spcBef>
                     <a:spcPts val="0"/>
                   </a:spcBef>
@@ -6622,9 +6731,6 @@
                   </a:spcAft>
                   <a:buNone/>
                 </a:pPr>
-                <a:r>
-                  <a:t/>
-                </a:r>
                 <a:endParaRPr/>
               </a:p>
             </p:txBody>
@@ -6649,12 +6755,12 @@
               </a:ln>
             </p:spPr>
             <p:txBody>
-              <a:bodyPr anchorCtr="0" anchor="t" bIns="91425" lIns="91425" spcFirstLastPara="1" rIns="91425" wrap="square" tIns="91425">
+              <a:bodyPr spcFirstLastPara="1" wrap="square" lIns="91425" tIns="91425" rIns="91425" bIns="91425" anchor="t" anchorCtr="0">
                 <a:noAutofit/>
               </a:bodyPr>
               <a:lstStyle/>
               <a:p>
-                <a:pPr indent="0" lvl="0" marL="0" rtl="0" algn="ctr">
+                <a:pPr marL="0" lvl="0" indent="0" algn="ctr" rtl="0">
                   <a:spcBef>
                     <a:spcPts val="0"/>
                   </a:spcBef>
@@ -6692,12 +6798,12 @@
             </a:ln>
           </p:spPr>
           <p:txBody>
-            <a:bodyPr anchorCtr="0" anchor="t" bIns="91425" lIns="91425" spcFirstLastPara="1" rIns="91425" wrap="square" tIns="91425">
+            <a:bodyPr spcFirstLastPara="1" wrap="square" lIns="91425" tIns="91425" rIns="91425" bIns="91425" anchor="t" anchorCtr="0">
               <a:noAutofit/>
             </a:bodyPr>
             <a:lstStyle/>
             <a:p>
-              <a:pPr indent="0" lvl="0" marL="0" rtl="0" algn="l">
+              <a:pPr marL="0" lvl="0" indent="0" algn="l" rtl="0">
                 <a:spcBef>
                   <a:spcPts val="0"/>
                 </a:spcBef>
@@ -6723,10 +6829,10 @@
         </p:nvGrpSpPr>
         <p:grpSpPr>
           <a:xfrm>
-            <a:off x="4171397" y="2571490"/>
-            <a:ext cx="1842996" cy="183101"/>
+            <a:off x="3785744" y="3184804"/>
+            <a:ext cx="1842996" cy="183100"/>
             <a:chOff x="67225" y="1082238"/>
-            <a:chExt cx="2121556" cy="183138"/>
+            <a:chExt cx="2121556" cy="183137"/>
           </a:xfrm>
         </p:grpSpPr>
         <p:cxnSp>
@@ -6744,14 +6850,14 @@
               <a:avLst/>
             </a:prstGeom>
             <a:noFill/>
-            <a:ln cap="flat" cmpd="sng" w="9525">
+            <a:ln w="9525" cap="flat" cmpd="sng">
               <a:solidFill>
                 <a:schemeClr val="dk2"/>
               </a:solidFill>
               <a:prstDash val="dash"/>
               <a:round/>
-              <a:headEnd len="med" w="med" type="triangle"/>
-              <a:tailEnd len="med" w="med" type="none"/>
+              <a:headEnd type="triangle" w="med" len="med"/>
+              <a:tailEnd type="none" w="med" len="med"/>
             </a:ln>
           </p:spPr>
         </p:cxnSp>
@@ -6775,12 +6881,12 @@
             </a:ln>
           </p:spPr>
           <p:txBody>
-            <a:bodyPr anchorCtr="0" anchor="ctr" bIns="91425" lIns="91425" spcFirstLastPara="1" rIns="91425" wrap="square" tIns="91425">
+            <a:bodyPr spcFirstLastPara="1" wrap="square" lIns="91425" tIns="91425" rIns="91425" bIns="91425" anchor="ctr" anchorCtr="0">
               <a:noAutofit/>
             </a:bodyPr>
             <a:lstStyle/>
             <a:p>
-              <a:pPr indent="0" lvl="0" marL="0" rtl="0" algn="ctr">
+              <a:pPr marL="0" lvl="0" indent="0" algn="ctr" rtl="0">
                 <a:spcBef>
                   <a:spcPts val="0"/>
                 </a:spcBef>
@@ -6790,10 +6896,10 @@
                 <a:buNone/>
               </a:pPr>
               <a:r>
-                <a:rPr lang="en-GB" sz="1000"/>
+                <a:rPr lang="en-GB" sz="1000" dirty="0"/>
                 <a:t>generated code view</a:t>
               </a:r>
-              <a:endParaRPr sz="1000"/>
+              <a:endParaRPr sz="1000" dirty="0"/>
             </a:p>
           </p:txBody>
         </p:sp>
@@ -6806,7 +6912,7 @@
         </p:nvGrpSpPr>
         <p:grpSpPr>
           <a:xfrm>
-            <a:off x="2265596" y="2759954"/>
+            <a:off x="1881515" y="3282094"/>
             <a:ext cx="1755800" cy="183083"/>
             <a:chOff x="67225" y="1082238"/>
             <a:chExt cx="2121556" cy="183138"/>
@@ -6827,14 +6933,14 @@
               <a:avLst/>
             </a:prstGeom>
             <a:noFill/>
-            <a:ln cap="flat" cmpd="sng" w="9525">
+            <a:ln w="9525" cap="flat" cmpd="sng">
               <a:solidFill>
                 <a:schemeClr val="dk2"/>
               </a:solidFill>
               <a:prstDash val="dash"/>
               <a:round/>
-              <a:headEnd len="med" w="med" type="triangle"/>
-              <a:tailEnd len="med" w="med" type="none"/>
+              <a:headEnd type="triangle" w="med" len="med"/>
+              <a:tailEnd type="none" w="med" len="med"/>
             </a:ln>
           </p:spPr>
         </p:cxnSp>
@@ -6858,12 +6964,12 @@
             </a:ln>
           </p:spPr>
           <p:txBody>
-            <a:bodyPr anchorCtr="0" anchor="ctr" bIns="91425" lIns="91425" spcFirstLastPara="1" rIns="91425" wrap="square" tIns="91425">
+            <a:bodyPr spcFirstLastPara="1" wrap="square" lIns="91425" tIns="91425" rIns="91425" bIns="91425" anchor="ctr" anchorCtr="0">
               <a:noAutofit/>
             </a:bodyPr>
             <a:lstStyle/>
             <a:p>
-              <a:pPr indent="0" lvl="0" marL="0" rtl="0" algn="ctr">
+              <a:pPr marL="0" lvl="0" indent="0" algn="ctr" rtl="0">
                 <a:spcBef>
                   <a:spcPts val="0"/>
                 </a:spcBef>
@@ -6872,9 +6978,6 @@
                 </a:spcAft>
                 <a:buNone/>
               </a:pPr>
-              <a:r>
-                <a:t/>
-              </a:r>
               <a:endParaRPr sz="1000"/>
             </a:p>
           </p:txBody>
@@ -6888,8 +6991,8 @@
         </p:nvGrpSpPr>
         <p:grpSpPr>
           <a:xfrm>
-            <a:off x="36758" y="2895235"/>
-            <a:ext cx="2066608" cy="183064"/>
+            <a:off x="18104" y="3408192"/>
+            <a:ext cx="1701842" cy="182904"/>
             <a:chOff x="67225" y="1082238"/>
             <a:chExt cx="2121556" cy="183138"/>
           </a:xfrm>
@@ -6909,14 +7012,14 @@
               <a:avLst/>
             </a:prstGeom>
             <a:noFill/>
-            <a:ln cap="flat" cmpd="sng" w="9525">
+            <a:ln w="9525" cap="flat" cmpd="sng">
               <a:solidFill>
                 <a:schemeClr val="dk2"/>
               </a:solidFill>
               <a:prstDash val="dash"/>
               <a:round/>
-              <a:headEnd len="med" w="med" type="triangle"/>
-              <a:tailEnd len="med" w="med" type="none"/>
+              <a:headEnd type="triangle" w="med" len="med"/>
+              <a:tailEnd type="none" w="med" len="med"/>
             </a:ln>
           </p:spPr>
         </p:cxnSp>
@@ -6940,12 +7043,413 @@
             </a:ln>
           </p:spPr>
           <p:txBody>
-            <a:bodyPr anchorCtr="0" anchor="ctr" bIns="91425" lIns="91425" spcFirstLastPara="1" rIns="91425" wrap="square" tIns="91425">
+            <a:bodyPr spcFirstLastPara="1" wrap="square" lIns="91425" tIns="91425" rIns="91425" bIns="91425" anchor="ctr" anchorCtr="0">
               <a:noAutofit/>
             </a:bodyPr>
             <a:lstStyle/>
             <a:p>
-              <a:pPr indent="0" lvl="0" marL="0" rtl="0" algn="ctr">
+              <a:pPr marL="0" lvl="0" indent="0" algn="ctr" rtl="0">
+                <a:spcBef>
+                  <a:spcPts val="0"/>
+                </a:spcBef>
+                <a:spcAft>
+                  <a:spcPts val="0"/>
+                </a:spcAft>
+                <a:buNone/>
+              </a:pPr>
+              <a:endParaRPr sz="1000"/>
+            </a:p>
+          </p:txBody>
+        </p:sp>
+      </p:grpSp>
+      <p:sp>
+        <p:nvSpPr>
+          <p:cNvPr id="45" name="Google Shape;56;p13">
+            <a:extLst>
+              <a:ext uri="{FF2B5EF4-FFF2-40B4-BE49-F238E27FC236}">
+                <a16:creationId xmlns:a16="http://schemas.microsoft.com/office/drawing/2014/main" id="{FFE030C8-E67B-FB4E-9CDF-C6C6FBEA84D4}"/>
+              </a:ext>
+            </a:extLst>
+          </p:cNvPr>
+          <p:cNvSpPr/>
+          <p:nvPr/>
+        </p:nvSpPr>
+        <p:spPr>
+          <a:xfrm>
+            <a:off x="6637916" y="2656210"/>
+            <a:ext cx="1560000" cy="472800"/>
+          </a:xfrm>
+          <a:prstGeom prst="rect">
+            <a:avLst/>
+          </a:prstGeom>
+          <a:noFill/>
+          <a:ln w="9525" cap="flat" cmpd="sng">
+            <a:solidFill>
+              <a:schemeClr val="dk2"/>
+            </a:solidFill>
+            <a:prstDash val="solid"/>
+            <a:round/>
+            <a:headEnd type="none" w="sm" len="sm"/>
+            <a:tailEnd type="none" w="sm" len="sm"/>
+          </a:ln>
+        </p:spPr>
+        <p:txBody>
+          <a:bodyPr spcFirstLastPara="1" wrap="square" lIns="91425" tIns="91425" rIns="91425" bIns="91425" anchor="ctr" anchorCtr="0">
+            <a:noAutofit/>
+          </a:bodyPr>
+          <a:lstStyle/>
+          <a:p>
+            <a:pPr marL="0" lvl="0" indent="0" algn="ctr" rtl="0">
+              <a:spcBef>
+                <a:spcPts val="0"/>
+              </a:spcBef>
+              <a:spcAft>
+                <a:spcPts val="0"/>
+              </a:spcAft>
+              <a:buNone/>
+            </a:pPr>
+            <a:r>
+              <a:rPr lang="en-GB" sz="1000" dirty="0"/>
+              <a:t>:Segment</a:t>
+            </a:r>
+            <a:endParaRPr sz="1000" dirty="0"/>
+          </a:p>
+          <a:p>
+            <a:pPr marL="0" lvl="0" indent="0" algn="ctr" rtl="0">
+              <a:spcBef>
+                <a:spcPts val="0"/>
+              </a:spcBef>
+              <a:spcAft>
+                <a:spcPts val="0"/>
+              </a:spcAft>
+              <a:buNone/>
+            </a:pPr>
+            <a:r>
+              <a:rPr lang="en-GB" sz="1000" dirty="0"/>
+              <a:t>(</a:t>
+            </a:r>
+            <a:r>
+              <a:rPr lang="en-GB" sz="1000" dirty="0" err="1"/>
+              <a:t>v_segment.js</a:t>
+            </a:r>
+            <a:r>
+              <a:rPr lang="en-GB" sz="1000" dirty="0"/>
+              <a:t>)</a:t>
+            </a:r>
+            <a:endParaRPr sz="1000" dirty="0"/>
+          </a:p>
+        </p:txBody>
+      </p:sp>
+      <p:cxnSp>
+        <p:nvCxnSpPr>
+          <p:cNvPr id="46" name="Google Shape;60;p13">
+            <a:extLst>
+              <a:ext uri="{FF2B5EF4-FFF2-40B4-BE49-F238E27FC236}">
+                <a16:creationId xmlns:a16="http://schemas.microsoft.com/office/drawing/2014/main" id="{E5D694A6-211A-1D47-9DCA-06CEE4655A5D}"/>
+              </a:ext>
+            </a:extLst>
+          </p:cNvPr>
+          <p:cNvCxnSpPr>
+            <a:cxnSpLocks/>
+          </p:cNvCxnSpPr>
+          <p:nvPr/>
+        </p:nvCxnSpPr>
+        <p:spPr>
+          <a:xfrm>
+            <a:off x="7417917" y="3129008"/>
+            <a:ext cx="0" cy="1175959"/>
+          </a:xfrm>
+          <a:prstGeom prst="straightConnector1">
+            <a:avLst/>
+          </a:prstGeom>
+          <a:noFill/>
+          <a:ln w="9525" cap="flat" cmpd="sng">
+            <a:solidFill>
+              <a:schemeClr val="dk2"/>
+            </a:solidFill>
+            <a:prstDash val="dash"/>
+            <a:round/>
+            <a:headEnd type="none" w="med" len="med"/>
+            <a:tailEnd type="none" w="med" len="med"/>
+          </a:ln>
+        </p:spPr>
+      </p:cxnSp>
+      <p:sp>
+        <p:nvSpPr>
+          <p:cNvPr id="48" name="Google Shape;78;p13">
+            <a:extLst>
+              <a:ext uri="{FF2B5EF4-FFF2-40B4-BE49-F238E27FC236}">
+                <a16:creationId xmlns:a16="http://schemas.microsoft.com/office/drawing/2014/main" id="{8BAA807E-1301-634D-935B-779B75F6E327}"/>
+              </a:ext>
+            </a:extLst>
+          </p:cNvPr>
+          <p:cNvSpPr/>
+          <p:nvPr/>
+        </p:nvSpPr>
+        <p:spPr>
+          <a:xfrm>
+            <a:off x="7324358" y="3130681"/>
+            <a:ext cx="181406" cy="193940"/>
+          </a:xfrm>
+          <a:prstGeom prst="rect">
+            <a:avLst/>
+          </a:prstGeom>
+          <a:solidFill>
+            <a:schemeClr val="lt1"/>
+          </a:solidFill>
+          <a:ln w="9525" cap="flat" cmpd="sng">
+            <a:solidFill>
+              <a:schemeClr val="dk2"/>
+            </a:solidFill>
+            <a:prstDash val="solid"/>
+            <a:round/>
+            <a:headEnd type="none" w="sm" len="sm"/>
+            <a:tailEnd type="none" w="sm" len="sm"/>
+          </a:ln>
+        </p:spPr>
+        <p:txBody>
+          <a:bodyPr spcFirstLastPara="1" wrap="square" lIns="91425" tIns="91425" rIns="91425" bIns="91425" anchor="ctr" anchorCtr="0">
+            <a:noAutofit/>
+          </a:bodyPr>
+          <a:lstStyle/>
+          <a:p>
+            <a:pPr marL="0" lvl="0" indent="0" algn="l" rtl="0">
+              <a:spcBef>
+                <a:spcPts val="0"/>
+              </a:spcBef>
+              <a:spcAft>
+                <a:spcPts val="0"/>
+              </a:spcAft>
+              <a:buNone/>
+            </a:pPr>
+            <a:endParaRPr dirty="0"/>
+          </a:p>
+        </p:txBody>
+      </p:sp>
+      <p:grpSp>
+        <p:nvGrpSpPr>
+          <p:cNvPr id="49" name="Google Shape;71;p13">
+            <a:extLst>
+              <a:ext uri="{FF2B5EF4-FFF2-40B4-BE49-F238E27FC236}">
+                <a16:creationId xmlns:a16="http://schemas.microsoft.com/office/drawing/2014/main" id="{A0D27A2E-B9B6-FC41-8133-3B86C9E5C89C}"/>
+              </a:ext>
+            </a:extLst>
+          </p:cNvPr>
+          <p:cNvGrpSpPr/>
+          <p:nvPr/>
+        </p:nvGrpSpPr>
+        <p:grpSpPr>
+          <a:xfrm>
+            <a:off x="5713282" y="2672139"/>
+            <a:ext cx="1593412" cy="871392"/>
+            <a:chOff x="67213" y="1016976"/>
+            <a:chExt cx="3639034" cy="1058340"/>
+          </a:xfrm>
+        </p:grpSpPr>
+        <p:cxnSp>
+          <p:nvCxnSpPr>
+            <p:cNvPr id="50" name="Google Shape;72;p13">
+              <a:extLst>
+                <a:ext uri="{FF2B5EF4-FFF2-40B4-BE49-F238E27FC236}">
+                  <a16:creationId xmlns:a16="http://schemas.microsoft.com/office/drawing/2014/main" id="{86A6983D-4E74-134E-9FA2-D8F193B37384}"/>
+                </a:ext>
+              </a:extLst>
+            </p:cNvPr>
+            <p:cNvCxnSpPr/>
+            <p:nvPr/>
+          </p:nvCxnSpPr>
+          <p:spPr>
+            <a:xfrm>
+              <a:off x="67225" y="1265375"/>
+              <a:ext cx="2097600" cy="0"/>
+            </a:xfrm>
+            <a:prstGeom prst="straightConnector1">
+              <a:avLst/>
+            </a:prstGeom>
+            <a:noFill/>
+            <a:ln w="9525" cap="flat" cmpd="sng">
+              <a:solidFill>
+                <a:schemeClr val="dk2"/>
+              </a:solidFill>
+              <a:prstDash val="solid"/>
+              <a:round/>
+              <a:headEnd type="none" w="med" len="med"/>
+              <a:tailEnd type="triangle" w="med" len="med"/>
+            </a:ln>
+          </p:spPr>
+        </p:cxnSp>
+        <p:sp>
+          <p:nvSpPr>
+            <p:cNvPr id="51" name="Google Shape;73;p13">
+              <a:extLst>
+                <a:ext uri="{FF2B5EF4-FFF2-40B4-BE49-F238E27FC236}">
+                  <a16:creationId xmlns:a16="http://schemas.microsoft.com/office/drawing/2014/main" id="{6186077F-7C65-4348-A064-89DD13E20AC3}"/>
+                </a:ext>
+              </a:extLst>
+            </p:cNvPr>
+            <p:cNvSpPr txBox="1"/>
+            <p:nvPr/>
+          </p:nvSpPr>
+          <p:spPr>
+            <a:xfrm>
+              <a:off x="67213" y="1016976"/>
+              <a:ext cx="3639034" cy="1058340"/>
+            </a:xfrm>
+            <a:prstGeom prst="rect">
+              <a:avLst/>
+            </a:prstGeom>
+            <a:noFill/>
+            <a:ln>
+              <a:noFill/>
+            </a:ln>
+          </p:spPr>
+          <p:txBody>
+            <a:bodyPr spcFirstLastPara="1" wrap="square" lIns="91425" tIns="91425" rIns="91425" bIns="91425" anchor="ctr" anchorCtr="0">
+              <a:noAutofit/>
+            </a:bodyPr>
+            <a:lstStyle/>
+            <a:p>
+              <a:pPr marL="0" lvl="0" indent="0" algn="ctr" rtl="0">
+                <a:spcBef>
+                  <a:spcPts val="0"/>
+                </a:spcBef>
+                <a:spcAft>
+                  <a:spcPts val="0"/>
+                </a:spcAft>
+                <a:buNone/>
+              </a:pPr>
+              <a:endParaRPr sz="1000" dirty="0"/>
+            </a:p>
+          </p:txBody>
+        </p:sp>
+      </p:grpSp>
+      <p:sp>
+        <p:nvSpPr>
+          <p:cNvPr id="3" name="TextBox 2">
+            <a:extLst>
+              <a:ext uri="{FF2B5EF4-FFF2-40B4-BE49-F238E27FC236}">
+                <a16:creationId xmlns:a16="http://schemas.microsoft.com/office/drawing/2014/main" id="{CAFF1516-36B9-A44D-80C7-030049898920}"/>
+              </a:ext>
+            </a:extLst>
+          </p:cNvPr>
+          <p:cNvSpPr txBox="1"/>
+          <p:nvPr/>
+        </p:nvSpPr>
+        <p:spPr>
+          <a:xfrm>
+            <a:off x="5606341" y="2515630"/>
+            <a:ext cx="1132041" cy="400110"/>
+          </a:xfrm>
+          <a:prstGeom prst="rect">
+            <a:avLst/>
+          </a:prstGeom>
+          <a:noFill/>
+        </p:spPr>
+        <p:txBody>
+          <a:bodyPr wrap="square" rtlCol="0">
+            <a:spAutoFit/>
+          </a:bodyPr>
+          <a:lstStyle/>
+          <a:p>
+            <a:pPr algn="ctr"/>
+            <a:r>
+              <a:rPr lang="en-GB" sz="1000" dirty="0"/>
+              <a:t>update segment </a:t>
+            </a:r>
+          </a:p>
+          <a:p>
+            <a:pPr algn="ctr"/>
+            <a:r>
+              <a:rPr lang="en-GB" sz="1000" dirty="0"/>
+              <a:t>view</a:t>
+            </a:r>
+          </a:p>
+        </p:txBody>
+      </p:sp>
+      <p:grpSp>
+        <p:nvGrpSpPr>
+          <p:cNvPr id="97" name="Google Shape;88;p13">
+            <a:extLst>
+              <a:ext uri="{FF2B5EF4-FFF2-40B4-BE49-F238E27FC236}">
+                <a16:creationId xmlns:a16="http://schemas.microsoft.com/office/drawing/2014/main" id="{F3B19B18-560F-BE4B-A41A-02FB8A66F62B}"/>
+              </a:ext>
+            </a:extLst>
+          </p:cNvPr>
+          <p:cNvGrpSpPr/>
+          <p:nvPr/>
+        </p:nvGrpSpPr>
+        <p:grpSpPr>
+          <a:xfrm>
+            <a:off x="5690466" y="3124369"/>
+            <a:ext cx="1616218" cy="188582"/>
+            <a:chOff x="67225" y="1082238"/>
+            <a:chExt cx="2121556" cy="183137"/>
+          </a:xfrm>
+        </p:grpSpPr>
+        <p:cxnSp>
+          <p:nvCxnSpPr>
+            <p:cNvPr id="98" name="Google Shape;89;p13">
+              <a:extLst>
+                <a:ext uri="{FF2B5EF4-FFF2-40B4-BE49-F238E27FC236}">
+                  <a16:creationId xmlns:a16="http://schemas.microsoft.com/office/drawing/2014/main" id="{2B6A4346-5A86-8546-8019-2EF3979F838A}"/>
+                </a:ext>
+              </a:extLst>
+            </p:cNvPr>
+            <p:cNvCxnSpPr/>
+            <p:nvPr/>
+          </p:nvCxnSpPr>
+          <p:spPr>
+            <a:xfrm>
+              <a:off x="67225" y="1265375"/>
+              <a:ext cx="2097600" cy="0"/>
+            </a:xfrm>
+            <a:prstGeom prst="straightConnector1">
+              <a:avLst/>
+            </a:prstGeom>
+            <a:noFill/>
+            <a:ln w="9525" cap="flat" cmpd="sng">
+              <a:solidFill>
+                <a:schemeClr val="dk2"/>
+              </a:solidFill>
+              <a:prstDash val="dash"/>
+              <a:round/>
+              <a:headEnd type="triangle" w="med" len="med"/>
+              <a:tailEnd type="none" w="med" len="med"/>
+            </a:ln>
+          </p:spPr>
+        </p:cxnSp>
+        <p:sp>
+          <p:nvSpPr>
+            <p:cNvPr id="99" name="Google Shape;90;p13">
+              <a:extLst>
+                <a:ext uri="{FF2B5EF4-FFF2-40B4-BE49-F238E27FC236}">
+                  <a16:creationId xmlns:a16="http://schemas.microsoft.com/office/drawing/2014/main" id="{2538D280-5A55-AF4C-8487-EFA15875959E}"/>
+                </a:ext>
+              </a:extLst>
+            </p:cNvPr>
+            <p:cNvSpPr txBox="1"/>
+            <p:nvPr/>
+          </p:nvSpPr>
+          <p:spPr>
+            <a:xfrm>
+              <a:off x="138281" y="1082238"/>
+              <a:ext cx="2050500" cy="183000"/>
+            </a:xfrm>
+            <a:prstGeom prst="rect">
+              <a:avLst/>
+            </a:prstGeom>
+            <a:noFill/>
+            <a:ln>
+              <a:noFill/>
+            </a:ln>
+          </p:spPr>
+          <p:txBody>
+            <a:bodyPr spcFirstLastPara="1" wrap="square" lIns="91425" tIns="91425" rIns="91425" bIns="91425" anchor="ctr" anchorCtr="0">
+              <a:noAutofit/>
+            </a:bodyPr>
+            <a:lstStyle/>
+            <a:p>
+              <a:pPr marL="0" lvl="0" indent="0" algn="ctr" rtl="0">
                 <a:spcBef>
                   <a:spcPts val="0"/>
                 </a:spcBef>
@@ -6955,9 +7459,10 @@
                 <a:buNone/>
               </a:pPr>
               <a:r>
-                <a:t/>
+                <a:rPr lang="en-GB" sz="1000" dirty="0"/>
+                <a:t>generated segment view</a:t>
               </a:r>
-              <a:endParaRPr sz="1000"/>
+              <a:endParaRPr sz="1000" dirty="0"/>
             </a:p>
           </p:txBody>
         </p:sp>
@@ -6971,11 +7476,11 @@
 </file>
 
 <file path=ppt/slides/slide2.xml><?xml version="1.0" encoding="utf-8"?>
-<p:sld xmlns:a="http://schemas.openxmlformats.org/drawingml/2006/main" xmlns:r="http://schemas.openxmlformats.org/officeDocument/2006/relationships" xmlns:mc="http://schemas.openxmlformats.org/markup-compatibility/2006" xmlns:mv="urn:schemas-microsoft-com:mac:vml" xmlns:p="http://schemas.openxmlformats.org/presentationml/2006/main" xmlns:c="http://schemas.openxmlformats.org/drawingml/2006/chart" xmlns:dgm="http://schemas.openxmlformats.org/drawingml/2006/diagram" xmlns:o="urn:schemas-microsoft-com:office:office" xmlns:v="urn:schemas-microsoft-com:vml" xmlns:pvml="urn:schemas-microsoft-com:office:powerpoint" xmlns:com="http://schemas.openxmlformats.org/drawingml/2006/compatibility" xmlns:p14="http://schemas.microsoft.com/office/powerpoint/2010/main" xmlns:p15="http://schemas.microsoft.com/office/powerpoint/2012/main">
+<p:sld xmlns:a="http://schemas.openxmlformats.org/drawingml/2006/main" xmlns:r="http://schemas.openxmlformats.org/officeDocument/2006/relationships" xmlns:p="http://schemas.openxmlformats.org/presentationml/2006/main">
   <p:cSld>
     <p:spTree>
       <p:nvGrpSpPr>
-        <p:cNvPr id="100" name="Shape 100"/>
+        <p:cNvPr id="1" name="Shape 100"/>
         <p:cNvGrpSpPr/>
         <p:nvPr/>
       </p:nvGrpSpPr>
@@ -6995,30 +7500,30 @@
         </p:nvSpPr>
         <p:spPr>
           <a:xfrm>
-            <a:off x="3307975" y="451800"/>
+            <a:off x="1479175" y="451804"/>
             <a:ext cx="1560000" cy="472800"/>
           </a:xfrm>
           <a:prstGeom prst="rect">
             <a:avLst/>
           </a:prstGeom>
           <a:noFill/>
-          <a:ln cap="flat" cmpd="sng" w="9525">
+          <a:ln w="9525" cap="flat" cmpd="sng">
             <a:solidFill>
               <a:schemeClr val="dk2"/>
             </a:solidFill>
             <a:prstDash val="solid"/>
             <a:round/>
-            <a:headEnd len="sm" w="sm" type="none"/>
-            <a:tailEnd len="sm" w="sm" type="none"/>
+            <a:headEnd type="none" w="sm" len="sm"/>
+            <a:tailEnd type="none" w="sm" len="sm"/>
           </a:ln>
         </p:spPr>
         <p:txBody>
-          <a:bodyPr anchorCtr="0" anchor="ctr" bIns="91425" lIns="91425" spcFirstLastPara="1" rIns="91425" wrap="square" tIns="91425">
+          <a:bodyPr spcFirstLastPara="1" wrap="square" lIns="91425" tIns="91425" rIns="91425" bIns="91425" anchor="ctr" anchorCtr="0">
             <a:noAutofit/>
           </a:bodyPr>
           <a:lstStyle/>
           <a:p>
-            <a:pPr indent="0" lvl="0" marL="0" rtl="0" algn="ctr">
+            <a:pPr marL="0" lvl="0" indent="0" algn="ctr" rtl="0">
               <a:spcBef>
                 <a:spcPts val="0"/>
               </a:spcBef>
@@ -7034,7 +7539,7 @@
             <a:endParaRPr sz="1000"/>
           </a:p>
           <a:p>
-            <a:pPr indent="0" lvl="0" marL="0" rtl="0" algn="ctr">
+            <a:pPr marL="0" lvl="0" indent="0" algn="ctr" rtl="0">
               <a:spcBef>
                 <a:spcPts val="0"/>
               </a:spcBef>
@@ -7059,30 +7564,30 @@
         </p:nvSpPr>
         <p:spPr>
           <a:xfrm>
-            <a:off x="5208350" y="451700"/>
+            <a:off x="3379550" y="451704"/>
             <a:ext cx="1560000" cy="472800"/>
           </a:xfrm>
           <a:prstGeom prst="rect">
             <a:avLst/>
           </a:prstGeom>
           <a:noFill/>
-          <a:ln cap="flat" cmpd="sng" w="9525">
+          <a:ln w="9525" cap="flat" cmpd="sng">
             <a:solidFill>
               <a:schemeClr val="dk2"/>
             </a:solidFill>
             <a:prstDash val="solid"/>
             <a:round/>
-            <a:headEnd len="sm" w="sm" type="none"/>
-            <a:tailEnd len="sm" w="sm" type="none"/>
+            <a:headEnd type="none" w="sm" len="sm"/>
+            <a:tailEnd type="none" w="sm" len="sm"/>
           </a:ln>
         </p:spPr>
         <p:txBody>
-          <a:bodyPr anchorCtr="0" anchor="ctr" bIns="91425" lIns="91425" spcFirstLastPara="1" rIns="91425" wrap="square" tIns="91425">
+          <a:bodyPr spcFirstLastPara="1" wrap="square" lIns="91425" tIns="91425" rIns="91425" bIns="91425" anchor="ctr" anchorCtr="0">
             <a:noAutofit/>
           </a:bodyPr>
           <a:lstStyle/>
           <a:p>
-            <a:pPr indent="0" lvl="0" marL="0" rtl="0" algn="ctr">
+            <a:pPr marL="0" lvl="0" indent="0" algn="ctr" rtl="0">
               <a:spcBef>
                 <a:spcPts val="0"/>
               </a:spcBef>
@@ -7098,7 +7603,7 @@
             <a:endParaRPr sz="1000"/>
           </a:p>
           <a:p>
-            <a:pPr indent="0" lvl="0" marL="0" rtl="0" algn="ctr">
+            <a:pPr marL="0" lvl="0" indent="0" algn="ctr" rtl="0">
               <a:spcBef>
                 <a:spcPts val="0"/>
               </a:spcBef>
@@ -7130,23 +7635,23 @@
             <a:avLst/>
           </a:prstGeom>
           <a:noFill/>
-          <a:ln cap="flat" cmpd="sng" w="9525">
+          <a:ln w="9525" cap="flat" cmpd="sng">
             <a:solidFill>
               <a:schemeClr val="dk2"/>
             </a:solidFill>
             <a:prstDash val="solid"/>
             <a:round/>
-            <a:headEnd len="sm" w="sm" type="none"/>
-            <a:tailEnd len="sm" w="sm" type="none"/>
+            <a:headEnd type="none" w="sm" len="sm"/>
+            <a:tailEnd type="none" w="sm" len="sm"/>
           </a:ln>
         </p:spPr>
         <p:txBody>
-          <a:bodyPr anchorCtr="0" anchor="ctr" bIns="91425" lIns="91425" spcFirstLastPara="1" rIns="91425" wrap="square" tIns="91425">
+          <a:bodyPr spcFirstLastPara="1" wrap="square" lIns="91425" tIns="91425" rIns="91425" bIns="91425" anchor="ctr" anchorCtr="0">
             <a:noAutofit/>
           </a:bodyPr>
           <a:lstStyle/>
           <a:p>
-            <a:pPr indent="0" lvl="0" marL="0" rtl="0" algn="ctr">
+            <a:pPr marL="0" lvl="0" indent="0" algn="ctr" rtl="0">
               <a:spcBef>
                 <a:spcPts val="0"/>
               </a:spcBef>
@@ -7162,7 +7667,7 @@
             <a:endParaRPr sz="1000"/>
           </a:p>
           <a:p>
-            <a:pPr indent="0" lvl="0" marL="0" rtl="0" algn="ctr">
+            <a:pPr marL="0" lvl="0" indent="0" algn="ctr" rtl="0">
               <a:spcBef>
                 <a:spcPts val="0"/>
               </a:spcBef>
@@ -7189,21 +7694,21 @@
         </p:nvCxnSpPr>
         <p:spPr>
           <a:xfrm>
-            <a:off x="5988350" y="924500"/>
+            <a:off x="4159550" y="924504"/>
             <a:ext cx="0" cy="3429000"/>
           </a:xfrm>
           <a:prstGeom prst="straightConnector1">
             <a:avLst/>
           </a:prstGeom>
           <a:noFill/>
-          <a:ln cap="flat" cmpd="sng" w="9525">
+          <a:ln w="9525" cap="flat" cmpd="sng">
             <a:solidFill>
               <a:schemeClr val="dk2"/>
             </a:solidFill>
             <a:prstDash val="dash"/>
             <a:round/>
-            <a:headEnd len="med" w="med" type="none"/>
-            <a:tailEnd len="med" w="med" type="none"/>
+            <a:headEnd type="none" w="med" len="med"/>
+            <a:tailEnd type="none" w="med" len="med"/>
           </a:ln>
         </p:spPr>
       </p:cxnSp>
@@ -7215,21 +7720,21 @@
         </p:nvCxnSpPr>
         <p:spPr>
           <a:xfrm>
-            <a:off x="4087976" y="924600"/>
+            <a:off x="2259176" y="924604"/>
             <a:ext cx="0" cy="3429000"/>
           </a:xfrm>
           <a:prstGeom prst="straightConnector1">
             <a:avLst/>
           </a:prstGeom>
           <a:noFill/>
-          <a:ln cap="flat" cmpd="sng" w="9525">
+          <a:ln w="9525" cap="flat" cmpd="sng">
             <a:solidFill>
               <a:schemeClr val="dk2"/>
             </a:solidFill>
             <a:prstDash val="dash"/>
             <a:round/>
-            <a:headEnd len="med" w="med" type="none"/>
-            <a:tailEnd len="med" w="med" type="none"/>
+            <a:headEnd type="none" w="med" len="med"/>
+            <a:tailEnd type="none" w="med" len="med"/>
           </a:ln>
         </p:spPr>
       </p:cxnSp>
@@ -7241,21 +7746,21 @@
         </p:nvCxnSpPr>
         <p:spPr>
           <a:xfrm>
-            <a:off x="7893776" y="924600"/>
+            <a:off x="7881472" y="924504"/>
             <a:ext cx="0" cy="3429000"/>
           </a:xfrm>
           <a:prstGeom prst="straightConnector1">
             <a:avLst/>
           </a:prstGeom>
           <a:noFill/>
-          <a:ln cap="flat" cmpd="sng" w="9525">
+          <a:ln w="9525" cap="flat" cmpd="sng">
             <a:solidFill>
               <a:schemeClr val="dk2"/>
             </a:solidFill>
             <a:prstDash val="dash"/>
             <a:round/>
-            <a:headEnd len="med" w="med" type="none"/>
-            <a:tailEnd len="med" w="med" type="none"/>
+            <a:headEnd type="none" w="med" len="med"/>
+            <a:tailEnd type="none" w="med" len="med"/>
           </a:ln>
         </p:spPr>
       </p:cxnSp>
@@ -7267,8 +7772,8 @@
         </p:nvSpPr>
         <p:spPr>
           <a:xfrm>
-            <a:off x="4015225" y="1249200"/>
-            <a:ext cx="145500" cy="2428800"/>
+            <a:off x="2186425" y="1249203"/>
+            <a:ext cx="136173" cy="2670597"/>
           </a:xfrm>
           <a:prstGeom prst="rect">
             <a:avLst/>
@@ -7276,23 +7781,23 @@
           <a:solidFill>
             <a:schemeClr val="lt1"/>
           </a:solidFill>
-          <a:ln cap="flat" cmpd="sng" w="9525">
+          <a:ln w="9525" cap="flat" cmpd="sng">
             <a:solidFill>
               <a:schemeClr val="dk2"/>
             </a:solidFill>
             <a:prstDash val="solid"/>
             <a:round/>
-            <a:headEnd len="sm" w="sm" type="none"/>
-            <a:tailEnd len="sm" w="sm" type="none"/>
+            <a:headEnd type="none" w="sm" len="sm"/>
+            <a:tailEnd type="none" w="sm" len="sm"/>
           </a:ln>
         </p:spPr>
         <p:txBody>
-          <a:bodyPr anchorCtr="0" anchor="ctr" bIns="91425" lIns="91425" spcFirstLastPara="1" rIns="91425" wrap="square" tIns="91425">
+          <a:bodyPr spcFirstLastPara="1" wrap="square" lIns="91425" tIns="91425" rIns="91425" bIns="91425" anchor="ctr" anchorCtr="0">
             <a:noAutofit/>
           </a:bodyPr>
           <a:lstStyle/>
           <a:p>
-            <a:pPr indent="0" lvl="0" marL="0" rtl="0" algn="l">
+            <a:pPr marL="0" lvl="0" indent="0" algn="l" rtl="0">
               <a:spcBef>
                 <a:spcPts val="0"/>
               </a:spcBef>
@@ -7301,9 +7806,6 @@
               </a:spcAft>
               <a:buNone/>
             </a:pPr>
-            <a:r>
-              <a:t/>
-            </a:r>
             <a:endParaRPr/>
           </a:p>
         </p:txBody>
@@ -7316,7 +7818,7 @@
         </p:nvGrpSpPr>
         <p:grpSpPr>
           <a:xfrm>
-            <a:off x="1941845" y="3494935"/>
+            <a:off x="113045" y="3730269"/>
             <a:ext cx="2066608" cy="183064"/>
             <a:chOff x="67225" y="1082238"/>
             <a:chExt cx="2121556" cy="183138"/>
@@ -7337,14 +7839,14 @@
               <a:avLst/>
             </a:prstGeom>
             <a:noFill/>
-            <a:ln cap="flat" cmpd="sng" w="9525">
+            <a:ln w="9525" cap="flat" cmpd="sng">
               <a:solidFill>
                 <a:schemeClr val="dk2"/>
               </a:solidFill>
               <a:prstDash val="dash"/>
               <a:round/>
-              <a:headEnd len="med" w="med" type="triangle"/>
-              <a:tailEnd len="med" w="med" type="none"/>
+              <a:headEnd type="triangle" w="med" len="med"/>
+              <a:tailEnd type="none" w="med" len="med"/>
             </a:ln>
           </p:spPr>
         </p:cxnSp>
@@ -7368,12 +7870,12 @@
             </a:ln>
           </p:spPr>
           <p:txBody>
-            <a:bodyPr anchorCtr="0" anchor="ctr" bIns="91425" lIns="91425" spcFirstLastPara="1" rIns="91425" wrap="square" tIns="91425">
+            <a:bodyPr spcFirstLastPara="1" wrap="square" lIns="91425" tIns="91425" rIns="91425" bIns="91425" anchor="ctr" anchorCtr="0">
               <a:noAutofit/>
             </a:bodyPr>
             <a:lstStyle/>
             <a:p>
-              <a:pPr indent="0" lvl="0" marL="0" rtl="0" algn="ctr">
+              <a:pPr marL="0" lvl="0" indent="0" algn="ctr" rtl="0">
                 <a:spcBef>
                   <a:spcPts val="0"/>
                 </a:spcBef>
@@ -7382,9 +7884,6 @@
                 </a:spcAft>
                 <a:buNone/>
               </a:pPr>
-              <a:r>
-                <a:t/>
-              </a:r>
               <a:endParaRPr sz="1000"/>
             </a:p>
           </p:txBody>
@@ -7398,7 +7897,7 @@
         </p:nvGrpSpPr>
         <p:grpSpPr>
           <a:xfrm>
-            <a:off x="1935073" y="1000800"/>
+            <a:off x="106273" y="1000804"/>
             <a:ext cx="2080143" cy="248400"/>
             <a:chOff x="20127" y="1016975"/>
             <a:chExt cx="2144698" cy="248400"/>
@@ -7419,14 +7918,14 @@
               <a:avLst/>
             </a:prstGeom>
             <a:noFill/>
-            <a:ln cap="flat" cmpd="sng" w="9525">
+            <a:ln w="9525" cap="flat" cmpd="sng">
               <a:solidFill>
                 <a:schemeClr val="dk2"/>
               </a:solidFill>
               <a:prstDash val="solid"/>
               <a:round/>
-              <a:headEnd len="med" w="med" type="none"/>
-              <a:tailEnd len="med" w="med" type="triangle"/>
+              <a:headEnd type="none" w="med" len="med"/>
+              <a:tailEnd type="triangle" w="med" len="med"/>
             </a:ln>
           </p:spPr>
         </p:cxnSp>
@@ -7450,12 +7949,12 @@
             </a:ln>
           </p:spPr>
           <p:txBody>
-            <a:bodyPr anchorCtr="0" anchor="ctr" bIns="91425" lIns="91425" spcFirstLastPara="1" rIns="91425" wrap="square" tIns="91425">
+            <a:bodyPr spcFirstLastPara="1" wrap="square" lIns="91425" tIns="91425" rIns="91425" bIns="91425" anchor="ctr" anchorCtr="0">
               <a:noAutofit/>
             </a:bodyPr>
             <a:lstStyle/>
             <a:p>
-              <a:pPr indent="0" lvl="0" marL="0" rtl="0" algn="ctr">
+              <a:pPr marL="0" lvl="0" indent="0" algn="ctr" rtl="0">
                 <a:spcBef>
                   <a:spcPts val="0"/>
                 </a:spcBef>
@@ -7481,10 +7980,10 @@
         </p:nvGrpSpPr>
         <p:grpSpPr>
           <a:xfrm>
-            <a:off x="4184752" y="1535482"/>
-            <a:ext cx="3776723" cy="584768"/>
-            <a:chOff x="4184752" y="1306882"/>
-            <a:chExt cx="3776723" cy="584768"/>
+            <a:off x="2322599" y="1535486"/>
+            <a:ext cx="5631624" cy="584763"/>
+            <a:chOff x="4220423" y="1306882"/>
+            <a:chExt cx="5562599" cy="584763"/>
           </a:xfrm>
         </p:grpSpPr>
         <p:sp>
@@ -7495,7 +7994,7 @@
           </p:nvSpPr>
           <p:spPr>
             <a:xfrm>
-              <a:off x="7815975" y="1524450"/>
+              <a:off x="9637522" y="1521853"/>
               <a:ext cx="145500" cy="367200"/>
             </a:xfrm>
             <a:prstGeom prst="rect">
@@ -7504,23 +8003,23 @@
             <a:solidFill>
               <a:schemeClr val="lt1"/>
             </a:solidFill>
-            <a:ln cap="flat" cmpd="sng" w="9525">
+            <a:ln w="9525" cap="flat" cmpd="sng">
               <a:solidFill>
                 <a:schemeClr val="dk2"/>
               </a:solidFill>
               <a:prstDash val="solid"/>
               <a:round/>
-              <a:headEnd len="sm" w="sm" type="none"/>
-              <a:tailEnd len="sm" w="sm" type="none"/>
+              <a:headEnd type="none" w="sm" len="sm"/>
+              <a:tailEnd type="none" w="sm" len="sm"/>
             </a:ln>
           </p:spPr>
           <p:txBody>
-            <a:bodyPr anchorCtr="0" anchor="ctr" bIns="91425" lIns="91425" spcFirstLastPara="1" rIns="91425" wrap="square" tIns="91425">
+            <a:bodyPr spcFirstLastPara="1" wrap="square" lIns="91425" tIns="91425" rIns="91425" bIns="91425" anchor="ctr" anchorCtr="0">
               <a:noAutofit/>
             </a:bodyPr>
             <a:lstStyle/>
             <a:p>
-              <a:pPr indent="0" lvl="0" marL="0" rtl="0" algn="l">
+              <a:pPr marL="0" lvl="0" indent="0" algn="l" rtl="0">
                 <a:spcBef>
                   <a:spcPts val="0"/>
                 </a:spcBef>
@@ -7529,10 +8028,7 @@
                 </a:spcAft>
                 <a:buNone/>
               </a:pPr>
-              <a:r>
-                <a:t/>
-              </a:r>
-              <a:endParaRPr/>
+              <a:endParaRPr dirty="0"/>
             </a:p>
           </p:txBody>
         </p:sp>
@@ -7544,35 +8040,37 @@
           </p:nvGrpSpPr>
           <p:grpSpPr>
             <a:xfrm>
-              <a:off x="4202702" y="1306882"/>
-              <a:ext cx="3607197" cy="261313"/>
-              <a:chOff x="67178" y="1017038"/>
-              <a:chExt cx="4050300" cy="261313"/>
+              <a:off x="4238373" y="1306882"/>
+              <a:ext cx="5362071" cy="248400"/>
+              <a:chOff x="107231" y="1017038"/>
+              <a:chExt cx="6020739" cy="248400"/>
             </a:xfrm>
           </p:grpSpPr>
           <p:cxnSp>
             <p:nvCxnSpPr>
               <p:cNvPr id="117" name="Google Shape;117;p14"/>
-              <p:cNvCxnSpPr/>
+              <p:cNvCxnSpPr>
+                <a:cxnSpLocks/>
+              </p:cNvCxnSpPr>
               <p:nvPr/>
             </p:nvCxnSpPr>
             <p:spPr>
               <a:xfrm>
-                <a:off x="67178" y="1265450"/>
-                <a:ext cx="4050300" cy="12900"/>
+                <a:off x="107231" y="1265438"/>
+                <a:ext cx="6020739" cy="0"/>
               </a:xfrm>
               <a:prstGeom prst="straightConnector1">
                 <a:avLst/>
               </a:prstGeom>
               <a:noFill/>
-              <a:ln cap="flat" cmpd="sng" w="9525">
+              <a:ln w="9525" cap="flat" cmpd="sng">
                 <a:solidFill>
                   <a:schemeClr val="dk2"/>
                 </a:solidFill>
                 <a:prstDash val="solid"/>
                 <a:round/>
-                <a:headEnd len="med" w="med" type="none"/>
-                <a:tailEnd len="med" w="med" type="triangle"/>
+                <a:headEnd type="none" w="med" len="med"/>
+                <a:tailEnd type="triangle" w="med" len="med"/>
               </a:ln>
             </p:spPr>
           </p:cxnSp>
@@ -7596,12 +8094,12 @@
               </a:ln>
             </p:spPr>
             <p:txBody>
-              <a:bodyPr anchorCtr="0" anchor="ctr" bIns="91425" lIns="91425" spcFirstLastPara="1" rIns="91425" wrap="square" tIns="91425">
+              <a:bodyPr spcFirstLastPara="1" wrap="square" lIns="91425" tIns="91425" rIns="91425" bIns="91425" anchor="ctr" anchorCtr="0">
                 <a:noAutofit/>
               </a:bodyPr>
               <a:lstStyle/>
               <a:p>
-                <a:pPr indent="0" lvl="0" marL="0" rtl="0" algn="ctr">
+                <a:pPr marL="0" lvl="0" indent="0" algn="ctr" rtl="0">
                   <a:spcBef>
                     <a:spcPts val="0"/>
                   </a:spcBef>
@@ -7635,35 +8133,37 @@
           </p:nvGrpSpPr>
           <p:grpSpPr>
             <a:xfrm>
-              <a:off x="4184752" y="1643245"/>
-              <a:ext cx="3607197" cy="248400"/>
-              <a:chOff x="67178" y="1029950"/>
-              <a:chExt cx="4050300" cy="248400"/>
+              <a:off x="4220423" y="1643245"/>
+              <a:ext cx="5380021" cy="248400"/>
+              <a:chOff x="107231" y="1029950"/>
+              <a:chExt cx="6040895" cy="248400"/>
             </a:xfrm>
           </p:grpSpPr>
           <p:cxnSp>
             <p:nvCxnSpPr>
               <p:cNvPr id="120" name="Google Shape;120;p14"/>
-              <p:cNvCxnSpPr/>
+              <p:cNvCxnSpPr>
+                <a:cxnSpLocks/>
+              </p:cNvCxnSpPr>
               <p:nvPr/>
             </p:nvCxnSpPr>
             <p:spPr>
               <a:xfrm>
-                <a:off x="67178" y="1265450"/>
-                <a:ext cx="4050300" cy="12900"/>
+                <a:off x="107231" y="1275758"/>
+                <a:ext cx="6040895" cy="0"/>
               </a:xfrm>
               <a:prstGeom prst="straightConnector1">
                 <a:avLst/>
               </a:prstGeom>
               <a:noFill/>
-              <a:ln cap="flat" cmpd="sng" w="9525">
+              <a:ln w="9525" cap="flat" cmpd="sng">
                 <a:solidFill>
                   <a:schemeClr val="dk2"/>
                 </a:solidFill>
                 <a:prstDash val="dash"/>
                 <a:round/>
-                <a:headEnd len="med" w="med" type="triangle"/>
-                <a:tailEnd len="med" w="med" type="none"/>
+                <a:headEnd type="triangle" w="med" len="med"/>
+                <a:tailEnd type="none" w="med" len="med"/>
               </a:ln>
             </p:spPr>
           </p:cxnSp>
@@ -7687,12 +8187,12 @@
               </a:ln>
             </p:spPr>
             <p:txBody>
-              <a:bodyPr anchorCtr="0" anchor="ctr" bIns="91425" lIns="91425" spcFirstLastPara="1" rIns="91425" wrap="square" tIns="91425">
+              <a:bodyPr spcFirstLastPara="1" wrap="square" lIns="91425" tIns="91425" rIns="91425" bIns="91425" anchor="ctr" anchorCtr="0">
                 <a:noAutofit/>
               </a:bodyPr>
               <a:lstStyle/>
               <a:p>
-                <a:pPr indent="0" lvl="0" marL="0" rtl="0" algn="ctr">
+                <a:pPr marL="0" lvl="0" indent="0" algn="ctr" rtl="0">
                   <a:spcBef>
                     <a:spcPts val="0"/>
                   </a:spcBef>
@@ -7727,8 +8227,8 @@
         </p:nvGrpSpPr>
         <p:grpSpPr>
           <a:xfrm>
-            <a:off x="2105240" y="1455410"/>
-            <a:ext cx="5966730" cy="829800"/>
+            <a:off x="276439" y="1455414"/>
+            <a:ext cx="7932986" cy="829800"/>
             <a:chOff x="4317138" y="1661025"/>
             <a:chExt cx="3840089" cy="829800"/>
           </a:xfrm>
@@ -7762,23 +8262,23 @@
                 <a:avLst/>
               </a:prstGeom>
               <a:noFill/>
-              <a:ln cap="flat" cmpd="sng" w="9525">
+              <a:ln w="9525" cap="flat" cmpd="sng">
                 <a:solidFill>
                   <a:schemeClr val="dk2"/>
                 </a:solidFill>
                 <a:prstDash val="solid"/>
                 <a:round/>
-                <a:headEnd len="sm" w="sm" type="none"/>
-                <a:tailEnd len="sm" w="sm" type="none"/>
+                <a:headEnd type="none" w="sm" len="sm"/>
+                <a:tailEnd type="none" w="sm" len="sm"/>
               </a:ln>
             </p:spPr>
             <p:txBody>
-              <a:bodyPr anchorCtr="0" anchor="ctr" bIns="91425" lIns="91425" spcFirstLastPara="1" rIns="91425" wrap="square" tIns="91425">
+              <a:bodyPr spcFirstLastPara="1" wrap="square" lIns="91425" tIns="91425" rIns="91425" bIns="91425" anchor="ctr" anchorCtr="0">
                 <a:noAutofit/>
               </a:bodyPr>
               <a:lstStyle/>
               <a:p>
-                <a:pPr indent="0" lvl="0" marL="0" rtl="0" algn="l">
+                <a:pPr marL="0" lvl="0" indent="0" algn="l" rtl="0">
                   <a:spcBef>
                     <a:spcPts val="0"/>
                   </a:spcBef>
@@ -7787,9 +8287,6 @@
                   </a:spcAft>
                   <a:buNone/>
                 </a:pPr>
-                <a:r>
-                  <a:t/>
-                </a:r>
                 <a:endParaRPr/>
               </a:p>
             </p:txBody>
@@ -7801,33 +8298,33 @@
               <p:nvPr/>
             </p:nvSpPr>
             <p:spPr>
-              <a:xfrm flipH="1" rot="10800000">
+              <a:xfrm rot="10800000" flipH="1">
                 <a:off x="4214300" y="1676175"/>
                 <a:ext cx="500700" cy="275700"/>
               </a:xfrm>
               <a:prstGeom prst="snip1Rect">
                 <a:avLst>
-                  <a:gd fmla="val 16005" name="adj"/>
+                  <a:gd name="adj" fmla="val 16005"/>
                 </a:avLst>
               </a:prstGeom>
               <a:noFill/>
-              <a:ln cap="flat" cmpd="sng" w="9525">
+              <a:ln w="9525" cap="flat" cmpd="sng">
                 <a:solidFill>
                   <a:schemeClr val="dk2"/>
                 </a:solidFill>
                 <a:prstDash val="solid"/>
                 <a:round/>
-                <a:headEnd len="sm" w="sm" type="none"/>
-                <a:tailEnd len="sm" w="sm" type="none"/>
+                <a:headEnd type="none" w="sm" len="sm"/>
+                <a:tailEnd type="none" w="sm" len="sm"/>
               </a:ln>
             </p:spPr>
             <p:txBody>
-              <a:bodyPr anchorCtr="0" anchor="ctr" bIns="91425" lIns="91425" spcFirstLastPara="1" rIns="91425" wrap="square" tIns="91425">
+              <a:bodyPr spcFirstLastPara="1" wrap="square" lIns="91425" tIns="91425" rIns="91425" bIns="91425" anchor="ctr" anchorCtr="0">
                 <a:noAutofit/>
               </a:bodyPr>
               <a:lstStyle/>
               <a:p>
-                <a:pPr indent="0" lvl="0" marL="0" rtl="0" algn="l">
+                <a:pPr marL="0" lvl="0" indent="0" algn="l" rtl="0">
                   <a:spcBef>
                     <a:spcPts val="0"/>
                   </a:spcBef>
@@ -7836,9 +8333,6 @@
                   </a:spcAft>
                   <a:buNone/>
                 </a:pPr>
-                <a:r>
-                  <a:t/>
-                </a:r>
                 <a:endParaRPr/>
               </a:p>
             </p:txBody>
@@ -7863,12 +8357,12 @@
               </a:ln>
             </p:spPr>
             <p:txBody>
-              <a:bodyPr anchorCtr="0" anchor="t" bIns="91425" lIns="91425" spcFirstLastPara="1" rIns="91425" wrap="square" tIns="91425">
+              <a:bodyPr spcFirstLastPara="1" wrap="square" lIns="91425" tIns="91425" rIns="91425" bIns="91425" anchor="t" anchorCtr="0">
                 <a:noAutofit/>
               </a:bodyPr>
               <a:lstStyle/>
               <a:p>
-                <a:pPr indent="0" lvl="0" marL="0" rtl="0" algn="ctr">
+                <a:pPr marL="0" lvl="0" indent="0" algn="ctr" rtl="0">
                   <a:spcBef>
                     <a:spcPts val="0"/>
                   </a:spcBef>
@@ -7906,12 +8400,12 @@
             </a:ln>
           </p:spPr>
           <p:txBody>
-            <a:bodyPr anchorCtr="0" anchor="t" bIns="91425" lIns="91425" spcFirstLastPara="1" rIns="91425" wrap="square" tIns="91425">
+            <a:bodyPr spcFirstLastPara="1" wrap="square" lIns="91425" tIns="91425" rIns="91425" bIns="91425" anchor="t" anchorCtr="0">
               <a:noAutofit/>
             </a:bodyPr>
             <a:lstStyle/>
             <a:p>
-              <a:pPr indent="0" lvl="0" marL="0" rtl="0" algn="l">
+              <a:pPr marL="0" lvl="0" indent="0" algn="l" rtl="0">
                 <a:spcBef>
                   <a:spcPts val="0"/>
                 </a:spcBef>
@@ -7921,10 +8415,18 @@
                 <a:buNone/>
               </a:pPr>
               <a:r>
-                <a:rPr lang="en-GB" sz="1000"/>
-                <a:t>[repo in summary.json]</a:t>
+                <a:rPr lang="en-GB" sz="1000" dirty="0"/>
+                <a:t>[repo in </a:t>
               </a:r>
-              <a:endParaRPr sz="1000"/>
+              <a:r>
+                <a:rPr lang="en-GB" sz="1000" dirty="0" err="1"/>
+                <a:t>summary.json</a:t>
+              </a:r>
+              <a:r>
+                <a:rPr lang="en-GB" sz="1000" dirty="0"/>
+                <a:t>]</a:t>
+              </a:r>
+              <a:endParaRPr sz="1000" dirty="0"/>
             </a:p>
           </p:txBody>
         </p:sp>
@@ -7937,7 +8439,7 @@
         </p:nvGrpSpPr>
         <p:grpSpPr>
           <a:xfrm>
-            <a:off x="4180125" y="2351117"/>
+            <a:off x="2351325" y="2351121"/>
             <a:ext cx="1722998" cy="248400"/>
             <a:chOff x="-102682" y="1024725"/>
             <a:chExt cx="2267700" cy="248400"/>
@@ -7950,7 +8452,7 @@
             <p:nvPr/>
           </p:nvCxnSpPr>
           <p:spPr>
-            <a:xfrm flipH="1" rot="10800000">
+            <a:xfrm rot="10800000" flipH="1">
               <a:off x="-102682" y="1265325"/>
               <a:ext cx="2267700" cy="7800"/>
             </a:xfrm>
@@ -7958,14 +8460,14 @@
               <a:avLst/>
             </a:prstGeom>
             <a:noFill/>
-            <a:ln cap="flat" cmpd="sng" w="9525">
+            <a:ln w="9525" cap="flat" cmpd="sng">
               <a:solidFill>
                 <a:schemeClr val="dk2"/>
               </a:solidFill>
               <a:prstDash val="solid"/>
               <a:round/>
-              <a:headEnd len="med" w="med" type="none"/>
-              <a:tailEnd len="med" w="med" type="triangle"/>
+              <a:headEnd type="none" w="med" len="med"/>
+              <a:tailEnd type="triangle" w="med" len="med"/>
             </a:ln>
           </p:spPr>
         </p:cxnSp>
@@ -7989,12 +8491,12 @@
             </a:ln>
           </p:spPr>
           <p:txBody>
-            <a:bodyPr anchorCtr="0" anchor="ctr" bIns="91425" lIns="91425" spcFirstLastPara="1" rIns="91425" wrap="square" tIns="91425">
+            <a:bodyPr spcFirstLastPara="1" wrap="square" lIns="91425" tIns="91425" rIns="91425" bIns="91425" anchor="ctr" anchorCtr="0">
               <a:noAutofit/>
             </a:bodyPr>
             <a:lstStyle/>
             <a:p>
-              <a:pPr indent="0" lvl="0" marL="0" rtl="0" algn="ctr">
+              <a:pPr marL="0" lvl="0" indent="0" algn="ctr" rtl="0">
                 <a:spcBef>
                   <a:spcPts val="0"/>
                 </a:spcBef>
@@ -8004,14 +8506,10 @@
                 <a:buNone/>
               </a:pPr>
               <a:r>
-                <a:rPr lang="en-GB" sz="1000"/>
-                <a:t>g</a:t>
+                <a:rPr lang="en-GB" sz="1000" dirty="0"/>
+                <a:t>get summary view</a:t>
               </a:r>
-              <a:r>
-                <a:rPr lang="en-GB" sz="1000"/>
-                <a:t>et chart view</a:t>
-              </a:r>
-              <a:endParaRPr sz="1000"/>
+              <a:endParaRPr sz="1000" dirty="0"/>
             </a:p>
           </p:txBody>
         </p:sp>
@@ -8024,8 +8522,8 @@
         </p:nvSpPr>
         <p:spPr>
           <a:xfrm>
-            <a:off x="5918125" y="2571750"/>
-            <a:ext cx="145500" cy="942300"/>
+            <a:off x="4089325" y="2571754"/>
+            <a:ext cx="143217" cy="1318692"/>
           </a:xfrm>
           <a:prstGeom prst="rect">
             <a:avLst/>
@@ -8033,23 +8531,23 @@
           <a:solidFill>
             <a:schemeClr val="lt1"/>
           </a:solidFill>
-          <a:ln cap="flat" cmpd="sng" w="9525">
+          <a:ln w="9525" cap="flat" cmpd="sng">
             <a:solidFill>
               <a:schemeClr val="dk2"/>
             </a:solidFill>
             <a:prstDash val="solid"/>
             <a:round/>
-            <a:headEnd len="sm" w="sm" type="none"/>
-            <a:tailEnd len="sm" w="sm" type="none"/>
+            <a:headEnd type="none" w="sm" len="sm"/>
+            <a:tailEnd type="none" w="sm" len="sm"/>
           </a:ln>
         </p:spPr>
         <p:txBody>
-          <a:bodyPr anchorCtr="0" anchor="ctr" bIns="91425" lIns="91425" spcFirstLastPara="1" rIns="91425" wrap="square" tIns="91425">
+          <a:bodyPr spcFirstLastPara="1" wrap="square" lIns="91425" tIns="91425" rIns="91425" bIns="91425" anchor="ctr" anchorCtr="0">
             <a:noAutofit/>
           </a:bodyPr>
           <a:lstStyle/>
           <a:p>
-            <a:pPr indent="0" lvl="0" marL="0" rtl="0" algn="l">
+            <a:pPr marL="0" lvl="0" indent="0" algn="l" rtl="0">
               <a:spcBef>
                 <a:spcPts val="0"/>
               </a:spcBef>
@@ -8058,9 +8556,6 @@
               </a:spcAft>
               <a:buNone/>
             </a:pPr>
-            <a:r>
-              <a:t/>
-            </a:r>
             <a:endParaRPr/>
           </a:p>
         </p:txBody>
@@ -8073,7 +8568,7 @@
         </p:nvGrpSpPr>
         <p:grpSpPr>
           <a:xfrm>
-            <a:off x="4226676" y="2665872"/>
+            <a:off x="2397876" y="2665876"/>
             <a:ext cx="1673109" cy="248400"/>
             <a:chOff x="-102682" y="1025185"/>
             <a:chExt cx="2267700" cy="248400"/>
@@ -8086,7 +8581,7 @@
             <p:nvPr/>
           </p:nvCxnSpPr>
           <p:spPr>
-            <a:xfrm flipH="1" rot="10800000">
+            <a:xfrm rot="10800000" flipH="1">
               <a:off x="-102682" y="1265325"/>
               <a:ext cx="2267700" cy="7800"/>
             </a:xfrm>
@@ -8094,14 +8589,14 @@
               <a:avLst/>
             </a:prstGeom>
             <a:noFill/>
-            <a:ln cap="flat" cmpd="sng" w="9525">
+            <a:ln w="9525" cap="flat" cmpd="sng">
               <a:solidFill>
                 <a:schemeClr val="dk2"/>
               </a:solidFill>
               <a:prstDash val="solid"/>
               <a:round/>
-              <a:headEnd len="med" w="med" type="triangle"/>
-              <a:tailEnd len="med" w="med" type="none"/>
+              <a:headEnd type="triangle" w="med" len="med"/>
+              <a:tailEnd type="none" w="med" len="med"/>
             </a:ln>
           </p:spPr>
         </p:cxnSp>
@@ -8125,12 +8620,12 @@
             </a:ln>
           </p:spPr>
           <p:txBody>
-            <a:bodyPr anchorCtr="0" anchor="ctr" bIns="91425" lIns="91425" spcFirstLastPara="1" rIns="91425" wrap="square" tIns="91425">
+            <a:bodyPr spcFirstLastPara="1" wrap="square" lIns="91425" tIns="91425" rIns="91425" bIns="91425" anchor="ctr" anchorCtr="0">
               <a:noAutofit/>
             </a:bodyPr>
             <a:lstStyle/>
             <a:p>
-              <a:pPr indent="0" lvl="0" marL="0" rtl="0" algn="ctr">
+              <a:pPr marL="0" lvl="0" indent="0" algn="ctr" rtl="0">
                 <a:spcBef>
                   <a:spcPts val="0"/>
                 </a:spcBef>
@@ -8141,11 +8636,7 @@
               </a:pPr>
               <a:r>
                 <a:rPr lang="en-GB" sz="1000"/>
-                <a:t>g</a:t>
-              </a:r>
-              <a:r>
-                <a:rPr lang="en-GB" sz="1000"/>
-                <a:t>et filter params</a:t>
+                <a:t>get filter params</a:t>
               </a:r>
               <a:endParaRPr sz="1000"/>
             </a:p>
@@ -8160,7 +8651,7 @@
         </p:nvSpPr>
         <p:spPr>
           <a:xfrm>
-            <a:off x="4087975" y="2904970"/>
+            <a:off x="2259175" y="2904974"/>
             <a:ext cx="145500" cy="267000"/>
           </a:xfrm>
           <a:prstGeom prst="rect">
@@ -8169,23 +8660,23 @@
           <a:solidFill>
             <a:schemeClr val="lt1"/>
           </a:solidFill>
-          <a:ln cap="flat" cmpd="sng" w="9525">
+          <a:ln w="9525" cap="flat" cmpd="sng">
             <a:solidFill>
               <a:schemeClr val="dk2"/>
             </a:solidFill>
             <a:prstDash val="solid"/>
             <a:round/>
-            <a:headEnd len="sm" w="sm" type="none"/>
-            <a:tailEnd len="sm" w="sm" type="none"/>
+            <a:headEnd type="none" w="sm" len="sm"/>
+            <a:tailEnd type="none" w="sm" len="sm"/>
           </a:ln>
         </p:spPr>
         <p:txBody>
-          <a:bodyPr anchorCtr="0" anchor="ctr" bIns="91425" lIns="91425" spcFirstLastPara="1" rIns="91425" wrap="square" tIns="91425">
+          <a:bodyPr spcFirstLastPara="1" wrap="square" lIns="91425" tIns="91425" rIns="91425" bIns="91425" anchor="ctr" anchorCtr="0">
             <a:noAutofit/>
           </a:bodyPr>
           <a:lstStyle/>
           <a:p>
-            <a:pPr indent="0" lvl="0" marL="0" rtl="0" algn="l">
+            <a:pPr marL="0" lvl="0" indent="0" algn="l" rtl="0">
               <a:spcBef>
                 <a:spcPts val="0"/>
               </a:spcBef>
@@ -8194,9 +8685,6 @@
               </a:spcAft>
               <a:buNone/>
             </a:pPr>
-            <a:r>
-              <a:t/>
-            </a:r>
             <a:endParaRPr/>
           </a:p>
         </p:txBody>
@@ -8209,7 +8697,7 @@
         </p:nvGrpSpPr>
         <p:grpSpPr>
           <a:xfrm>
-            <a:off x="4226676" y="2923544"/>
+            <a:off x="2397876" y="2923548"/>
             <a:ext cx="1673109" cy="248415"/>
             <a:chOff x="-102682" y="1024710"/>
             <a:chExt cx="2267700" cy="248415"/>
@@ -8222,7 +8710,7 @@
             <p:nvPr/>
           </p:nvCxnSpPr>
           <p:spPr>
-            <a:xfrm flipH="1" rot="10800000">
+            <a:xfrm rot="10800000" flipH="1">
               <a:off x="-102682" y="1265325"/>
               <a:ext cx="2267700" cy="7800"/>
             </a:xfrm>
@@ -8230,14 +8718,14 @@
               <a:avLst/>
             </a:prstGeom>
             <a:noFill/>
-            <a:ln cap="flat" cmpd="sng" w="9525">
+            <a:ln w="9525" cap="flat" cmpd="sng">
               <a:solidFill>
                 <a:schemeClr val="dk2"/>
               </a:solidFill>
               <a:prstDash val="dash"/>
               <a:round/>
-              <a:headEnd len="med" w="med" type="none"/>
-              <a:tailEnd len="med" w="med" type="triangle"/>
+              <a:headEnd type="none" w="med" len="med"/>
+              <a:tailEnd type="triangle" w="med" len="med"/>
             </a:ln>
           </p:spPr>
         </p:cxnSp>
@@ -8261,12 +8749,12 @@
             </a:ln>
           </p:spPr>
           <p:txBody>
-            <a:bodyPr anchorCtr="0" anchor="ctr" bIns="91425" lIns="91425" spcFirstLastPara="1" rIns="91425" wrap="square" tIns="91425">
+            <a:bodyPr spcFirstLastPara="1" wrap="square" lIns="91425" tIns="91425" rIns="91425" bIns="91425" anchor="ctr" anchorCtr="0">
               <a:noAutofit/>
             </a:bodyPr>
             <a:lstStyle/>
             <a:p>
-              <a:pPr indent="0" lvl="0" marL="0" rtl="0" algn="ctr">
+              <a:pPr marL="0" lvl="0" indent="0" algn="ctr" rtl="0">
                 <a:spcBef>
                   <a:spcPts val="0"/>
                 </a:spcBef>
@@ -8292,7 +8780,7 @@
         </p:nvGrpSpPr>
         <p:grpSpPr>
           <a:xfrm>
-            <a:off x="4180125" y="3257717"/>
+            <a:off x="2351325" y="3634244"/>
             <a:ext cx="1722998" cy="256200"/>
             <a:chOff x="-102682" y="1016925"/>
             <a:chExt cx="2267700" cy="256200"/>
@@ -8305,7 +8793,7 @@
             <p:nvPr/>
           </p:nvCxnSpPr>
           <p:spPr>
-            <a:xfrm flipH="1" rot="10800000">
+            <a:xfrm rot="10800000" flipH="1">
               <a:off x="-102682" y="1265325"/>
               <a:ext cx="2267700" cy="7800"/>
             </a:xfrm>
@@ -8313,14 +8801,14 @@
               <a:avLst/>
             </a:prstGeom>
             <a:noFill/>
-            <a:ln cap="flat" cmpd="sng" w="9525">
+            <a:ln w="9525" cap="flat" cmpd="sng">
               <a:solidFill>
                 <a:schemeClr val="dk2"/>
               </a:solidFill>
               <a:prstDash val="dash"/>
               <a:round/>
-              <a:headEnd len="med" w="med" type="triangle"/>
-              <a:tailEnd len="med" w="med" type="none"/>
+              <a:headEnd type="triangle" w="med" len="med"/>
+              <a:tailEnd type="none" w="med" len="med"/>
             </a:ln>
           </p:spPr>
         </p:cxnSp>
@@ -8344,12 +8832,12 @@
             </a:ln>
           </p:spPr>
           <p:txBody>
-            <a:bodyPr anchorCtr="0" anchor="ctr" bIns="91425" lIns="91425" spcFirstLastPara="1" rIns="91425" wrap="square" tIns="91425">
+            <a:bodyPr spcFirstLastPara="1" wrap="square" lIns="91425" tIns="91425" rIns="91425" bIns="91425" anchor="ctr" anchorCtr="0">
               <a:noAutofit/>
             </a:bodyPr>
             <a:lstStyle/>
             <a:p>
-              <a:pPr indent="0" lvl="0" marL="0" rtl="0" algn="ctr">
+              <a:pPr marL="0" lvl="0" indent="0" algn="ctr" rtl="0">
                 <a:spcBef>
                   <a:spcPts val="0"/>
                 </a:spcBef>
@@ -8367,6 +8855,372 @@
           </p:txBody>
         </p:sp>
       </p:grpSp>
+      <p:sp>
+        <p:nvSpPr>
+          <p:cNvPr id="53" name="Google Shape;102;p14">
+            <a:extLst>
+              <a:ext uri="{FF2B5EF4-FFF2-40B4-BE49-F238E27FC236}">
+                <a16:creationId xmlns:a16="http://schemas.microsoft.com/office/drawing/2014/main" id="{0933C346-4B92-CF41-90C8-F291687C4778}"/>
+              </a:ext>
+            </a:extLst>
+          </p:cNvPr>
+          <p:cNvSpPr/>
+          <p:nvPr/>
+        </p:nvSpPr>
+        <p:spPr>
+          <a:xfrm>
+            <a:off x="5495464" y="2982084"/>
+            <a:ext cx="1560000" cy="472800"/>
+          </a:xfrm>
+          <a:prstGeom prst="rect">
+            <a:avLst/>
+          </a:prstGeom>
+          <a:noFill/>
+          <a:ln w="9525" cap="flat" cmpd="sng">
+            <a:solidFill>
+              <a:schemeClr val="dk2"/>
+            </a:solidFill>
+            <a:prstDash val="solid"/>
+            <a:round/>
+            <a:headEnd type="none" w="sm" len="sm"/>
+            <a:tailEnd type="none" w="sm" len="sm"/>
+          </a:ln>
+        </p:spPr>
+        <p:txBody>
+          <a:bodyPr spcFirstLastPara="1" wrap="square" lIns="91425" tIns="91425" rIns="91425" bIns="91425" anchor="ctr" anchorCtr="0">
+            <a:noAutofit/>
+          </a:bodyPr>
+          <a:lstStyle/>
+          <a:p>
+            <a:pPr marL="0" lvl="0" indent="0" algn="ctr" rtl="0">
+              <a:spcBef>
+                <a:spcPts val="0"/>
+              </a:spcBef>
+              <a:spcAft>
+                <a:spcPts val="0"/>
+              </a:spcAft>
+              <a:buNone/>
+            </a:pPr>
+            <a:r>
+              <a:rPr lang="en-GB" sz="1000" dirty="0"/>
+              <a:t>:Ramp</a:t>
+            </a:r>
+            <a:endParaRPr sz="1000" dirty="0"/>
+          </a:p>
+          <a:p>
+            <a:pPr marL="0" lvl="0" indent="0" algn="ctr" rtl="0">
+              <a:spcBef>
+                <a:spcPts val="0"/>
+              </a:spcBef>
+              <a:spcAft>
+                <a:spcPts val="0"/>
+              </a:spcAft>
+              <a:buNone/>
+            </a:pPr>
+            <a:r>
+              <a:rPr lang="en-GB" sz="1000" dirty="0"/>
+              <a:t>(</a:t>
+            </a:r>
+            <a:r>
+              <a:rPr lang="en-GB" sz="1000" dirty="0" err="1"/>
+              <a:t>v_ramp.js</a:t>
+            </a:r>
+            <a:r>
+              <a:rPr lang="en-GB" sz="1000" dirty="0"/>
+              <a:t>)</a:t>
+            </a:r>
+            <a:endParaRPr sz="1000" dirty="0"/>
+          </a:p>
+        </p:txBody>
+      </p:sp>
+      <p:cxnSp>
+        <p:nvCxnSpPr>
+          <p:cNvPr id="54" name="Google Shape;104;p14">
+            <a:extLst>
+              <a:ext uri="{FF2B5EF4-FFF2-40B4-BE49-F238E27FC236}">
+                <a16:creationId xmlns:a16="http://schemas.microsoft.com/office/drawing/2014/main" id="{E4F5883F-4F47-B94A-A483-3E40159A1CCC}"/>
+              </a:ext>
+            </a:extLst>
+          </p:cNvPr>
+          <p:cNvCxnSpPr>
+            <a:cxnSpLocks/>
+          </p:cNvCxnSpPr>
+          <p:nvPr/>
+        </p:nvCxnSpPr>
+        <p:spPr>
+          <a:xfrm>
+            <a:off x="6275464" y="3456864"/>
+            <a:ext cx="0" cy="957156"/>
+          </a:xfrm>
+          <a:prstGeom prst="straightConnector1">
+            <a:avLst/>
+          </a:prstGeom>
+          <a:noFill/>
+          <a:ln w="9525" cap="flat" cmpd="sng">
+            <a:solidFill>
+              <a:schemeClr val="dk2"/>
+            </a:solidFill>
+            <a:prstDash val="dash"/>
+            <a:round/>
+            <a:headEnd type="none" w="med" len="med"/>
+            <a:tailEnd type="none" w="med" len="med"/>
+          </a:ln>
+        </p:spPr>
+      </p:cxnSp>
+      <p:grpSp>
+        <p:nvGrpSpPr>
+          <p:cNvPr id="58" name="Google Shape;128;p14">
+            <a:extLst>
+              <a:ext uri="{FF2B5EF4-FFF2-40B4-BE49-F238E27FC236}">
+                <a16:creationId xmlns:a16="http://schemas.microsoft.com/office/drawing/2014/main" id="{1674B9C2-CA03-9446-AEAB-83776D361F95}"/>
+              </a:ext>
+            </a:extLst>
+          </p:cNvPr>
+          <p:cNvGrpSpPr/>
+          <p:nvPr/>
+        </p:nvGrpSpPr>
+        <p:grpSpPr>
+          <a:xfrm>
+            <a:off x="4251962" y="2999399"/>
+            <a:ext cx="1243502" cy="248400"/>
+            <a:chOff x="-102682" y="1024725"/>
+            <a:chExt cx="2267700" cy="248400"/>
+          </a:xfrm>
+        </p:grpSpPr>
+        <p:cxnSp>
+          <p:nvCxnSpPr>
+            <p:cNvPr id="59" name="Google Shape;129;p14">
+              <a:extLst>
+                <a:ext uri="{FF2B5EF4-FFF2-40B4-BE49-F238E27FC236}">
+                  <a16:creationId xmlns:a16="http://schemas.microsoft.com/office/drawing/2014/main" id="{69CB4123-6BE8-4D46-A7D7-C9C995E3933C}"/>
+                </a:ext>
+              </a:extLst>
+            </p:cNvPr>
+            <p:cNvCxnSpPr/>
+            <p:nvPr/>
+          </p:nvCxnSpPr>
+          <p:spPr>
+            <a:xfrm rot="10800000" flipH="1">
+              <a:off x="-102682" y="1265325"/>
+              <a:ext cx="2267700" cy="7800"/>
+            </a:xfrm>
+            <a:prstGeom prst="straightConnector1">
+              <a:avLst/>
+            </a:prstGeom>
+            <a:noFill/>
+            <a:ln w="9525" cap="flat" cmpd="sng">
+              <a:solidFill>
+                <a:schemeClr val="dk2"/>
+              </a:solidFill>
+              <a:prstDash val="solid"/>
+              <a:round/>
+              <a:headEnd type="none" w="med" len="med"/>
+              <a:tailEnd type="triangle" w="med" len="med"/>
+            </a:ln>
+          </p:spPr>
+        </p:cxnSp>
+        <p:sp>
+          <p:nvSpPr>
+            <p:cNvPr id="60" name="Google Shape;130;p14">
+              <a:extLst>
+                <a:ext uri="{FF2B5EF4-FFF2-40B4-BE49-F238E27FC236}">
+                  <a16:creationId xmlns:a16="http://schemas.microsoft.com/office/drawing/2014/main" id="{DACAE855-D022-B943-8F09-E1EC19545115}"/>
+                </a:ext>
+              </a:extLst>
+            </p:cNvPr>
+            <p:cNvSpPr txBox="1"/>
+            <p:nvPr/>
+          </p:nvSpPr>
+          <p:spPr>
+            <a:xfrm>
+              <a:off x="-20525" y="1024725"/>
+              <a:ext cx="2097600" cy="248400"/>
+            </a:xfrm>
+            <a:prstGeom prst="rect">
+              <a:avLst/>
+            </a:prstGeom>
+            <a:noFill/>
+            <a:ln>
+              <a:noFill/>
+            </a:ln>
+          </p:spPr>
+          <p:txBody>
+            <a:bodyPr spcFirstLastPara="1" wrap="square" lIns="91425" tIns="91425" rIns="91425" bIns="91425" anchor="ctr" anchorCtr="0">
+              <a:noAutofit/>
+            </a:bodyPr>
+            <a:lstStyle/>
+            <a:p>
+              <a:pPr marL="0" lvl="0" indent="0" algn="ctr" rtl="0">
+                <a:spcBef>
+                  <a:spcPts val="0"/>
+                </a:spcBef>
+                <a:spcAft>
+                  <a:spcPts val="0"/>
+                </a:spcAft>
+                <a:buNone/>
+              </a:pPr>
+              <a:r>
+                <a:rPr lang="en-GB" sz="1000" dirty="0"/>
+                <a:t>get ramp view</a:t>
+              </a:r>
+              <a:endParaRPr sz="1000" dirty="0"/>
+            </a:p>
+          </p:txBody>
+        </p:sp>
+      </p:grpSp>
+      <p:sp>
+        <p:nvSpPr>
+          <p:cNvPr id="62" name="Google Shape;115;p14">
+            <a:extLst>
+              <a:ext uri="{FF2B5EF4-FFF2-40B4-BE49-F238E27FC236}">
+                <a16:creationId xmlns:a16="http://schemas.microsoft.com/office/drawing/2014/main" id="{102CCA4D-357C-8644-8F57-FB1A9A46E819}"/>
+              </a:ext>
+            </a:extLst>
+          </p:cNvPr>
+          <p:cNvSpPr/>
+          <p:nvPr/>
+        </p:nvSpPr>
+        <p:spPr>
+          <a:xfrm>
+            <a:off x="6201812" y="3454884"/>
+            <a:ext cx="143216" cy="325546"/>
+          </a:xfrm>
+          <a:prstGeom prst="rect">
+            <a:avLst/>
+          </a:prstGeom>
+          <a:solidFill>
+            <a:schemeClr val="lt1"/>
+          </a:solidFill>
+          <a:ln w="9525" cap="flat" cmpd="sng">
+            <a:solidFill>
+              <a:schemeClr val="dk2"/>
+            </a:solidFill>
+            <a:prstDash val="solid"/>
+            <a:round/>
+            <a:headEnd type="none" w="sm" len="sm"/>
+            <a:tailEnd type="none" w="sm" len="sm"/>
+          </a:ln>
+        </p:spPr>
+        <p:txBody>
+          <a:bodyPr spcFirstLastPara="1" wrap="square" lIns="91425" tIns="91425" rIns="91425" bIns="91425" anchor="ctr" anchorCtr="0">
+            <a:noAutofit/>
+          </a:bodyPr>
+          <a:lstStyle/>
+          <a:p>
+            <a:pPr marL="0" lvl="0" indent="0" algn="l" rtl="0">
+              <a:spcBef>
+                <a:spcPts val="0"/>
+              </a:spcBef>
+              <a:spcAft>
+                <a:spcPts val="0"/>
+              </a:spcAft>
+              <a:buNone/>
+            </a:pPr>
+            <a:endParaRPr dirty="0"/>
+          </a:p>
+        </p:txBody>
+      </p:sp>
+      <p:grpSp>
+        <p:nvGrpSpPr>
+          <p:cNvPr id="63" name="Google Shape;139;p14">
+            <a:extLst>
+              <a:ext uri="{FF2B5EF4-FFF2-40B4-BE49-F238E27FC236}">
+                <a16:creationId xmlns:a16="http://schemas.microsoft.com/office/drawing/2014/main" id="{74E31301-7A6A-7644-AEA0-B3FB05D6F8D8}"/>
+              </a:ext>
+            </a:extLst>
+          </p:cNvPr>
+          <p:cNvGrpSpPr/>
+          <p:nvPr/>
+        </p:nvGrpSpPr>
+        <p:grpSpPr>
+          <a:xfrm>
+            <a:off x="4257852" y="3533543"/>
+            <a:ext cx="1938088" cy="256200"/>
+            <a:chOff x="-102682" y="1016925"/>
+            <a:chExt cx="2267700" cy="256200"/>
+          </a:xfrm>
+        </p:grpSpPr>
+        <p:cxnSp>
+          <p:nvCxnSpPr>
+            <p:cNvPr id="64" name="Google Shape;140;p14">
+              <a:extLst>
+                <a:ext uri="{FF2B5EF4-FFF2-40B4-BE49-F238E27FC236}">
+                  <a16:creationId xmlns:a16="http://schemas.microsoft.com/office/drawing/2014/main" id="{D3579312-6215-5244-BDBE-FD68149D11FC}"/>
+                </a:ext>
+              </a:extLst>
+            </p:cNvPr>
+            <p:cNvCxnSpPr/>
+            <p:nvPr/>
+          </p:nvCxnSpPr>
+          <p:spPr>
+            <a:xfrm rot="10800000" flipH="1">
+              <a:off x="-102682" y="1265325"/>
+              <a:ext cx="2267700" cy="7800"/>
+            </a:xfrm>
+            <a:prstGeom prst="straightConnector1">
+              <a:avLst/>
+            </a:prstGeom>
+            <a:noFill/>
+            <a:ln w="9525" cap="flat" cmpd="sng">
+              <a:solidFill>
+                <a:schemeClr val="dk2"/>
+              </a:solidFill>
+              <a:prstDash val="dash"/>
+              <a:round/>
+              <a:headEnd type="triangle" w="med" len="med"/>
+              <a:tailEnd type="none" w="med" len="med"/>
+            </a:ln>
+          </p:spPr>
+        </p:cxnSp>
+        <p:sp>
+          <p:nvSpPr>
+            <p:cNvPr id="65" name="Google Shape;141;p14">
+              <a:extLst>
+                <a:ext uri="{FF2B5EF4-FFF2-40B4-BE49-F238E27FC236}">
+                  <a16:creationId xmlns:a16="http://schemas.microsoft.com/office/drawing/2014/main" id="{4D7C2A68-519F-E146-8E6D-F2684CABD6C5}"/>
+                </a:ext>
+              </a:extLst>
+            </p:cNvPr>
+            <p:cNvSpPr txBox="1"/>
+            <p:nvPr/>
+          </p:nvSpPr>
+          <p:spPr>
+            <a:xfrm>
+              <a:off x="-20525" y="1016925"/>
+              <a:ext cx="2097600" cy="248400"/>
+            </a:xfrm>
+            <a:prstGeom prst="rect">
+              <a:avLst/>
+            </a:prstGeom>
+            <a:noFill/>
+            <a:ln>
+              <a:noFill/>
+            </a:ln>
+          </p:spPr>
+          <p:txBody>
+            <a:bodyPr spcFirstLastPara="1" wrap="square" lIns="91425" tIns="91425" rIns="91425" bIns="91425" anchor="ctr" anchorCtr="0">
+              <a:noAutofit/>
+            </a:bodyPr>
+            <a:lstStyle/>
+            <a:p>
+              <a:pPr marL="0" lvl="0" indent="0" algn="ctr" rtl="0">
+                <a:spcBef>
+                  <a:spcPts val="0"/>
+                </a:spcBef>
+                <a:spcAft>
+                  <a:spcPts val="0"/>
+                </a:spcAft>
+                <a:buNone/>
+              </a:pPr>
+              <a:r>
+                <a:rPr lang="en-GB" sz="1000" dirty="0"/>
+                <a:t>ramp view</a:t>
+              </a:r>
+              <a:endParaRPr sz="1000" dirty="0"/>
+            </a:p>
+          </p:txBody>
+        </p:sp>
+      </p:grpSp>
     </p:spTree>
   </p:cSld>
   <p:clrMapOvr>
@@ -8375,8 +9229,980 @@
 </p:sld>
 </file>
 
+<file path=ppt/slides/slide3.xml><?xml version="1.0" encoding="utf-8"?>
+<p:sld xmlns:a="http://schemas.openxmlformats.org/drawingml/2006/main" xmlns:r="http://schemas.openxmlformats.org/officeDocument/2006/relationships" xmlns:p="http://schemas.openxmlformats.org/presentationml/2006/main">
+  <p:cSld>
+    <p:spTree>
+      <p:nvGrpSpPr>
+        <p:cNvPr id="1" name=""/>
+        <p:cNvGrpSpPr/>
+        <p:nvPr/>
+      </p:nvGrpSpPr>
+      <p:grpSpPr>
+        <a:xfrm>
+          <a:off x="0" y="0"/>
+          <a:ext cx="0" cy="0"/>
+          <a:chOff x="0" y="0"/>
+          <a:chExt cx="0" cy="0"/>
+        </a:xfrm>
+      </p:grpSpPr>
+      <p:sp>
+        <p:nvSpPr>
+          <p:cNvPr id="2" name="Google Shape;102;p14">
+            <a:extLst>
+              <a:ext uri="{FF2B5EF4-FFF2-40B4-BE49-F238E27FC236}">
+                <a16:creationId xmlns:a16="http://schemas.microsoft.com/office/drawing/2014/main" id="{147BB791-DA52-F44A-867A-8E1BDFF601DF}"/>
+              </a:ext>
+            </a:extLst>
+          </p:cNvPr>
+          <p:cNvSpPr/>
+          <p:nvPr/>
+        </p:nvSpPr>
+        <p:spPr>
+          <a:xfrm>
+            <a:off x="2508704" y="2114456"/>
+            <a:ext cx="1228555" cy="282489"/>
+          </a:xfrm>
+          <a:prstGeom prst="rect">
+            <a:avLst/>
+          </a:prstGeom>
+          <a:noFill/>
+          <a:ln w="9525" cap="flat" cmpd="sng">
+            <a:solidFill>
+              <a:schemeClr val="dk2"/>
+            </a:solidFill>
+            <a:prstDash val="solid"/>
+            <a:round/>
+            <a:headEnd type="none" w="sm" len="sm"/>
+            <a:tailEnd type="none" w="sm" len="sm"/>
+          </a:ln>
+        </p:spPr>
+        <p:txBody>
+          <a:bodyPr spcFirstLastPara="1" wrap="square" lIns="91425" tIns="91425" rIns="91425" bIns="91425" anchor="ctr" anchorCtr="0">
+            <a:noAutofit/>
+          </a:bodyPr>
+          <a:lstStyle/>
+          <a:p>
+            <a:pPr marL="0" lvl="0" indent="0" algn="ctr" rtl="0">
+              <a:spcBef>
+                <a:spcPts val="0"/>
+              </a:spcBef>
+              <a:spcAft>
+                <a:spcPts val="0"/>
+              </a:spcAft>
+              <a:buNone/>
+            </a:pPr>
+            <a:r>
+              <a:rPr lang="en-GB" sz="1000" dirty="0" err="1"/>
+              <a:t>v_summary.js</a:t>
+            </a:r>
+            <a:endParaRPr sz="1000" dirty="0"/>
+          </a:p>
+        </p:txBody>
+      </p:sp>
+      <p:sp>
+        <p:nvSpPr>
+          <p:cNvPr id="3" name="Google Shape;102;p14">
+            <a:extLst>
+              <a:ext uri="{FF2B5EF4-FFF2-40B4-BE49-F238E27FC236}">
+                <a16:creationId xmlns:a16="http://schemas.microsoft.com/office/drawing/2014/main" id="{C38EA6AD-A39D-2B4B-BEC7-9FA7FC68341F}"/>
+              </a:ext>
+            </a:extLst>
+          </p:cNvPr>
+          <p:cNvSpPr/>
+          <p:nvPr/>
+        </p:nvSpPr>
+        <p:spPr>
+          <a:xfrm>
+            <a:off x="2508704" y="2750848"/>
+            <a:ext cx="1228555" cy="282489"/>
+          </a:xfrm>
+          <a:prstGeom prst="rect">
+            <a:avLst/>
+          </a:prstGeom>
+          <a:noFill/>
+          <a:ln w="9525" cap="flat" cmpd="sng">
+            <a:solidFill>
+              <a:schemeClr val="dk2"/>
+            </a:solidFill>
+            <a:prstDash val="solid"/>
+            <a:round/>
+            <a:headEnd type="none" w="sm" len="sm"/>
+            <a:tailEnd type="none" w="sm" len="sm"/>
+          </a:ln>
+        </p:spPr>
+        <p:txBody>
+          <a:bodyPr spcFirstLastPara="1" wrap="square" lIns="91425" tIns="91425" rIns="91425" bIns="91425" anchor="ctr" anchorCtr="0">
+            <a:noAutofit/>
+          </a:bodyPr>
+          <a:lstStyle/>
+          <a:p>
+            <a:pPr marL="0" lvl="0" indent="0" algn="ctr" rtl="0">
+              <a:spcBef>
+                <a:spcPts val="0"/>
+              </a:spcBef>
+              <a:spcAft>
+                <a:spcPts val="0"/>
+              </a:spcAft>
+              <a:buNone/>
+            </a:pPr>
+            <a:r>
+              <a:rPr lang="en-GB" sz="1000" dirty="0" err="1"/>
+              <a:t>v_authorship.js</a:t>
+            </a:r>
+            <a:endParaRPr sz="1000" dirty="0"/>
+          </a:p>
+        </p:txBody>
+      </p:sp>
+      <p:sp>
+        <p:nvSpPr>
+          <p:cNvPr id="4" name="Google Shape;102;p14">
+            <a:extLst>
+              <a:ext uri="{FF2B5EF4-FFF2-40B4-BE49-F238E27FC236}">
+                <a16:creationId xmlns:a16="http://schemas.microsoft.com/office/drawing/2014/main" id="{A8D06975-7112-174C-9E63-A6FC3629AF82}"/>
+              </a:ext>
+            </a:extLst>
+          </p:cNvPr>
+          <p:cNvSpPr/>
+          <p:nvPr/>
+        </p:nvSpPr>
+        <p:spPr>
+          <a:xfrm>
+            <a:off x="4118126" y="1517186"/>
+            <a:ext cx="1228555" cy="282489"/>
+          </a:xfrm>
+          <a:prstGeom prst="rect">
+            <a:avLst/>
+          </a:prstGeom>
+          <a:noFill/>
+          <a:ln w="9525" cap="flat" cmpd="sng">
+            <a:solidFill>
+              <a:schemeClr val="dk2"/>
+            </a:solidFill>
+            <a:prstDash val="solid"/>
+            <a:round/>
+            <a:headEnd type="none" w="sm" len="sm"/>
+            <a:tailEnd type="none" w="sm" len="sm"/>
+          </a:ln>
+        </p:spPr>
+        <p:txBody>
+          <a:bodyPr spcFirstLastPara="1" wrap="square" lIns="91425" tIns="91425" rIns="91425" bIns="91425" anchor="ctr" anchorCtr="0">
+            <a:noAutofit/>
+          </a:bodyPr>
+          <a:lstStyle/>
+          <a:p>
+            <a:pPr marL="0" lvl="0" indent="0" algn="ctr" rtl="0">
+              <a:spcBef>
+                <a:spcPts val="0"/>
+              </a:spcBef>
+              <a:spcAft>
+                <a:spcPts val="0"/>
+              </a:spcAft>
+              <a:buNone/>
+            </a:pPr>
+            <a:r>
+              <a:rPr lang="en-GB" sz="1000" dirty="0" err="1"/>
+              <a:t>v_ramp.js</a:t>
+            </a:r>
+            <a:endParaRPr sz="1000" dirty="0"/>
+          </a:p>
+        </p:txBody>
+      </p:sp>
+      <p:sp>
+        <p:nvSpPr>
+          <p:cNvPr id="5" name="Google Shape;102;p14">
+            <a:extLst>
+              <a:ext uri="{FF2B5EF4-FFF2-40B4-BE49-F238E27FC236}">
+                <a16:creationId xmlns:a16="http://schemas.microsoft.com/office/drawing/2014/main" id="{5F8CF904-1F0C-2E48-A6DF-03A6A2758D38}"/>
+              </a:ext>
+            </a:extLst>
+          </p:cNvPr>
+          <p:cNvSpPr/>
+          <p:nvPr/>
+        </p:nvSpPr>
+        <p:spPr>
+          <a:xfrm>
+            <a:off x="2508704" y="1523317"/>
+            <a:ext cx="1228555" cy="282489"/>
+          </a:xfrm>
+          <a:prstGeom prst="rect">
+            <a:avLst/>
+          </a:prstGeom>
+          <a:noFill/>
+          <a:ln w="9525" cap="flat" cmpd="sng">
+            <a:solidFill>
+              <a:schemeClr val="dk2"/>
+            </a:solidFill>
+            <a:prstDash val="solid"/>
+            <a:round/>
+            <a:headEnd type="none" w="sm" len="sm"/>
+            <a:tailEnd type="none" w="sm" len="sm"/>
+          </a:ln>
+        </p:spPr>
+        <p:txBody>
+          <a:bodyPr spcFirstLastPara="1" wrap="square" lIns="91425" tIns="91425" rIns="91425" bIns="91425" anchor="ctr" anchorCtr="0">
+            <a:noAutofit/>
+          </a:bodyPr>
+          <a:lstStyle/>
+          <a:p>
+            <a:pPr marL="0" lvl="0" indent="0" algn="ctr" rtl="0">
+              <a:spcBef>
+                <a:spcPts val="0"/>
+              </a:spcBef>
+              <a:spcAft>
+                <a:spcPts val="0"/>
+              </a:spcAft>
+              <a:buNone/>
+            </a:pPr>
+            <a:r>
+              <a:rPr lang="en-GB" sz="1000" dirty="0" err="1"/>
+              <a:t>v_zoom.js</a:t>
+            </a:r>
+            <a:endParaRPr sz="1000" dirty="0"/>
+          </a:p>
+        </p:txBody>
+      </p:sp>
+      <p:sp>
+        <p:nvSpPr>
+          <p:cNvPr id="6" name="Google Shape;102;p14">
+            <a:extLst>
+              <a:ext uri="{FF2B5EF4-FFF2-40B4-BE49-F238E27FC236}">
+                <a16:creationId xmlns:a16="http://schemas.microsoft.com/office/drawing/2014/main" id="{52E297BB-8D27-E142-92DF-D8453168ED26}"/>
+              </a:ext>
+            </a:extLst>
+          </p:cNvPr>
+          <p:cNvSpPr/>
+          <p:nvPr/>
+        </p:nvSpPr>
+        <p:spPr>
+          <a:xfrm>
+            <a:off x="2508704" y="3486773"/>
+            <a:ext cx="1228555" cy="282489"/>
+          </a:xfrm>
+          <a:prstGeom prst="rect">
+            <a:avLst/>
+          </a:prstGeom>
+          <a:noFill/>
+          <a:ln w="9525" cap="flat" cmpd="sng">
+            <a:solidFill>
+              <a:schemeClr val="dk2"/>
+            </a:solidFill>
+            <a:prstDash val="solid"/>
+            <a:round/>
+            <a:headEnd type="none" w="sm" len="sm"/>
+            <a:tailEnd type="none" w="sm" len="sm"/>
+          </a:ln>
+        </p:spPr>
+        <p:txBody>
+          <a:bodyPr spcFirstLastPara="1" wrap="square" lIns="91425" tIns="91425" rIns="91425" bIns="91425" anchor="ctr" anchorCtr="0">
+            <a:noAutofit/>
+          </a:bodyPr>
+          <a:lstStyle/>
+          <a:p>
+            <a:pPr marL="0" lvl="0" indent="0" algn="ctr" rtl="0">
+              <a:spcBef>
+                <a:spcPts val="0"/>
+              </a:spcBef>
+              <a:spcAft>
+                <a:spcPts val="0"/>
+              </a:spcAft>
+              <a:buNone/>
+            </a:pPr>
+            <a:r>
+              <a:rPr lang="en-GB" sz="1000" dirty="0" err="1"/>
+              <a:t>v_segment.js</a:t>
+            </a:r>
+            <a:endParaRPr sz="1000" dirty="0"/>
+          </a:p>
+        </p:txBody>
+      </p:sp>
+      <p:sp>
+        <p:nvSpPr>
+          <p:cNvPr id="7" name="Google Shape;102;p14">
+            <a:extLst>
+              <a:ext uri="{FF2B5EF4-FFF2-40B4-BE49-F238E27FC236}">
+                <a16:creationId xmlns:a16="http://schemas.microsoft.com/office/drawing/2014/main" id="{A653E3C2-6F40-0F48-BE6B-E1168BBC7396}"/>
+              </a:ext>
+            </a:extLst>
+          </p:cNvPr>
+          <p:cNvSpPr/>
+          <p:nvPr/>
+        </p:nvSpPr>
+        <p:spPr>
+          <a:xfrm>
+            <a:off x="1226985" y="775480"/>
+            <a:ext cx="1228555" cy="390393"/>
+          </a:xfrm>
+          <a:prstGeom prst="rect">
+            <a:avLst/>
+          </a:prstGeom>
+          <a:noFill/>
+          <a:ln w="9525" cap="flat" cmpd="sng">
+            <a:solidFill>
+              <a:schemeClr val="dk2"/>
+            </a:solidFill>
+            <a:prstDash val="solid"/>
+            <a:round/>
+            <a:headEnd type="none" w="sm" len="sm"/>
+            <a:tailEnd type="none" w="sm" len="sm"/>
+          </a:ln>
+        </p:spPr>
+        <p:txBody>
+          <a:bodyPr spcFirstLastPara="1" wrap="square" lIns="91425" tIns="91425" rIns="91425" bIns="91425" anchor="ctr" anchorCtr="0">
+            <a:noAutofit/>
+          </a:bodyPr>
+          <a:lstStyle/>
+          <a:p>
+            <a:pPr marL="0" lvl="0" indent="0" algn="ctr" rtl="0">
+              <a:spcBef>
+                <a:spcPts val="0"/>
+              </a:spcBef>
+              <a:spcAft>
+                <a:spcPts val="0"/>
+              </a:spcAft>
+              <a:buNone/>
+            </a:pPr>
+            <a:r>
+              <a:rPr lang="en-GB" sz="1000" dirty="0" err="1"/>
+              <a:t>main.js</a:t>
+            </a:r>
+            <a:endParaRPr lang="en-GB" sz="1000" dirty="0"/>
+          </a:p>
+          <a:p>
+            <a:pPr marL="0" lvl="0" indent="0" algn="ctr" rtl="0">
+              <a:spcBef>
+                <a:spcPts val="0"/>
+              </a:spcBef>
+              <a:spcAft>
+                <a:spcPts val="0"/>
+              </a:spcAft>
+              <a:buNone/>
+            </a:pPr>
+            <a:r>
+              <a:rPr lang="en-GB" sz="1000" dirty="0"/>
+              <a:t>(</a:t>
+            </a:r>
+            <a:r>
+              <a:rPr lang="en-GB" sz="1000" dirty="0" err="1"/>
+              <a:t>window.app</a:t>
+            </a:r>
+            <a:r>
+              <a:rPr lang="en-GB" sz="1000" dirty="0"/>
+              <a:t>)</a:t>
+            </a:r>
+            <a:endParaRPr sz="1000" dirty="0"/>
+          </a:p>
+        </p:txBody>
+      </p:sp>
+      <p:sp>
+        <p:nvSpPr>
+          <p:cNvPr id="8" name="Can 7">
+            <a:extLst>
+              <a:ext uri="{FF2B5EF4-FFF2-40B4-BE49-F238E27FC236}">
+                <a16:creationId xmlns:a16="http://schemas.microsoft.com/office/drawing/2014/main" id="{98131CD1-0671-9846-B72E-D8CDC34A910F}"/>
+              </a:ext>
+            </a:extLst>
+          </p:cNvPr>
+          <p:cNvSpPr/>
+          <p:nvPr/>
+        </p:nvSpPr>
+        <p:spPr>
+          <a:xfrm>
+            <a:off x="5493737" y="3133027"/>
+            <a:ext cx="527282" cy="707492"/>
+          </a:xfrm>
+          <a:prstGeom prst="can">
+            <a:avLst/>
+          </a:prstGeom>
+          <a:noFill/>
+          <a:ln w="6350">
+            <a:solidFill>
+              <a:schemeClr val="tx1"/>
+            </a:solidFill>
+          </a:ln>
+        </p:spPr>
+        <p:style>
+          <a:lnRef idx="2">
+            <a:schemeClr val="accent1">
+              <a:shade val="50000"/>
+            </a:schemeClr>
+          </a:lnRef>
+          <a:fillRef idx="1">
+            <a:schemeClr val="accent1"/>
+          </a:fillRef>
+          <a:effectRef idx="0">
+            <a:schemeClr val="accent1"/>
+          </a:effectRef>
+          <a:fontRef idx="minor">
+            <a:schemeClr val="lt1"/>
+          </a:fontRef>
+        </p:style>
+        <p:txBody>
+          <a:bodyPr rtlCol="0" anchor="ctr"/>
+          <a:lstStyle/>
+          <a:p>
+            <a:pPr algn="ctr"/>
+            <a:endParaRPr lang="en-US"/>
+          </a:p>
+        </p:txBody>
+      </p:sp>
+      <p:sp>
+        <p:nvSpPr>
+          <p:cNvPr id="10" name="TextBox 9">
+            <a:extLst>
+              <a:ext uri="{FF2B5EF4-FFF2-40B4-BE49-F238E27FC236}">
+                <a16:creationId xmlns:a16="http://schemas.microsoft.com/office/drawing/2014/main" id="{E346BC99-095C-1F4D-A8FE-BAB23311B3F0}"/>
+              </a:ext>
+            </a:extLst>
+          </p:cNvPr>
+          <p:cNvSpPr txBox="1"/>
+          <p:nvPr/>
+        </p:nvSpPr>
+        <p:spPr>
+          <a:xfrm>
+            <a:off x="5515966" y="3363662"/>
+            <a:ext cx="482824" cy="246221"/>
+          </a:xfrm>
+          <a:prstGeom prst="rect">
+            <a:avLst/>
+          </a:prstGeom>
+          <a:noFill/>
+        </p:spPr>
+        <p:txBody>
+          <a:bodyPr wrap="none" rtlCol="0">
+            <a:spAutoFit/>
+          </a:bodyPr>
+          <a:lstStyle/>
+          <a:p>
+            <a:r>
+              <a:rPr lang="en-US" sz="1000" dirty="0" err="1"/>
+              <a:t>api.js</a:t>
+            </a:r>
+            <a:endParaRPr lang="en-US" sz="1000" dirty="0"/>
+          </a:p>
+        </p:txBody>
+      </p:sp>
+      <p:cxnSp>
+        <p:nvCxnSpPr>
+          <p:cNvPr id="12" name="Elbow Connector 11">
+            <a:extLst>
+              <a:ext uri="{FF2B5EF4-FFF2-40B4-BE49-F238E27FC236}">
+                <a16:creationId xmlns:a16="http://schemas.microsoft.com/office/drawing/2014/main" id="{57E26981-9F63-0E43-B04E-47D58A265357}"/>
+              </a:ext>
+            </a:extLst>
+          </p:cNvPr>
+          <p:cNvCxnSpPr>
+            <a:stCxn id="7" idx="2"/>
+            <a:endCxn id="2" idx="1"/>
+          </p:cNvCxnSpPr>
+          <p:nvPr/>
+        </p:nvCxnSpPr>
+        <p:spPr>
+          <a:xfrm rot="16200000" flipH="1">
+            <a:off x="1630069" y="1377066"/>
+            <a:ext cx="1089828" cy="667441"/>
+          </a:xfrm>
+          <a:prstGeom prst="bentConnector2">
+            <a:avLst/>
+          </a:prstGeom>
+          <a:ln>
+            <a:tailEnd type="triangle"/>
+          </a:ln>
+        </p:spPr>
+        <p:style>
+          <a:lnRef idx="1">
+            <a:schemeClr val="accent2"/>
+          </a:lnRef>
+          <a:fillRef idx="0">
+            <a:schemeClr val="accent2"/>
+          </a:fillRef>
+          <a:effectRef idx="0">
+            <a:schemeClr val="accent2"/>
+          </a:effectRef>
+          <a:fontRef idx="minor">
+            <a:schemeClr val="tx1"/>
+          </a:fontRef>
+        </p:style>
+      </p:cxnSp>
+      <p:cxnSp>
+        <p:nvCxnSpPr>
+          <p:cNvPr id="14" name="Elbow Connector 13">
+            <a:extLst>
+              <a:ext uri="{FF2B5EF4-FFF2-40B4-BE49-F238E27FC236}">
+                <a16:creationId xmlns:a16="http://schemas.microsoft.com/office/drawing/2014/main" id="{B0B99745-329E-B443-B0FA-D3A4FE3D4CB7}"/>
+              </a:ext>
+            </a:extLst>
+          </p:cNvPr>
+          <p:cNvCxnSpPr>
+            <a:endCxn id="3" idx="1"/>
+          </p:cNvCxnSpPr>
+          <p:nvPr/>
+        </p:nvCxnSpPr>
+        <p:spPr>
+          <a:xfrm>
+            <a:off x="1841262" y="2255701"/>
+            <a:ext cx="667442" cy="636392"/>
+          </a:xfrm>
+          <a:prstGeom prst="bentConnector3">
+            <a:avLst>
+              <a:gd name="adj1" fmla="val 0"/>
+            </a:avLst>
+          </a:prstGeom>
+          <a:ln>
+            <a:tailEnd type="triangle"/>
+          </a:ln>
+        </p:spPr>
+        <p:style>
+          <a:lnRef idx="1">
+            <a:schemeClr val="accent2"/>
+          </a:lnRef>
+          <a:fillRef idx="0">
+            <a:schemeClr val="accent2"/>
+          </a:fillRef>
+          <a:effectRef idx="0">
+            <a:schemeClr val="accent2"/>
+          </a:effectRef>
+          <a:fontRef idx="minor">
+            <a:schemeClr val="tx1"/>
+          </a:fontRef>
+        </p:style>
+      </p:cxnSp>
+      <p:cxnSp>
+        <p:nvCxnSpPr>
+          <p:cNvPr id="17" name="Straight Arrow Connector 16">
+            <a:extLst>
+              <a:ext uri="{FF2B5EF4-FFF2-40B4-BE49-F238E27FC236}">
+                <a16:creationId xmlns:a16="http://schemas.microsoft.com/office/drawing/2014/main" id="{A4B943A3-7835-3C4E-A715-5A33CACB2116}"/>
+              </a:ext>
+            </a:extLst>
+          </p:cNvPr>
+          <p:cNvCxnSpPr>
+            <a:stCxn id="3" idx="2"/>
+            <a:endCxn id="6" idx="0"/>
+          </p:cNvCxnSpPr>
+          <p:nvPr/>
+        </p:nvCxnSpPr>
+        <p:spPr>
+          <a:xfrm>
+            <a:off x="3122982" y="3033337"/>
+            <a:ext cx="0" cy="453436"/>
+          </a:xfrm>
+          <a:prstGeom prst="straightConnector1">
+            <a:avLst/>
+          </a:prstGeom>
+          <a:ln>
+            <a:tailEnd type="triangle"/>
+          </a:ln>
+        </p:spPr>
+        <p:style>
+          <a:lnRef idx="1">
+            <a:schemeClr val="accent2"/>
+          </a:lnRef>
+          <a:fillRef idx="0">
+            <a:schemeClr val="accent2"/>
+          </a:fillRef>
+          <a:effectRef idx="0">
+            <a:schemeClr val="accent2"/>
+          </a:effectRef>
+          <a:fontRef idx="minor">
+            <a:schemeClr val="tx1"/>
+          </a:fontRef>
+        </p:style>
+      </p:cxnSp>
+      <p:cxnSp>
+        <p:nvCxnSpPr>
+          <p:cNvPr id="19" name="Elbow Connector 18">
+            <a:extLst>
+              <a:ext uri="{FF2B5EF4-FFF2-40B4-BE49-F238E27FC236}">
+                <a16:creationId xmlns:a16="http://schemas.microsoft.com/office/drawing/2014/main" id="{97DEC66E-5953-FF42-8FBF-13BE1D202574}"/>
+              </a:ext>
+            </a:extLst>
+          </p:cNvPr>
+          <p:cNvCxnSpPr>
+            <a:stCxn id="8" idx="1"/>
+            <a:endCxn id="3" idx="3"/>
+          </p:cNvCxnSpPr>
+          <p:nvPr/>
+        </p:nvCxnSpPr>
+        <p:spPr>
+          <a:xfrm rot="16200000" flipV="1">
+            <a:off x="4626852" y="2002500"/>
+            <a:ext cx="240934" cy="2020119"/>
+          </a:xfrm>
+          <a:prstGeom prst="bentConnector2">
+            <a:avLst/>
+          </a:prstGeom>
+          <a:ln>
+            <a:tailEnd type="triangle"/>
+          </a:ln>
+        </p:spPr>
+        <p:style>
+          <a:lnRef idx="1">
+            <a:schemeClr val="accent2"/>
+          </a:lnRef>
+          <a:fillRef idx="0">
+            <a:schemeClr val="accent2"/>
+          </a:fillRef>
+          <a:effectRef idx="0">
+            <a:schemeClr val="accent2"/>
+          </a:effectRef>
+          <a:fontRef idx="minor">
+            <a:schemeClr val="tx1"/>
+          </a:fontRef>
+        </p:style>
+      </p:cxnSp>
+      <p:cxnSp>
+        <p:nvCxnSpPr>
+          <p:cNvPr id="21" name="Elbow Connector 20">
+            <a:extLst>
+              <a:ext uri="{FF2B5EF4-FFF2-40B4-BE49-F238E27FC236}">
+                <a16:creationId xmlns:a16="http://schemas.microsoft.com/office/drawing/2014/main" id="{A986F112-96C2-C04A-A36A-1411FF21687A}"/>
+              </a:ext>
+            </a:extLst>
+          </p:cNvPr>
+          <p:cNvCxnSpPr>
+            <a:endCxn id="2" idx="3"/>
+          </p:cNvCxnSpPr>
+          <p:nvPr/>
+        </p:nvCxnSpPr>
+        <p:spPr>
+          <a:xfrm rot="10800000">
+            <a:off x="3737260" y="2255701"/>
+            <a:ext cx="1068347" cy="636392"/>
+          </a:xfrm>
+          <a:prstGeom prst="bentConnector3">
+            <a:avLst>
+              <a:gd name="adj1" fmla="val -88768"/>
+            </a:avLst>
+          </a:prstGeom>
+          <a:ln>
+            <a:tailEnd type="triangle"/>
+          </a:ln>
+        </p:spPr>
+        <p:style>
+          <a:lnRef idx="1">
+            <a:schemeClr val="accent2"/>
+          </a:lnRef>
+          <a:fillRef idx="0">
+            <a:schemeClr val="accent2"/>
+          </a:fillRef>
+          <a:effectRef idx="0">
+            <a:schemeClr val="accent2"/>
+          </a:effectRef>
+          <a:fontRef idx="minor">
+            <a:schemeClr val="tx1"/>
+          </a:fontRef>
+        </p:style>
+      </p:cxnSp>
+      <p:cxnSp>
+        <p:nvCxnSpPr>
+          <p:cNvPr id="24" name="Elbow Connector 23">
+            <a:extLst>
+              <a:ext uri="{FF2B5EF4-FFF2-40B4-BE49-F238E27FC236}">
+                <a16:creationId xmlns:a16="http://schemas.microsoft.com/office/drawing/2014/main" id="{D734B082-B1C5-2049-86C4-CA4D11D7FAF8}"/>
+              </a:ext>
+            </a:extLst>
+          </p:cNvPr>
+          <p:cNvCxnSpPr>
+            <a:endCxn id="7" idx="3"/>
+          </p:cNvCxnSpPr>
+          <p:nvPr/>
+        </p:nvCxnSpPr>
+        <p:spPr>
+          <a:xfrm rot="10800000">
+            <a:off x="2455540" y="970678"/>
+            <a:ext cx="2357872" cy="1285023"/>
+          </a:xfrm>
+          <a:prstGeom prst="bentConnector3">
+            <a:avLst>
+              <a:gd name="adj1" fmla="val -40060"/>
+            </a:avLst>
+          </a:prstGeom>
+          <a:ln>
+            <a:tailEnd type="triangle"/>
+          </a:ln>
+        </p:spPr>
+        <p:style>
+          <a:lnRef idx="1">
+            <a:schemeClr val="accent2"/>
+          </a:lnRef>
+          <a:fillRef idx="0">
+            <a:schemeClr val="accent2"/>
+          </a:fillRef>
+          <a:effectRef idx="0">
+            <a:schemeClr val="accent2"/>
+          </a:effectRef>
+          <a:fontRef idx="minor">
+            <a:schemeClr val="tx1"/>
+          </a:fontRef>
+        </p:style>
+      </p:cxnSp>
+      <p:sp>
+        <p:nvSpPr>
+          <p:cNvPr id="30" name="TextBox 29">
+            <a:extLst>
+              <a:ext uri="{FF2B5EF4-FFF2-40B4-BE49-F238E27FC236}">
+                <a16:creationId xmlns:a16="http://schemas.microsoft.com/office/drawing/2014/main" id="{070DE9D2-79EA-2546-9F95-94C44FC0ED3F}"/>
+              </a:ext>
+            </a:extLst>
+          </p:cNvPr>
+          <p:cNvSpPr txBox="1"/>
+          <p:nvPr/>
+        </p:nvSpPr>
+        <p:spPr>
+          <a:xfrm>
+            <a:off x="3193415" y="730704"/>
+            <a:ext cx="981359" cy="246221"/>
+          </a:xfrm>
+          <a:prstGeom prst="rect">
+            <a:avLst/>
+          </a:prstGeom>
+          <a:noFill/>
+        </p:spPr>
+        <p:txBody>
+          <a:bodyPr wrap="none" rtlCol="0">
+            <a:spAutoFit/>
+          </a:bodyPr>
+          <a:lstStyle/>
+          <a:p>
+            <a:r>
+              <a:rPr lang="en-US" sz="1000" dirty="0" err="1"/>
+              <a:t>summary.json</a:t>
+            </a:r>
+            <a:endParaRPr lang="en-US" sz="1000" dirty="0"/>
+          </a:p>
+        </p:txBody>
+      </p:sp>
+      <p:sp>
+        <p:nvSpPr>
+          <p:cNvPr id="31" name="TextBox 30">
+            <a:extLst>
+              <a:ext uri="{FF2B5EF4-FFF2-40B4-BE49-F238E27FC236}">
+                <a16:creationId xmlns:a16="http://schemas.microsoft.com/office/drawing/2014/main" id="{6A188802-6EE0-9547-AA07-63F80AB44EAC}"/>
+              </a:ext>
+            </a:extLst>
+          </p:cNvPr>
+          <p:cNvSpPr txBox="1"/>
+          <p:nvPr/>
+        </p:nvSpPr>
+        <p:spPr>
+          <a:xfrm>
+            <a:off x="3828150" y="2017273"/>
+            <a:ext cx="1691489" cy="246221"/>
+          </a:xfrm>
+          <a:prstGeom prst="rect">
+            <a:avLst/>
+          </a:prstGeom>
+          <a:noFill/>
+        </p:spPr>
+        <p:txBody>
+          <a:bodyPr wrap="none" rtlCol="0">
+            <a:spAutoFit/>
+          </a:bodyPr>
+          <a:lstStyle/>
+          <a:p>
+            <a:r>
+              <a:rPr lang="en-US" sz="1000" dirty="0" err="1"/>
+              <a:t>projectName</a:t>
+            </a:r>
+            <a:r>
+              <a:rPr lang="en-US" sz="1000" dirty="0"/>
+              <a:t>/</a:t>
+            </a:r>
+            <a:r>
+              <a:rPr lang="en-US" sz="1000" dirty="0" err="1"/>
+              <a:t>commits.json</a:t>
+            </a:r>
+            <a:endParaRPr lang="en-US" sz="1000" dirty="0"/>
+          </a:p>
+        </p:txBody>
+      </p:sp>
+      <p:sp>
+        <p:nvSpPr>
+          <p:cNvPr id="32" name="TextBox 31">
+            <a:extLst>
+              <a:ext uri="{FF2B5EF4-FFF2-40B4-BE49-F238E27FC236}">
+                <a16:creationId xmlns:a16="http://schemas.microsoft.com/office/drawing/2014/main" id="{2437698D-64E3-F24E-9CCB-EE173A627063}"/>
+              </a:ext>
+            </a:extLst>
+          </p:cNvPr>
+          <p:cNvSpPr txBox="1"/>
+          <p:nvPr/>
+        </p:nvSpPr>
+        <p:spPr>
+          <a:xfrm>
+            <a:off x="3828150" y="2627737"/>
+            <a:ext cx="1808508" cy="246221"/>
+          </a:xfrm>
+          <a:prstGeom prst="rect">
+            <a:avLst/>
+          </a:prstGeom>
+          <a:noFill/>
+        </p:spPr>
+        <p:txBody>
+          <a:bodyPr wrap="none" rtlCol="0">
+            <a:spAutoFit/>
+          </a:bodyPr>
+          <a:lstStyle/>
+          <a:p>
+            <a:r>
+              <a:rPr lang="en-US" sz="1000" dirty="0" err="1"/>
+              <a:t>projectName</a:t>
+            </a:r>
+            <a:r>
+              <a:rPr lang="en-US" sz="1000" dirty="0"/>
+              <a:t>/</a:t>
+            </a:r>
+            <a:r>
+              <a:rPr lang="en-US" sz="1000" dirty="0" err="1"/>
+              <a:t>authorship.json</a:t>
+            </a:r>
+            <a:endParaRPr lang="en-US" sz="1000" dirty="0"/>
+          </a:p>
+        </p:txBody>
+      </p:sp>
+      <p:cxnSp>
+        <p:nvCxnSpPr>
+          <p:cNvPr id="39" name="Straight Arrow Connector 38">
+            <a:extLst>
+              <a:ext uri="{FF2B5EF4-FFF2-40B4-BE49-F238E27FC236}">
+                <a16:creationId xmlns:a16="http://schemas.microsoft.com/office/drawing/2014/main" id="{C113E528-C0F5-094F-B598-0BD4E3F8731D}"/>
+              </a:ext>
+            </a:extLst>
+          </p:cNvPr>
+          <p:cNvCxnSpPr>
+            <a:stCxn id="5" idx="3"/>
+            <a:endCxn id="4" idx="1"/>
+          </p:cNvCxnSpPr>
+          <p:nvPr/>
+        </p:nvCxnSpPr>
+        <p:spPr>
+          <a:xfrm flipV="1">
+            <a:off x="3737259" y="1658431"/>
+            <a:ext cx="380867" cy="6131"/>
+          </a:xfrm>
+          <a:prstGeom prst="straightConnector1">
+            <a:avLst/>
+          </a:prstGeom>
+          <a:ln>
+            <a:tailEnd type="triangle"/>
+          </a:ln>
+        </p:spPr>
+        <p:style>
+          <a:lnRef idx="1">
+            <a:schemeClr val="accent2"/>
+          </a:lnRef>
+          <a:fillRef idx="0">
+            <a:schemeClr val="accent2"/>
+          </a:fillRef>
+          <a:effectRef idx="0">
+            <a:schemeClr val="accent2"/>
+          </a:effectRef>
+          <a:fontRef idx="minor">
+            <a:schemeClr val="tx1"/>
+          </a:fontRef>
+        </p:style>
+      </p:cxnSp>
+      <p:cxnSp>
+        <p:nvCxnSpPr>
+          <p:cNvPr id="41" name="Elbow Connector 40">
+            <a:extLst>
+              <a:ext uri="{FF2B5EF4-FFF2-40B4-BE49-F238E27FC236}">
+                <a16:creationId xmlns:a16="http://schemas.microsoft.com/office/drawing/2014/main" id="{8A82D79D-FF0E-3B42-90C3-9ECB3F2376E5}"/>
+              </a:ext>
+            </a:extLst>
+          </p:cNvPr>
+          <p:cNvCxnSpPr>
+            <a:cxnSpLocks/>
+          </p:cNvCxnSpPr>
+          <p:nvPr/>
+        </p:nvCxnSpPr>
+        <p:spPr>
+          <a:xfrm rot="5400000" flipH="1" flipV="1">
+            <a:off x="3770302" y="1147080"/>
+            <a:ext cx="314781" cy="1609422"/>
+          </a:xfrm>
+          <a:prstGeom prst="bentConnector3">
+            <a:avLst>
+              <a:gd name="adj1" fmla="val 38703"/>
+            </a:avLst>
+          </a:prstGeom>
+          <a:ln>
+            <a:tailEnd type="triangle"/>
+          </a:ln>
+        </p:spPr>
+        <p:style>
+          <a:lnRef idx="1">
+            <a:schemeClr val="accent2"/>
+          </a:lnRef>
+          <a:fillRef idx="0">
+            <a:schemeClr val="accent2"/>
+          </a:fillRef>
+          <a:effectRef idx="0">
+            <a:schemeClr val="accent2"/>
+          </a:effectRef>
+          <a:fontRef idx="minor">
+            <a:schemeClr val="tx1"/>
+          </a:fontRef>
+        </p:style>
+      </p:cxnSp>
+      <p:cxnSp>
+        <p:nvCxnSpPr>
+          <p:cNvPr id="45" name="Straight Arrow Connector 44">
+            <a:extLst>
+              <a:ext uri="{FF2B5EF4-FFF2-40B4-BE49-F238E27FC236}">
+                <a16:creationId xmlns:a16="http://schemas.microsoft.com/office/drawing/2014/main" id="{10CC866D-859D-2145-8D2A-9D4BBB0BA1D0}"/>
+              </a:ext>
+            </a:extLst>
+          </p:cNvPr>
+          <p:cNvCxnSpPr>
+            <a:cxnSpLocks/>
+            <a:endCxn id="5" idx="2"/>
+          </p:cNvCxnSpPr>
+          <p:nvPr/>
+        </p:nvCxnSpPr>
+        <p:spPr>
+          <a:xfrm flipV="1">
+            <a:off x="3122981" y="1805806"/>
+            <a:ext cx="1" cy="195198"/>
+          </a:xfrm>
+          <a:prstGeom prst="straightConnector1">
+            <a:avLst/>
+          </a:prstGeom>
+          <a:ln>
+            <a:tailEnd type="triangle"/>
+          </a:ln>
+        </p:spPr>
+        <p:style>
+          <a:lnRef idx="1">
+            <a:schemeClr val="accent2"/>
+          </a:lnRef>
+          <a:fillRef idx="0">
+            <a:schemeClr val="accent2"/>
+          </a:fillRef>
+          <a:effectRef idx="0">
+            <a:schemeClr val="accent2"/>
+          </a:effectRef>
+          <a:fontRef idx="minor">
+            <a:schemeClr val="tx1"/>
+          </a:fontRef>
+        </p:style>
+      </p:cxnSp>
+    </p:spTree>
+    <p:extLst>
+      <p:ext uri="{BB962C8B-B14F-4D97-AF65-F5344CB8AC3E}">
+        <p14:creationId xmlns:p14="http://schemas.microsoft.com/office/powerpoint/2010/main" val="3175331370"/>
+      </p:ext>
+    </p:extLst>
+  </p:cSld>
+  <p:clrMapOvr>
+    <a:masterClrMapping/>
+  </p:clrMapOvr>
+</p:sld>
+</file>
+
 <file path=ppt/theme/theme1.xml><?xml version="1.0" encoding="utf-8"?>
-<a:theme xmlns:a="http://schemas.openxmlformats.org/drawingml/2006/main" xmlns:r="http://schemas.openxmlformats.org/officeDocument/2006/relationships" name="Simple Light">
+<a:theme xmlns:a="http://schemas.openxmlformats.org/drawingml/2006/main" name="Simple Light">
   <a:themeElements>
     <a:clrScheme name="Simple Light">
       <a:dk1>
@@ -8651,11 +10477,13 @@
       </a:bgFillStyleLst>
     </a:fmtScheme>
   </a:themeElements>
+  <a:objectDefaults/>
+  <a:extraClrSchemeLst/>
 </a:theme>
 </file>
 
 <file path=ppt/theme/theme2.xml><?xml version="1.0" encoding="utf-8"?>
-<a:theme xmlns:a="http://schemas.openxmlformats.org/drawingml/2006/main" xmlns:r="http://schemas.openxmlformats.org/officeDocument/2006/relationships">
+<a:theme xmlns:a="http://schemas.openxmlformats.org/drawingml/2006/main">
   <a:themeElements>
     <a:clrScheme name="Default">
       <a:dk1>
@@ -8930,5 +10758,7 @@
       </a:bgFillStyleLst>
     </a:fmtScheme>
   </a:themeElements>
+  <a:objectDefaults/>
+  <a:extraClrSchemeLst/>
 </a:theme>
 </file>